--- a/Apresentação Laudo MMSP.pptx
+++ b/Apresentação Laudo MMSP.pptx
@@ -4,10 +4,15 @@
   <p:sldMasterIdLst>
     <p:sldMasterId id="2147483648" r:id="rId1"/>
   </p:sldMasterIdLst>
+  <p:notesMasterIdLst>
+    <p:notesMasterId r:id="rId7"/>
+  </p:notesMasterIdLst>
   <p:sldIdLst>
     <p:sldId id="256" r:id="rId2"/>
     <p:sldId id="257" r:id="rId3"/>
-    <p:sldId id="258" r:id="rId4"/>
+    <p:sldId id="259" r:id="rId4"/>
+    <p:sldId id="260" r:id="rId5"/>
+    <p:sldId id="258" r:id="rId6"/>
   </p:sldIdLst>
   <p:sldSz cx="12192000" cy="6858000"/>
   <p:notesSz cx="6858000" cy="9144000"/>
@@ -106,44 +111,801 @@
       </a:defRPr>
     </a:lvl9pPr>
   </p:defaultTextStyle>
+  <p:extLst>
+    <p:ext uri="{EFAFB233-063F-42B5-8137-9DF3F51BA10A}">
+      <p15:sldGuideLst xmlns:p15="http://schemas.microsoft.com/office/powerpoint/2012/main"/>
+    </p:ext>
+  </p:extLst>
 </p:presentation>
+</file>
+
+<file path=ppt/revisionInfo.xml><?xml version="1.0" encoding="utf-8"?>
+<p1510:revInfo xmlns:a="http://schemas.openxmlformats.org/drawingml/2006/main" xmlns:r="http://schemas.openxmlformats.org/officeDocument/2006/relationships" xmlns:p1510="http://schemas.microsoft.com/office/powerpoint/2015/10/main">
+  <p1510:revLst>
+    <p1510:client id="{6240CF39-120C-40EF-B192-CCE5A8A1023B}" v="19" dt="2022-02-01T18:20:38.234"/>
+  </p1510:revLst>
+</p1510:revInfo>
 </file>
 
 <file path=ppt/changesInfos/changesInfo1.xml><?xml version="1.0" encoding="utf-8"?>
 <pc:chgInfo xmlns:a="http://schemas.openxmlformats.org/drawingml/2006/main" xmlns:r="http://schemas.openxmlformats.org/officeDocument/2006/relationships" xmlns:ac="http://schemas.microsoft.com/office/drawing/2013/main/command" xmlns:pc="http://schemas.microsoft.com/office/powerpoint/2013/main/command">
   <pc:docChgLst>
     <pc:chgData name="Cesar Leonardo Valério" userId="3d004e56-081b-4c50-ad04-7d32b37ec791" providerId="ADAL" clId="{6240CF39-120C-40EF-B192-CCE5A8A1023B}"/>
-    <pc:docChg chg="modSld">
-      <pc:chgData name="Cesar Leonardo Valério" userId="3d004e56-081b-4c50-ad04-7d32b37ec791" providerId="ADAL" clId="{6240CF39-120C-40EF-B192-CCE5A8A1023B}" dt="2022-02-01T11:52:28.524" v="4" actId="1076"/>
+    <pc:docChg chg="undo custSel addSld delSld modSld sldOrd">
+      <pc:chgData name="Cesar Leonardo Valério" userId="3d004e56-081b-4c50-ad04-7d32b37ec791" providerId="ADAL" clId="{6240CF39-120C-40EF-B192-CCE5A8A1023B}" dt="2022-02-01T18:21:35.579" v="657" actId="20577"/>
       <pc:docMkLst>
         <pc:docMk/>
       </pc:docMkLst>
-      <pc:sldChg chg="modSp mod">
-        <pc:chgData name="Cesar Leonardo Valério" userId="3d004e56-081b-4c50-ad04-7d32b37ec791" providerId="ADAL" clId="{6240CF39-120C-40EF-B192-CCE5A8A1023B}" dt="2022-02-01T11:52:28.524" v="4" actId="1076"/>
+      <pc:sldChg chg="addSp modSp mod">
+        <pc:chgData name="Cesar Leonardo Valério" userId="3d004e56-081b-4c50-ad04-7d32b37ec791" providerId="ADAL" clId="{6240CF39-120C-40EF-B192-CCE5A8A1023B}" dt="2022-02-01T18:06:47.802" v="146" actId="20577"/>
+        <pc:sldMkLst>
+          <pc:docMk/>
+          <pc:sldMk cId="1233319350" sldId="256"/>
+        </pc:sldMkLst>
+        <pc:spChg chg="add mod">
+          <ac:chgData name="Cesar Leonardo Valério" userId="3d004e56-081b-4c50-ad04-7d32b37ec791" providerId="ADAL" clId="{6240CF39-120C-40EF-B192-CCE5A8A1023B}" dt="2022-02-01T18:06:47.802" v="146" actId="20577"/>
+          <ac:spMkLst>
+            <pc:docMk/>
+            <pc:sldMk cId="1233319350" sldId="256"/>
+            <ac:spMk id="5" creationId="{CECE0C82-AE6E-4FA5-A3EE-47667967C17A}"/>
+          </ac:spMkLst>
+        </pc:spChg>
+        <pc:picChg chg="mod">
+          <ac:chgData name="Cesar Leonardo Valério" userId="3d004e56-081b-4c50-ad04-7d32b37ec791" providerId="ADAL" clId="{6240CF39-120C-40EF-B192-CCE5A8A1023B}" dt="2022-02-01T18:04:19.769" v="20" actId="1036"/>
+          <ac:picMkLst>
+            <pc:docMk/>
+            <pc:sldMk cId="1233319350" sldId="256"/>
+            <ac:picMk id="8" creationId="{4F71174E-105C-4BC3-B2B4-5894975AD7C2}"/>
+          </ac:picMkLst>
+        </pc:picChg>
+        <pc:cxnChg chg="add mod">
+          <ac:chgData name="Cesar Leonardo Valério" userId="3d004e56-081b-4c50-ad04-7d32b37ec791" providerId="ADAL" clId="{6240CF39-120C-40EF-B192-CCE5A8A1023B}" dt="2022-02-01T18:04:48.022" v="94" actId="14100"/>
+          <ac:cxnSpMkLst>
+            <pc:docMk/>
+            <pc:sldMk cId="1233319350" sldId="256"/>
+            <ac:cxnSpMk id="3" creationId="{DDF35C25-2953-40F5-932A-CCA9FA355639}"/>
+          </ac:cxnSpMkLst>
+        </pc:cxnChg>
+      </pc:sldChg>
+      <pc:sldChg chg="addSp modSp mod">
+        <pc:chgData name="Cesar Leonardo Valério" userId="3d004e56-081b-4c50-ad04-7d32b37ec791" providerId="ADAL" clId="{6240CF39-120C-40EF-B192-CCE5A8A1023B}" dt="2022-02-01T18:06:55.905" v="155" actId="20577"/>
+        <pc:sldMkLst>
+          <pc:docMk/>
+          <pc:sldMk cId="751793141" sldId="257"/>
+        </pc:sldMkLst>
+        <pc:spChg chg="add mod">
+          <ac:chgData name="Cesar Leonardo Valério" userId="3d004e56-081b-4c50-ad04-7d32b37ec791" providerId="ADAL" clId="{6240CF39-120C-40EF-B192-CCE5A8A1023B}" dt="2022-02-01T18:06:55.905" v="155" actId="20577"/>
+          <ac:spMkLst>
+            <pc:docMk/>
+            <pc:sldMk cId="751793141" sldId="257"/>
+            <ac:spMk id="4" creationId="{F270D601-BD82-4799-B6D8-BDB3467FF3B6}"/>
+          </ac:spMkLst>
+        </pc:spChg>
+        <pc:cxnChg chg="add mod">
+          <ac:chgData name="Cesar Leonardo Valério" userId="3d004e56-081b-4c50-ad04-7d32b37ec791" providerId="ADAL" clId="{6240CF39-120C-40EF-B192-CCE5A8A1023B}" dt="2022-02-01T18:05:12.855" v="101"/>
+          <ac:cxnSpMkLst>
+            <pc:docMk/>
+            <pc:sldMk cId="751793141" sldId="257"/>
+            <ac:cxnSpMk id="3" creationId="{B7013817-82B0-44FC-9950-AA58B77BFFC5}"/>
+          </ac:cxnSpMkLst>
+        </pc:cxnChg>
+      </pc:sldChg>
+      <pc:sldChg chg="addSp delSp modSp mod">
+        <pc:chgData name="Cesar Leonardo Valério" userId="3d004e56-081b-4c50-ad04-7d32b37ec791" providerId="ADAL" clId="{6240CF39-120C-40EF-B192-CCE5A8A1023B}" dt="2022-02-01T18:15:04.348" v="405" actId="6549"/>
         <pc:sldMkLst>
           <pc:docMk/>
           <pc:sldMk cId="1735219801" sldId="258"/>
         </pc:sldMkLst>
+        <pc:spChg chg="del mod">
+          <ac:chgData name="Cesar Leonardo Valério" userId="3d004e56-081b-4c50-ad04-7d32b37ec791" providerId="ADAL" clId="{6240CF39-120C-40EF-B192-CCE5A8A1023B}" dt="2022-02-01T18:12:30.268" v="314" actId="478"/>
+          <ac:spMkLst>
+            <pc:docMk/>
+            <pc:sldMk cId="1735219801" sldId="258"/>
+            <ac:spMk id="4" creationId="{CB36D514-2042-4360-94D7-228F752696A9}"/>
+          </ac:spMkLst>
+        </pc:spChg>
         <pc:spChg chg="mod">
-          <ac:chgData name="Cesar Leonardo Valério" userId="3d004e56-081b-4c50-ad04-7d32b37ec791" providerId="ADAL" clId="{6240CF39-120C-40EF-B192-CCE5A8A1023B}" dt="2022-02-01T11:52:28.524" v="4" actId="1076"/>
+          <ac:chgData name="Cesar Leonardo Valério" userId="3d004e56-081b-4c50-ad04-7d32b37ec791" providerId="ADAL" clId="{6240CF39-120C-40EF-B192-CCE5A8A1023B}" dt="2022-02-01T18:13:36.689" v="371" actId="1076"/>
           <ac:spMkLst>
             <pc:docMk/>
             <pc:sldMk cId="1735219801" sldId="258"/>
             <ac:spMk id="5" creationId="{A9657BD1-C898-4E03-A96F-1DC83627EA57}"/>
           </ac:spMkLst>
         </pc:spChg>
-        <pc:spChg chg="mod">
-          <ac:chgData name="Cesar Leonardo Valério" userId="3d004e56-081b-4c50-ad04-7d32b37ec791" providerId="ADAL" clId="{6240CF39-120C-40EF-B192-CCE5A8A1023B}" dt="2022-02-01T11:52:22.978" v="3" actId="115"/>
+        <pc:spChg chg="del mod">
+          <ac:chgData name="Cesar Leonardo Valério" userId="3d004e56-081b-4c50-ad04-7d32b37ec791" providerId="ADAL" clId="{6240CF39-120C-40EF-B192-CCE5A8A1023B}" dt="2022-02-01T18:12:30.268" v="314" actId="478"/>
           <ac:spMkLst>
             <pc:docMk/>
             <pc:sldMk cId="1735219801" sldId="258"/>
             <ac:spMk id="7" creationId="{594B4272-5FB0-4F92-93DF-4EE84A57A3AB}"/>
           </ac:spMkLst>
         </pc:spChg>
+        <pc:spChg chg="mod">
+          <ac:chgData name="Cesar Leonardo Valério" userId="3d004e56-081b-4c50-ad04-7d32b37ec791" providerId="ADAL" clId="{6240CF39-120C-40EF-B192-CCE5A8A1023B}" dt="2022-02-01T18:13:23.524" v="368" actId="21"/>
+          <ac:spMkLst>
+            <pc:docMk/>
+            <pc:sldMk cId="1735219801" sldId="258"/>
+            <ac:spMk id="8" creationId="{7E51A5FE-6B0C-42E7-92E4-84280E482E3B}"/>
+          </ac:spMkLst>
+        </pc:spChg>
+        <pc:spChg chg="add mod">
+          <ac:chgData name="Cesar Leonardo Valério" userId="3d004e56-081b-4c50-ad04-7d32b37ec791" providerId="ADAL" clId="{6240CF39-120C-40EF-B192-CCE5A8A1023B}" dt="2022-02-01T18:08:21.297" v="179" actId="20577"/>
+          <ac:spMkLst>
+            <pc:docMk/>
+            <pc:sldMk cId="1735219801" sldId="258"/>
+            <ac:spMk id="9" creationId="{618D6885-857B-47C6-BE8A-7189666DC82D}"/>
+          </ac:spMkLst>
+        </pc:spChg>
+        <pc:spChg chg="add del mod">
+          <ac:chgData name="Cesar Leonardo Valério" userId="3d004e56-081b-4c50-ad04-7d32b37ec791" providerId="ADAL" clId="{6240CF39-120C-40EF-B192-CCE5A8A1023B}" dt="2022-02-01T18:08:43.967" v="186"/>
+          <ac:spMkLst>
+            <pc:docMk/>
+            <pc:sldMk cId="1735219801" sldId="258"/>
+            <ac:spMk id="10" creationId="{47AFB520-E8B2-422A-B5E5-426BF50DCFAE}"/>
+          </ac:spMkLst>
+        </pc:spChg>
+        <pc:spChg chg="add del mod">
+          <ac:chgData name="Cesar Leonardo Valério" userId="3d004e56-081b-4c50-ad04-7d32b37ec791" providerId="ADAL" clId="{6240CF39-120C-40EF-B192-CCE5A8A1023B}" dt="2022-02-01T18:11:15.480" v="258" actId="478"/>
+          <ac:spMkLst>
+            <pc:docMk/>
+            <pc:sldMk cId="1735219801" sldId="258"/>
+            <ac:spMk id="11" creationId="{C549672B-17D7-4A0E-A3DF-9790EEE07D2E}"/>
+          </ac:spMkLst>
+        </pc:spChg>
+        <pc:spChg chg="add del mod">
+          <ac:chgData name="Cesar Leonardo Valério" userId="3d004e56-081b-4c50-ad04-7d32b37ec791" providerId="ADAL" clId="{6240CF39-120C-40EF-B192-CCE5A8A1023B}" dt="2022-02-01T18:11:17.552" v="259" actId="478"/>
+          <ac:spMkLst>
+            <pc:docMk/>
+            <pc:sldMk cId="1735219801" sldId="258"/>
+            <ac:spMk id="12" creationId="{FA623522-FAAE-4240-B403-A28C66FA1BCF}"/>
+          </ac:spMkLst>
+        </pc:spChg>
+        <pc:spChg chg="add del mod">
+          <ac:chgData name="Cesar Leonardo Valério" userId="3d004e56-081b-4c50-ad04-7d32b37ec791" providerId="ADAL" clId="{6240CF39-120C-40EF-B192-CCE5A8A1023B}" dt="2022-02-01T18:11:58.587" v="290" actId="478"/>
+          <ac:spMkLst>
+            <pc:docMk/>
+            <pc:sldMk cId="1735219801" sldId="258"/>
+            <ac:spMk id="13" creationId="{43DCD7E7-CA6B-4ADF-B65F-B14832FD9560}"/>
+          </ac:spMkLst>
+        </pc:spChg>
+        <pc:spChg chg="add mod">
+          <ac:chgData name="Cesar Leonardo Valério" userId="3d004e56-081b-4c50-ad04-7d32b37ec791" providerId="ADAL" clId="{6240CF39-120C-40EF-B192-CCE5A8A1023B}" dt="2022-02-01T18:11:55.340" v="289" actId="1038"/>
+          <ac:spMkLst>
+            <pc:docMk/>
+            <pc:sldMk cId="1735219801" sldId="258"/>
+            <ac:spMk id="14" creationId="{21F89202-FFED-40CC-A9A2-CFBE70F5D71E}"/>
+          </ac:spMkLst>
+        </pc:spChg>
+        <pc:spChg chg="add mod">
+          <ac:chgData name="Cesar Leonardo Valério" userId="3d004e56-081b-4c50-ad04-7d32b37ec791" providerId="ADAL" clId="{6240CF39-120C-40EF-B192-CCE5A8A1023B}" dt="2022-02-01T18:12:03.217" v="291" actId="14100"/>
+          <ac:spMkLst>
+            <pc:docMk/>
+            <pc:sldMk cId="1735219801" sldId="258"/>
+            <ac:spMk id="15" creationId="{538F8775-2277-4CA8-9B12-462EB41C2682}"/>
+          </ac:spMkLst>
+        </pc:spChg>
+        <pc:spChg chg="add del mod">
+          <ac:chgData name="Cesar Leonardo Valério" userId="3d004e56-081b-4c50-ad04-7d32b37ec791" providerId="ADAL" clId="{6240CF39-120C-40EF-B192-CCE5A8A1023B}" dt="2022-02-01T18:11:58.587" v="290" actId="478"/>
+          <ac:spMkLst>
+            <pc:docMk/>
+            <pc:sldMk cId="1735219801" sldId="258"/>
+            <ac:spMk id="16" creationId="{FA618926-CF07-43F6-A7D8-F4D6B0DE5279}"/>
+          </ac:spMkLst>
+        </pc:spChg>
+        <pc:spChg chg="add mod">
+          <ac:chgData name="Cesar Leonardo Valério" userId="3d004e56-081b-4c50-ad04-7d32b37ec791" providerId="ADAL" clId="{6240CF39-120C-40EF-B192-CCE5A8A1023B}" dt="2022-02-01T18:11:55.340" v="289" actId="1038"/>
+          <ac:spMkLst>
+            <pc:docMk/>
+            <pc:sldMk cId="1735219801" sldId="258"/>
+            <ac:spMk id="17" creationId="{6A51D28B-64AF-4DB5-81EB-8350B06867BF}"/>
+          </ac:spMkLst>
+        </pc:spChg>
+        <pc:spChg chg="add del mod">
+          <ac:chgData name="Cesar Leonardo Valério" userId="3d004e56-081b-4c50-ad04-7d32b37ec791" providerId="ADAL" clId="{6240CF39-120C-40EF-B192-CCE5A8A1023B}" dt="2022-02-01T18:11:58.587" v="290" actId="478"/>
+          <ac:spMkLst>
+            <pc:docMk/>
+            <pc:sldMk cId="1735219801" sldId="258"/>
+            <ac:spMk id="18" creationId="{CAF63F52-EB72-4FF1-A298-CF62E7366BA0}"/>
+          </ac:spMkLst>
+        </pc:spChg>
+        <pc:spChg chg="add mod">
+          <ac:chgData name="Cesar Leonardo Valério" userId="3d004e56-081b-4c50-ad04-7d32b37ec791" providerId="ADAL" clId="{6240CF39-120C-40EF-B192-CCE5A8A1023B}" dt="2022-02-01T18:13:41.247" v="380" actId="1038"/>
+          <ac:spMkLst>
+            <pc:docMk/>
+            <pc:sldMk cId="1735219801" sldId="258"/>
+            <ac:spMk id="19" creationId="{7BFFED98-9D83-4C7B-A73F-D47091FCB0ED}"/>
+          </ac:spMkLst>
+        </pc:spChg>
+        <pc:spChg chg="add mod">
+          <ac:chgData name="Cesar Leonardo Valério" userId="3d004e56-081b-4c50-ad04-7d32b37ec791" providerId="ADAL" clId="{6240CF39-120C-40EF-B192-CCE5A8A1023B}" dt="2022-02-01T18:13:41.247" v="380" actId="1038"/>
+          <ac:spMkLst>
+            <pc:docMk/>
+            <pc:sldMk cId="1735219801" sldId="258"/>
+            <ac:spMk id="20" creationId="{9497121D-519F-452D-8FE3-80AF7C709B89}"/>
+          </ac:spMkLst>
+        </pc:spChg>
+        <pc:spChg chg="add mod">
+          <ac:chgData name="Cesar Leonardo Valério" userId="3d004e56-081b-4c50-ad04-7d32b37ec791" providerId="ADAL" clId="{6240CF39-120C-40EF-B192-CCE5A8A1023B}" dt="2022-02-01T18:15:04.348" v="405" actId="6549"/>
+          <ac:spMkLst>
+            <pc:docMk/>
+            <pc:sldMk cId="1735219801" sldId="258"/>
+            <ac:spMk id="21" creationId="{E5840FED-3F3D-4DD4-B6C7-B6A764EC6369}"/>
+          </ac:spMkLst>
+        </pc:spChg>
+        <pc:spChg chg="add mod">
+          <ac:chgData name="Cesar Leonardo Valério" userId="3d004e56-081b-4c50-ad04-7d32b37ec791" providerId="ADAL" clId="{6240CF39-120C-40EF-B192-CCE5A8A1023B}" dt="2022-02-01T18:13:36.689" v="371" actId="1076"/>
+          <ac:spMkLst>
+            <pc:docMk/>
+            <pc:sldMk cId="1735219801" sldId="258"/>
+            <ac:spMk id="22" creationId="{42CA5F21-1318-47B3-928A-892D37EEF532}"/>
+          </ac:spMkLst>
+        </pc:spChg>
+        <pc:spChg chg="add mod">
+          <ac:chgData name="Cesar Leonardo Valério" userId="3d004e56-081b-4c50-ad04-7d32b37ec791" providerId="ADAL" clId="{6240CF39-120C-40EF-B192-CCE5A8A1023B}" dt="2022-02-01T18:14:12.699" v="402" actId="14100"/>
+          <ac:spMkLst>
+            <pc:docMk/>
+            <pc:sldMk cId="1735219801" sldId="258"/>
+            <ac:spMk id="23" creationId="{C526F3CB-4E6B-4F1A-83C4-098DA07D5FFF}"/>
+          </ac:spMkLst>
+        </pc:spChg>
+        <pc:spChg chg="add mod">
+          <ac:chgData name="Cesar Leonardo Valério" userId="3d004e56-081b-4c50-ad04-7d32b37ec791" providerId="ADAL" clId="{6240CF39-120C-40EF-B192-CCE5A8A1023B}" dt="2022-02-01T18:14:08.773" v="401" actId="207"/>
+          <ac:spMkLst>
+            <pc:docMk/>
+            <pc:sldMk cId="1735219801" sldId="258"/>
+            <ac:spMk id="24" creationId="{9CEEADA0-149D-44C7-8DF5-065812599296}"/>
+          </ac:spMkLst>
+        </pc:spChg>
+        <pc:spChg chg="add mod">
+          <ac:chgData name="Cesar Leonardo Valério" userId="3d004e56-081b-4c50-ad04-7d32b37ec791" providerId="ADAL" clId="{6240CF39-120C-40EF-B192-CCE5A8A1023B}" dt="2022-02-01T18:13:36.689" v="371" actId="1076"/>
+          <ac:spMkLst>
+            <pc:docMk/>
+            <pc:sldMk cId="1735219801" sldId="258"/>
+            <ac:spMk id="25" creationId="{4A551D6E-ABDF-4D70-A7FA-91C10B61E484}"/>
+          </ac:spMkLst>
+        </pc:spChg>
+        <pc:cxnChg chg="add mod">
+          <ac:chgData name="Cesar Leonardo Valério" userId="3d004e56-081b-4c50-ad04-7d32b37ec791" providerId="ADAL" clId="{6240CF39-120C-40EF-B192-CCE5A8A1023B}" dt="2022-02-01T18:05:13.791" v="102"/>
+          <ac:cxnSpMkLst>
+            <pc:docMk/>
+            <pc:sldMk cId="1735219801" sldId="258"/>
+            <ac:cxnSpMk id="6" creationId="{D0BC42B9-D839-4884-8A0E-F125EFF38DC7}"/>
+          </ac:cxnSpMkLst>
+        </pc:cxnChg>
+      </pc:sldChg>
+      <pc:sldChg chg="addSp delSp modSp new mod ord modShow">
+        <pc:chgData name="Cesar Leonardo Valério" userId="3d004e56-081b-4c50-ad04-7d32b37ec791" providerId="ADAL" clId="{6240CF39-120C-40EF-B192-CCE5A8A1023B}" dt="2022-02-01T18:19:43.591" v="536" actId="12"/>
+        <pc:sldMkLst>
+          <pc:docMk/>
+          <pc:sldMk cId="1410236882" sldId="259"/>
+        </pc:sldMkLst>
+        <pc:spChg chg="del">
+          <ac:chgData name="Cesar Leonardo Valério" userId="3d004e56-081b-4c50-ad04-7d32b37ec791" providerId="ADAL" clId="{6240CF39-120C-40EF-B192-CCE5A8A1023B}" dt="2022-02-01T18:05:07.360" v="98" actId="478"/>
+          <ac:spMkLst>
+            <pc:docMk/>
+            <pc:sldMk cId="1410236882" sldId="259"/>
+            <ac:spMk id="2" creationId="{26B958E5-1BBC-43B9-84B0-CD39FF30BA67}"/>
+          </ac:spMkLst>
+        </pc:spChg>
+        <pc:spChg chg="del">
+          <ac:chgData name="Cesar Leonardo Valério" userId="3d004e56-081b-4c50-ad04-7d32b37ec791" providerId="ADAL" clId="{6240CF39-120C-40EF-B192-CCE5A8A1023B}" dt="2022-02-01T18:05:07.360" v="98" actId="478"/>
+          <ac:spMkLst>
+            <pc:docMk/>
+            <pc:sldMk cId="1410236882" sldId="259"/>
+            <ac:spMk id="3" creationId="{D20E609E-5176-453A-B607-E29339AB6E62}"/>
+          </ac:spMkLst>
+        </pc:spChg>
+        <pc:spChg chg="add del mod">
+          <ac:chgData name="Cesar Leonardo Valério" userId="3d004e56-081b-4c50-ad04-7d32b37ec791" providerId="ADAL" clId="{6240CF39-120C-40EF-B192-CCE5A8A1023B}" dt="2022-02-01T18:05:05.430" v="97" actId="478"/>
+          <ac:spMkLst>
+            <pc:docMk/>
+            <pc:sldMk cId="1410236882" sldId="259"/>
+            <ac:spMk id="4" creationId="{0607ED3C-372A-4C8E-9355-86BDF1379647}"/>
+          </ac:spMkLst>
+        </pc:spChg>
+        <pc:spChg chg="add del mod">
+          <ac:chgData name="Cesar Leonardo Valério" userId="3d004e56-081b-4c50-ad04-7d32b37ec791" providerId="ADAL" clId="{6240CF39-120C-40EF-B192-CCE5A8A1023B}" dt="2022-02-01T18:05:05.430" v="97" actId="478"/>
+          <ac:spMkLst>
+            <pc:docMk/>
+            <pc:sldMk cId="1410236882" sldId="259"/>
+            <ac:spMk id="5" creationId="{CDAEAC74-206E-45A6-89C3-79B0EBB36CA4}"/>
+          </ac:spMkLst>
+        </pc:spChg>
+        <pc:spChg chg="add del mod">
+          <ac:chgData name="Cesar Leonardo Valério" userId="3d004e56-081b-4c50-ad04-7d32b37ec791" providerId="ADAL" clId="{6240CF39-120C-40EF-B192-CCE5A8A1023B}" dt="2022-02-01T18:05:05.430" v="97" actId="478"/>
+          <ac:spMkLst>
+            <pc:docMk/>
+            <pc:sldMk cId="1410236882" sldId="259"/>
+            <ac:spMk id="6" creationId="{44BDC51C-7035-481C-B1DD-5D9D4E5B7488}"/>
+          </ac:spMkLst>
+        </pc:spChg>
+        <pc:spChg chg="add del mod">
+          <ac:chgData name="Cesar Leonardo Valério" userId="3d004e56-081b-4c50-ad04-7d32b37ec791" providerId="ADAL" clId="{6240CF39-120C-40EF-B192-CCE5A8A1023B}" dt="2022-02-01T18:05:05.430" v="97" actId="478"/>
+          <ac:spMkLst>
+            <pc:docMk/>
+            <pc:sldMk cId="1410236882" sldId="259"/>
+            <ac:spMk id="7" creationId="{AA5EF17B-FE40-493E-A56E-A35648C23AF9}"/>
+          </ac:spMkLst>
+        </pc:spChg>
+        <pc:spChg chg="add del mod">
+          <ac:chgData name="Cesar Leonardo Valério" userId="3d004e56-081b-4c50-ad04-7d32b37ec791" providerId="ADAL" clId="{6240CF39-120C-40EF-B192-CCE5A8A1023B}" dt="2022-02-01T18:05:05.430" v="97" actId="478"/>
+          <ac:spMkLst>
+            <pc:docMk/>
+            <pc:sldMk cId="1410236882" sldId="259"/>
+            <ac:spMk id="8" creationId="{8272BB16-9DA0-4440-92D9-9EBF1341FA27}"/>
+          </ac:spMkLst>
+        </pc:spChg>
+        <pc:spChg chg="add del mod">
+          <ac:chgData name="Cesar Leonardo Valério" userId="3d004e56-081b-4c50-ad04-7d32b37ec791" providerId="ADAL" clId="{6240CF39-120C-40EF-B192-CCE5A8A1023B}" dt="2022-02-01T18:05:05.430" v="97" actId="478"/>
+          <ac:spMkLst>
+            <pc:docMk/>
+            <pc:sldMk cId="1410236882" sldId="259"/>
+            <ac:spMk id="9" creationId="{DA567635-5D8D-4BDA-9630-249ACDB8BF6A}"/>
+          </ac:spMkLst>
+        </pc:spChg>
+        <pc:spChg chg="add mod">
+          <ac:chgData name="Cesar Leonardo Valério" userId="3d004e56-081b-4c50-ad04-7d32b37ec791" providerId="ADAL" clId="{6240CF39-120C-40EF-B192-CCE5A8A1023B}" dt="2022-02-01T18:19:32.580" v="531" actId="14100"/>
+          <ac:spMkLst>
+            <pc:docMk/>
+            <pc:sldMk cId="1410236882" sldId="259"/>
+            <ac:spMk id="10" creationId="{5F3185C1-D5EB-4399-B6DF-0351221D816C}"/>
+          </ac:spMkLst>
+        </pc:spChg>
+        <pc:spChg chg="add mod">
+          <ac:chgData name="Cesar Leonardo Valério" userId="3d004e56-081b-4c50-ad04-7d32b37ec791" providerId="ADAL" clId="{6240CF39-120C-40EF-B192-CCE5A8A1023B}" dt="2022-02-01T18:19:30.306" v="530" actId="14100"/>
+          <ac:spMkLst>
+            <pc:docMk/>
+            <pc:sldMk cId="1410236882" sldId="259"/>
+            <ac:spMk id="11" creationId="{6B0C6F1A-E5DC-4B08-9CBC-44B267ADF02A}"/>
+          </ac:spMkLst>
+        </pc:spChg>
+        <pc:spChg chg="add mod">
+          <ac:chgData name="Cesar Leonardo Valério" userId="3d004e56-081b-4c50-ad04-7d32b37ec791" providerId="ADAL" clId="{6240CF39-120C-40EF-B192-CCE5A8A1023B}" dt="2022-02-01T18:17:16.223" v="486" actId="790"/>
+          <ac:spMkLst>
+            <pc:docMk/>
+            <pc:sldMk cId="1410236882" sldId="259"/>
+            <ac:spMk id="12" creationId="{707BE1CC-D068-41F7-BF43-6B85CEF1879E}"/>
+          </ac:spMkLst>
+        </pc:spChg>
+        <pc:spChg chg="add mod">
+          <ac:chgData name="Cesar Leonardo Valério" userId="3d004e56-081b-4c50-ad04-7d32b37ec791" providerId="ADAL" clId="{6240CF39-120C-40EF-B192-CCE5A8A1023B}" dt="2022-02-01T18:19:07.151" v="524" actId="790"/>
+          <ac:spMkLst>
+            <pc:docMk/>
+            <pc:sldMk cId="1410236882" sldId="259"/>
+            <ac:spMk id="13" creationId="{BE8EC46A-BEA1-4EDC-83B7-8E0C27EFA3D1}"/>
+          </ac:spMkLst>
+        </pc:spChg>
+        <pc:spChg chg="add mod">
+          <ac:chgData name="Cesar Leonardo Valério" userId="3d004e56-081b-4c50-ad04-7d32b37ec791" providerId="ADAL" clId="{6240CF39-120C-40EF-B192-CCE5A8A1023B}" dt="2022-02-01T18:19:19.739" v="529" actId="12"/>
+          <ac:spMkLst>
+            <pc:docMk/>
+            <pc:sldMk cId="1410236882" sldId="259"/>
+            <ac:spMk id="14" creationId="{BA98DDA2-1883-4CA8-8D0D-EE7829DA44B6}"/>
+          </ac:spMkLst>
+        </pc:spChg>
+        <pc:spChg chg="add mod">
+          <ac:chgData name="Cesar Leonardo Valério" userId="3d004e56-081b-4c50-ad04-7d32b37ec791" providerId="ADAL" clId="{6240CF39-120C-40EF-B192-CCE5A8A1023B}" dt="2022-02-01T18:19:43.591" v="536" actId="12"/>
+          <ac:spMkLst>
+            <pc:docMk/>
+            <pc:sldMk cId="1410236882" sldId="259"/>
+            <ac:spMk id="15" creationId="{78C3FE47-D294-4B50-B3A0-0B24E941A9A8}"/>
+          </ac:spMkLst>
+        </pc:spChg>
+        <pc:spChg chg="add mod">
+          <ac:chgData name="Cesar Leonardo Valério" userId="3d004e56-081b-4c50-ad04-7d32b37ec791" providerId="ADAL" clId="{6240CF39-120C-40EF-B192-CCE5A8A1023B}" dt="2022-02-01T18:16:27.404" v="483" actId="20577"/>
+          <ac:spMkLst>
+            <pc:docMk/>
+            <pc:sldMk cId="1410236882" sldId="259"/>
+            <ac:spMk id="17" creationId="{F54E91AE-E406-40D3-BD5D-7C969B147B75}"/>
+          </ac:spMkLst>
+        </pc:spChg>
+        <pc:cxnChg chg="add mod">
+          <ac:chgData name="Cesar Leonardo Valério" userId="3d004e56-081b-4c50-ad04-7d32b37ec791" providerId="ADAL" clId="{6240CF39-120C-40EF-B192-CCE5A8A1023B}" dt="2022-02-01T18:05:11.773" v="100"/>
+          <ac:cxnSpMkLst>
+            <pc:docMk/>
+            <pc:sldMk cId="1410236882" sldId="259"/>
+            <ac:cxnSpMk id="16" creationId="{1D7D46AC-9223-439C-93E2-0744F733158B}"/>
+          </ac:cxnSpMkLst>
+        </pc:cxnChg>
+      </pc:sldChg>
+      <pc:sldChg chg="add del">
+        <pc:chgData name="Cesar Leonardo Valério" userId="3d004e56-081b-4c50-ad04-7d32b37ec791" providerId="ADAL" clId="{6240CF39-120C-40EF-B192-CCE5A8A1023B}" dt="2022-02-01T18:16:36.433" v="485" actId="47"/>
+        <pc:sldMkLst>
+          <pc:docMk/>
+          <pc:sldMk cId="424910056" sldId="260"/>
+        </pc:sldMkLst>
+      </pc:sldChg>
+      <pc:sldChg chg="addSp modSp add mod">
+        <pc:chgData name="Cesar Leonardo Valério" userId="3d004e56-081b-4c50-ad04-7d32b37ec791" providerId="ADAL" clId="{6240CF39-120C-40EF-B192-CCE5A8A1023B}" dt="2022-02-01T18:21:35.579" v="657" actId="20577"/>
+        <pc:sldMkLst>
+          <pc:docMk/>
+          <pc:sldMk cId="2330368592" sldId="260"/>
+        </pc:sldMkLst>
+        <pc:spChg chg="mod">
+          <ac:chgData name="Cesar Leonardo Valério" userId="3d004e56-081b-4c50-ad04-7d32b37ec791" providerId="ADAL" clId="{6240CF39-120C-40EF-B192-CCE5A8A1023B}" dt="2022-02-01T18:20:03.274" v="549" actId="6549"/>
+          <ac:spMkLst>
+            <pc:docMk/>
+            <pc:sldMk cId="2330368592" sldId="260"/>
+            <ac:spMk id="14" creationId="{BA98DDA2-1883-4CA8-8D0D-EE7829DA44B6}"/>
+          </ac:spMkLst>
+        </pc:spChg>
+        <pc:spChg chg="mod">
+          <ac:chgData name="Cesar Leonardo Valério" userId="3d004e56-081b-4c50-ad04-7d32b37ec791" providerId="ADAL" clId="{6240CF39-120C-40EF-B192-CCE5A8A1023B}" dt="2022-02-01T18:20:16.066" v="552" actId="12"/>
+          <ac:spMkLst>
+            <pc:docMk/>
+            <pc:sldMk cId="2330368592" sldId="260"/>
+            <ac:spMk id="15" creationId="{78C3FE47-D294-4B50-B3A0-0B24E941A9A8}"/>
+          </ac:spMkLst>
+        </pc:spChg>
+        <pc:spChg chg="mod">
+          <ac:chgData name="Cesar Leonardo Valério" userId="3d004e56-081b-4c50-ad04-7d32b37ec791" providerId="ADAL" clId="{6240CF39-120C-40EF-B192-CCE5A8A1023B}" dt="2022-02-01T18:19:59.644" v="548" actId="20577"/>
+          <ac:spMkLst>
+            <pc:docMk/>
+            <pc:sldMk cId="2330368592" sldId="260"/>
+            <ac:spMk id="17" creationId="{F54E91AE-E406-40D3-BD5D-7C969B147B75}"/>
+          </ac:spMkLst>
+        </pc:spChg>
+        <pc:spChg chg="add mod">
+          <ac:chgData name="Cesar Leonardo Valério" userId="3d004e56-081b-4c50-ad04-7d32b37ec791" providerId="ADAL" clId="{6240CF39-120C-40EF-B192-CCE5A8A1023B}" dt="2022-02-01T18:21:35.579" v="657" actId="20577"/>
+          <ac:spMkLst>
+            <pc:docMk/>
+            <pc:sldMk cId="2330368592" sldId="260"/>
+            <ac:spMk id="18" creationId="{3E75907F-394B-486E-849D-6198F54571A8}"/>
+          </ac:spMkLst>
+        </pc:spChg>
       </pc:sldChg>
     </pc:docChg>
   </pc:docChgLst>
 </pc:chgInfo>
+</file>
+
+<file path=ppt/notesMasters/notesMaster1.xml><?xml version="1.0" encoding="utf-8"?>
+<p:notesMaster xmlns:a="http://schemas.openxmlformats.org/drawingml/2006/main" xmlns:r="http://schemas.openxmlformats.org/officeDocument/2006/relationships" xmlns:p="http://schemas.openxmlformats.org/presentationml/2006/main">
+  <p:cSld>
+    <p:bg>
+      <p:bgRef idx="1001">
+        <a:schemeClr val="bg1"/>
+      </p:bgRef>
+    </p:bg>
+    <p:spTree>
+      <p:nvGrpSpPr>
+        <p:cNvPr id="1" name=""/>
+        <p:cNvGrpSpPr/>
+        <p:nvPr/>
+      </p:nvGrpSpPr>
+      <p:grpSpPr>
+        <a:xfrm>
+          <a:off x="0" y="0"/>
+          <a:ext cx="0" cy="0"/>
+          <a:chOff x="0" y="0"/>
+          <a:chExt cx="0" cy="0"/>
+        </a:xfrm>
+      </p:grpSpPr>
+      <p:sp>
+        <p:nvSpPr>
+          <p:cNvPr id="2" name="Espaço Reservado para Cabeçalho 1"/>
+          <p:cNvSpPr>
+            <a:spLocks noGrp="1"/>
+          </p:cNvSpPr>
+          <p:nvPr>
+            <p:ph type="hdr" sz="quarter"/>
+          </p:nvPr>
+        </p:nvSpPr>
+        <p:spPr>
+          <a:xfrm>
+            <a:off x="0" y="0"/>
+            <a:ext cx="2971800" cy="458788"/>
+          </a:xfrm>
+          <a:prstGeom prst="rect">
+            <a:avLst/>
+          </a:prstGeom>
+        </p:spPr>
+        <p:txBody>
+          <a:bodyPr vert="horz" lIns="91440" tIns="45720" rIns="91440" bIns="45720" rtlCol="0"/>
+          <a:lstStyle>
+            <a:lvl1pPr algn="l">
+              <a:defRPr sz="1200"/>
+            </a:lvl1pPr>
+          </a:lstStyle>
+          <a:p>
+            <a:endParaRPr lang="pt-BR"/>
+          </a:p>
+        </p:txBody>
+      </p:sp>
+      <p:sp>
+        <p:nvSpPr>
+          <p:cNvPr id="3" name="Espaço Reservado para Data 2"/>
+          <p:cNvSpPr>
+            <a:spLocks noGrp="1"/>
+          </p:cNvSpPr>
+          <p:nvPr>
+            <p:ph type="dt" idx="1"/>
+          </p:nvPr>
+        </p:nvSpPr>
+        <p:spPr>
+          <a:xfrm>
+            <a:off x="3884613" y="0"/>
+            <a:ext cx="2971800" cy="458788"/>
+          </a:xfrm>
+          <a:prstGeom prst="rect">
+            <a:avLst/>
+          </a:prstGeom>
+        </p:spPr>
+        <p:txBody>
+          <a:bodyPr vert="horz" lIns="91440" tIns="45720" rIns="91440" bIns="45720" rtlCol="0"/>
+          <a:lstStyle>
+            <a:lvl1pPr algn="r">
+              <a:defRPr sz="1200"/>
+            </a:lvl1pPr>
+          </a:lstStyle>
+          <a:p>
+            <a:fld id="{540F9317-570E-40E7-A5BF-9938F93D8A58}" type="datetimeFigureOut">
+              <a:rPr lang="pt-BR" smtClean="0"/>
+              <a:t>01/02/2022</a:t>
+            </a:fld>
+            <a:endParaRPr lang="pt-BR"/>
+          </a:p>
+        </p:txBody>
+      </p:sp>
+      <p:sp>
+        <p:nvSpPr>
+          <p:cNvPr id="4" name="Espaço Reservado para Imagem de Slide 3"/>
+          <p:cNvSpPr>
+            <a:spLocks noGrp="1" noRot="1" noChangeAspect="1"/>
+          </p:cNvSpPr>
+          <p:nvPr>
+            <p:ph type="sldImg" idx="2"/>
+          </p:nvPr>
+        </p:nvSpPr>
+        <p:spPr>
+          <a:xfrm>
+            <a:off x="685800" y="1143000"/>
+            <a:ext cx="5486400" cy="3086100"/>
+          </a:xfrm>
+          <a:prstGeom prst="rect">
+            <a:avLst/>
+          </a:prstGeom>
+          <a:noFill/>
+          <a:ln w="12700">
+            <a:solidFill>
+              <a:prstClr val="black"/>
+            </a:solidFill>
+          </a:ln>
+        </p:spPr>
+        <p:txBody>
+          <a:bodyPr vert="horz" lIns="91440" tIns="45720" rIns="91440" bIns="45720" rtlCol="0" anchor="ctr"/>
+          <a:lstStyle/>
+          <a:p>
+            <a:endParaRPr lang="pt-BR"/>
+          </a:p>
+        </p:txBody>
+      </p:sp>
+      <p:sp>
+        <p:nvSpPr>
+          <p:cNvPr id="5" name="Espaço Reservado para Anotações 4"/>
+          <p:cNvSpPr>
+            <a:spLocks noGrp="1"/>
+          </p:cNvSpPr>
+          <p:nvPr>
+            <p:ph type="body" sz="quarter" idx="3"/>
+          </p:nvPr>
+        </p:nvSpPr>
+        <p:spPr>
+          <a:xfrm>
+            <a:off x="685800" y="4400550"/>
+            <a:ext cx="5486400" cy="3600450"/>
+          </a:xfrm>
+          <a:prstGeom prst="rect">
+            <a:avLst/>
+          </a:prstGeom>
+        </p:spPr>
+        <p:txBody>
+          <a:bodyPr vert="horz" lIns="91440" tIns="45720" rIns="91440" bIns="45720" rtlCol="0"/>
+          <a:lstStyle/>
+          <a:p>
+            <a:pPr lvl="0"/>
+            <a:r>
+              <a:rPr lang="pt-BR"/>
+              <a:t>Clique para editar os estilos de texto Mestres</a:t>
+            </a:r>
+          </a:p>
+          <a:p>
+            <a:pPr lvl="1"/>
+            <a:r>
+              <a:rPr lang="pt-BR"/>
+              <a:t>Segundo nível</a:t>
+            </a:r>
+          </a:p>
+          <a:p>
+            <a:pPr lvl="2"/>
+            <a:r>
+              <a:rPr lang="pt-BR"/>
+              <a:t>Terceiro nível</a:t>
+            </a:r>
+          </a:p>
+          <a:p>
+            <a:pPr lvl="3"/>
+            <a:r>
+              <a:rPr lang="pt-BR"/>
+              <a:t>Quarto nível</a:t>
+            </a:r>
+          </a:p>
+          <a:p>
+            <a:pPr lvl="4"/>
+            <a:r>
+              <a:rPr lang="pt-BR"/>
+              <a:t>Quinto nível</a:t>
+            </a:r>
+          </a:p>
+        </p:txBody>
+      </p:sp>
+      <p:sp>
+        <p:nvSpPr>
+          <p:cNvPr id="6" name="Espaço Reservado para Rodapé 5"/>
+          <p:cNvSpPr>
+            <a:spLocks noGrp="1"/>
+          </p:cNvSpPr>
+          <p:nvPr>
+            <p:ph type="ftr" sz="quarter" idx="4"/>
+          </p:nvPr>
+        </p:nvSpPr>
+        <p:spPr>
+          <a:xfrm>
+            <a:off x="0" y="8685213"/>
+            <a:ext cx="2971800" cy="458787"/>
+          </a:xfrm>
+          <a:prstGeom prst="rect">
+            <a:avLst/>
+          </a:prstGeom>
+        </p:spPr>
+        <p:txBody>
+          <a:bodyPr vert="horz" lIns="91440" tIns="45720" rIns="91440" bIns="45720" rtlCol="0" anchor="b"/>
+          <a:lstStyle>
+            <a:lvl1pPr algn="l">
+              <a:defRPr sz="1200"/>
+            </a:lvl1pPr>
+          </a:lstStyle>
+          <a:p>
+            <a:endParaRPr lang="pt-BR"/>
+          </a:p>
+        </p:txBody>
+      </p:sp>
+      <p:sp>
+        <p:nvSpPr>
+          <p:cNvPr id="7" name="Espaço Reservado para Número de Slide 6"/>
+          <p:cNvSpPr>
+            <a:spLocks noGrp="1"/>
+          </p:cNvSpPr>
+          <p:nvPr>
+            <p:ph type="sldNum" sz="quarter" idx="5"/>
+          </p:nvPr>
+        </p:nvSpPr>
+        <p:spPr>
+          <a:xfrm>
+            <a:off x="3884613" y="8685213"/>
+            <a:ext cx="2971800" cy="458787"/>
+          </a:xfrm>
+          <a:prstGeom prst="rect">
+            <a:avLst/>
+          </a:prstGeom>
+        </p:spPr>
+        <p:txBody>
+          <a:bodyPr vert="horz" lIns="91440" tIns="45720" rIns="91440" bIns="45720" rtlCol="0" anchor="b"/>
+          <a:lstStyle>
+            <a:lvl1pPr algn="r">
+              <a:defRPr sz="1200"/>
+            </a:lvl1pPr>
+          </a:lstStyle>
+          <a:p>
+            <a:fld id="{EBF82429-8BE2-4EAE-8DFE-5904BDDECA83}" type="slidenum">
+              <a:rPr lang="pt-BR" smtClean="0"/>
+              <a:t>‹nº›</a:t>
+            </a:fld>
+            <a:endParaRPr lang="pt-BR"/>
+          </a:p>
+        </p:txBody>
+      </p:sp>
+    </p:spTree>
+    <p:extLst>
+      <p:ext uri="{BB962C8B-B14F-4D97-AF65-F5344CB8AC3E}">
+        <p14:creationId xmlns:p14="http://schemas.microsoft.com/office/powerpoint/2010/main" val="1318823822"/>
+      </p:ext>
+    </p:extLst>
+  </p:cSld>
+  <p:clrMap bg1="lt1" tx1="dk1" bg2="lt2" tx2="dk2" accent1="accent1" accent2="accent2" accent3="accent3" accent4="accent4" accent5="accent5" accent6="accent6" hlink="hlink" folHlink="folHlink"/>
+  <p:notesStyle>
+    <a:lvl1pPr marL="0" algn="l" defTabSz="914400" rtl="0" eaLnBrk="1" latinLnBrk="0" hangingPunct="1">
+      <a:defRPr sz="1200" kern="1200">
+        <a:solidFill>
+          <a:schemeClr val="tx1"/>
+        </a:solidFill>
+        <a:latin typeface="+mn-lt"/>
+        <a:ea typeface="+mn-ea"/>
+        <a:cs typeface="+mn-cs"/>
+      </a:defRPr>
+    </a:lvl1pPr>
+    <a:lvl2pPr marL="457200" algn="l" defTabSz="914400" rtl="0" eaLnBrk="1" latinLnBrk="0" hangingPunct="1">
+      <a:defRPr sz="1200" kern="1200">
+        <a:solidFill>
+          <a:schemeClr val="tx1"/>
+        </a:solidFill>
+        <a:latin typeface="+mn-lt"/>
+        <a:ea typeface="+mn-ea"/>
+        <a:cs typeface="+mn-cs"/>
+      </a:defRPr>
+    </a:lvl2pPr>
+    <a:lvl3pPr marL="914400" algn="l" defTabSz="914400" rtl="0" eaLnBrk="1" latinLnBrk="0" hangingPunct="1">
+      <a:defRPr sz="1200" kern="1200">
+        <a:solidFill>
+          <a:schemeClr val="tx1"/>
+        </a:solidFill>
+        <a:latin typeface="+mn-lt"/>
+        <a:ea typeface="+mn-ea"/>
+        <a:cs typeface="+mn-cs"/>
+      </a:defRPr>
+    </a:lvl3pPr>
+    <a:lvl4pPr marL="1371600" algn="l" defTabSz="914400" rtl="0" eaLnBrk="1" latinLnBrk="0" hangingPunct="1">
+      <a:defRPr sz="1200" kern="1200">
+        <a:solidFill>
+          <a:schemeClr val="tx1"/>
+        </a:solidFill>
+        <a:latin typeface="+mn-lt"/>
+        <a:ea typeface="+mn-ea"/>
+        <a:cs typeface="+mn-cs"/>
+      </a:defRPr>
+    </a:lvl4pPr>
+    <a:lvl5pPr marL="1828800" algn="l" defTabSz="914400" rtl="0" eaLnBrk="1" latinLnBrk="0" hangingPunct="1">
+      <a:defRPr sz="1200" kern="1200">
+        <a:solidFill>
+          <a:schemeClr val="tx1"/>
+        </a:solidFill>
+        <a:latin typeface="+mn-lt"/>
+        <a:ea typeface="+mn-ea"/>
+        <a:cs typeface="+mn-cs"/>
+      </a:defRPr>
+    </a:lvl5pPr>
+    <a:lvl6pPr marL="2286000" algn="l" defTabSz="914400" rtl="0" eaLnBrk="1" latinLnBrk="0" hangingPunct="1">
+      <a:defRPr sz="1200" kern="1200">
+        <a:solidFill>
+          <a:schemeClr val="tx1"/>
+        </a:solidFill>
+        <a:latin typeface="+mn-lt"/>
+        <a:ea typeface="+mn-ea"/>
+        <a:cs typeface="+mn-cs"/>
+      </a:defRPr>
+    </a:lvl6pPr>
+    <a:lvl7pPr marL="2743200" algn="l" defTabSz="914400" rtl="0" eaLnBrk="1" latinLnBrk="0" hangingPunct="1">
+      <a:defRPr sz="1200" kern="1200">
+        <a:solidFill>
+          <a:schemeClr val="tx1"/>
+        </a:solidFill>
+        <a:latin typeface="+mn-lt"/>
+        <a:ea typeface="+mn-ea"/>
+        <a:cs typeface="+mn-cs"/>
+      </a:defRPr>
+    </a:lvl7pPr>
+    <a:lvl8pPr marL="3200400" algn="l" defTabSz="914400" rtl="0" eaLnBrk="1" latinLnBrk="0" hangingPunct="1">
+      <a:defRPr sz="1200" kern="1200">
+        <a:solidFill>
+          <a:schemeClr val="tx1"/>
+        </a:solidFill>
+        <a:latin typeface="+mn-lt"/>
+        <a:ea typeface="+mn-ea"/>
+        <a:cs typeface="+mn-cs"/>
+      </a:defRPr>
+    </a:lvl8pPr>
+    <a:lvl9pPr marL="3657600" algn="l" defTabSz="914400" rtl="0" eaLnBrk="1" latinLnBrk="0" hangingPunct="1">
+      <a:defRPr sz="1200" kern="1200">
+        <a:solidFill>
+          <a:schemeClr val="tx1"/>
+        </a:solidFill>
+        <a:latin typeface="+mn-lt"/>
+        <a:ea typeface="+mn-ea"/>
+        <a:cs typeface="+mn-cs"/>
+      </a:defRPr>
+    </a:lvl9pPr>
+  </p:notesStyle>
+</p:notesMaster>
 </file>
 
 <file path=ppt/slideLayouts/slideLayout1.xml><?xml version="1.0" encoding="utf-8"?>
@@ -3389,7 +4151,7 @@
         </p:blipFill>
         <p:spPr bwMode="auto">
           <a:xfrm>
-            <a:off x="534959" y="1207095"/>
+            <a:off x="534959" y="1732875"/>
             <a:ext cx="5065741" cy="3936405"/>
           </a:xfrm>
           <a:prstGeom prst="rect">
@@ -3401,6 +4163,84 @@
           </a:ln>
         </p:spPr>
       </p:pic>
+      <p:cxnSp>
+        <p:nvCxnSpPr>
+          <p:cNvPr id="3" name="Conector reto 2">
+            <a:extLst>
+              <a:ext uri="{FF2B5EF4-FFF2-40B4-BE49-F238E27FC236}">
+                <a16:creationId xmlns:a16="http://schemas.microsoft.com/office/drawing/2014/main" id="{DDF35C25-2953-40F5-932A-CCA9FA355639}"/>
+              </a:ext>
+            </a:extLst>
+          </p:cNvPr>
+          <p:cNvCxnSpPr>
+            <a:cxnSpLocks/>
+          </p:cNvCxnSpPr>
+          <p:nvPr/>
+        </p:nvCxnSpPr>
+        <p:spPr>
+          <a:xfrm>
+            <a:off x="217170" y="708660"/>
+            <a:ext cx="11510010" cy="0"/>
+          </a:xfrm>
+          <a:prstGeom prst="line">
+            <a:avLst/>
+          </a:prstGeom>
+          <a:ln>
+            <a:solidFill>
+              <a:srgbClr val="FF0000"/>
+            </a:solidFill>
+          </a:ln>
+        </p:spPr>
+        <p:style>
+          <a:lnRef idx="1">
+            <a:schemeClr val="accent1"/>
+          </a:lnRef>
+          <a:fillRef idx="0">
+            <a:schemeClr val="accent1"/>
+          </a:fillRef>
+          <a:effectRef idx="0">
+            <a:schemeClr val="accent1"/>
+          </a:effectRef>
+          <a:fontRef idx="minor">
+            <a:schemeClr val="tx1"/>
+          </a:fontRef>
+        </p:style>
+      </p:cxnSp>
+      <p:sp>
+        <p:nvSpPr>
+          <p:cNvPr id="5" name="CaixaDeTexto 4">
+            <a:extLst>
+              <a:ext uri="{FF2B5EF4-FFF2-40B4-BE49-F238E27FC236}">
+                <a16:creationId xmlns:a16="http://schemas.microsoft.com/office/drawing/2014/main" id="{CECE0C82-AE6E-4FA5-A3EE-47667967C17A}"/>
+              </a:ext>
+            </a:extLst>
+          </p:cNvPr>
+          <p:cNvSpPr txBox="1"/>
+          <p:nvPr/>
+        </p:nvSpPr>
+        <p:spPr>
+          <a:xfrm>
+            <a:off x="217170" y="148590"/>
+            <a:ext cx="5989320" cy="523220"/>
+          </a:xfrm>
+          <a:prstGeom prst="rect">
+            <a:avLst/>
+          </a:prstGeom>
+          <a:noFill/>
+        </p:spPr>
+        <p:txBody>
+          <a:bodyPr wrap="square" rtlCol="0">
+            <a:spAutoFit/>
+          </a:bodyPr>
+          <a:lstStyle/>
+          <a:p>
+            <a:r>
+              <a:rPr lang="pt-BR" sz="2800" dirty="0"/>
+              <a:t>Processo atual</a:t>
+            </a:r>
+          </a:p>
+        </p:txBody>
+      </p:sp>
     </p:spTree>
     <p:extLst>
       <p:ext uri="{BB962C8B-B14F-4D97-AF65-F5344CB8AC3E}">
@@ -3472,6 +4312,84 @@
           </a:ln>
         </p:spPr>
       </p:pic>
+      <p:cxnSp>
+        <p:nvCxnSpPr>
+          <p:cNvPr id="3" name="Conector reto 2">
+            <a:extLst>
+              <a:ext uri="{FF2B5EF4-FFF2-40B4-BE49-F238E27FC236}">
+                <a16:creationId xmlns:a16="http://schemas.microsoft.com/office/drawing/2014/main" id="{B7013817-82B0-44FC-9950-AA58B77BFFC5}"/>
+              </a:ext>
+            </a:extLst>
+          </p:cNvPr>
+          <p:cNvCxnSpPr>
+            <a:cxnSpLocks/>
+          </p:cNvCxnSpPr>
+          <p:nvPr/>
+        </p:nvCxnSpPr>
+        <p:spPr>
+          <a:xfrm>
+            <a:off x="217170" y="708660"/>
+            <a:ext cx="11510010" cy="0"/>
+          </a:xfrm>
+          <a:prstGeom prst="line">
+            <a:avLst/>
+          </a:prstGeom>
+          <a:ln>
+            <a:solidFill>
+              <a:srgbClr val="FF0000"/>
+            </a:solidFill>
+          </a:ln>
+        </p:spPr>
+        <p:style>
+          <a:lnRef idx="1">
+            <a:schemeClr val="accent1"/>
+          </a:lnRef>
+          <a:fillRef idx="0">
+            <a:schemeClr val="accent1"/>
+          </a:fillRef>
+          <a:effectRef idx="0">
+            <a:schemeClr val="accent1"/>
+          </a:effectRef>
+          <a:fontRef idx="minor">
+            <a:schemeClr val="tx1"/>
+          </a:fontRef>
+        </p:style>
+      </p:cxnSp>
+      <p:sp>
+        <p:nvSpPr>
+          <p:cNvPr id="4" name="CaixaDeTexto 3">
+            <a:extLst>
+              <a:ext uri="{FF2B5EF4-FFF2-40B4-BE49-F238E27FC236}">
+                <a16:creationId xmlns:a16="http://schemas.microsoft.com/office/drawing/2014/main" id="{F270D601-BD82-4799-B6D8-BDB3467FF3B6}"/>
+              </a:ext>
+            </a:extLst>
+          </p:cNvPr>
+          <p:cNvSpPr txBox="1"/>
+          <p:nvPr/>
+        </p:nvSpPr>
+        <p:spPr>
+          <a:xfrm>
+            <a:off x="217170" y="148590"/>
+            <a:ext cx="5989320" cy="523220"/>
+          </a:xfrm>
+          <a:prstGeom prst="rect">
+            <a:avLst/>
+          </a:prstGeom>
+          <a:noFill/>
+        </p:spPr>
+        <p:txBody>
+          <a:bodyPr wrap="square" rtlCol="0">
+            <a:spAutoFit/>
+          </a:bodyPr>
+          <a:lstStyle/>
+          <a:p>
+            <a:r>
+              <a:rPr lang="pt-BR" sz="2800" dirty="0"/>
+              <a:t>Processo proposto</a:t>
+            </a:r>
+          </a:p>
+        </p:txBody>
+      </p:sp>
     </p:spTree>
     <p:extLst>
       <p:ext uri="{BB962C8B-B14F-4D97-AF65-F5344CB8AC3E}">
@@ -3486,6 +4404,1363 @@
 </file>
 
 <file path=ppt/slides/slide3.xml><?xml version="1.0" encoding="utf-8"?>
+<p:sld xmlns:a="http://schemas.openxmlformats.org/drawingml/2006/main" xmlns:r="http://schemas.openxmlformats.org/officeDocument/2006/relationships" xmlns:p="http://schemas.openxmlformats.org/presentationml/2006/main" show="0">
+  <p:cSld>
+    <p:spTree>
+      <p:nvGrpSpPr>
+        <p:cNvPr id="1" name=""/>
+        <p:cNvGrpSpPr/>
+        <p:nvPr/>
+      </p:nvGrpSpPr>
+      <p:grpSpPr>
+        <a:xfrm>
+          <a:off x="0" y="0"/>
+          <a:ext cx="0" cy="0"/>
+          <a:chOff x="0" y="0"/>
+          <a:chExt cx="0" cy="0"/>
+        </a:xfrm>
+      </p:grpSpPr>
+      <p:sp>
+        <p:nvSpPr>
+          <p:cNvPr id="10" name="Retângulo 9">
+            <a:extLst>
+              <a:ext uri="{FF2B5EF4-FFF2-40B4-BE49-F238E27FC236}">
+                <a16:creationId xmlns:a16="http://schemas.microsoft.com/office/drawing/2014/main" id="{5F3185C1-D5EB-4399-B6DF-0351221D816C}"/>
+              </a:ext>
+            </a:extLst>
+          </p:cNvPr>
+          <p:cNvSpPr/>
+          <p:nvPr/>
+        </p:nvSpPr>
+        <p:spPr>
+          <a:xfrm>
+            <a:off x="6096000" y="1976452"/>
+            <a:ext cx="4259178" cy="4572925"/>
+          </a:xfrm>
+          <a:prstGeom prst="rect">
+            <a:avLst/>
+          </a:prstGeom>
+          <a:solidFill>
+            <a:schemeClr val="accent2">
+              <a:lumMod val="20000"/>
+              <a:lumOff val="80000"/>
+            </a:schemeClr>
+          </a:solidFill>
+        </p:spPr>
+        <p:style>
+          <a:lnRef idx="2">
+            <a:schemeClr val="accent1">
+              <a:shade val="50000"/>
+            </a:schemeClr>
+          </a:lnRef>
+          <a:fillRef idx="1">
+            <a:schemeClr val="accent1"/>
+          </a:fillRef>
+          <a:effectRef idx="0">
+            <a:schemeClr val="accent1"/>
+          </a:effectRef>
+          <a:fontRef idx="minor">
+            <a:schemeClr val="lt1"/>
+          </a:fontRef>
+        </p:style>
+        <p:txBody>
+          <a:bodyPr rtlCol="0" anchor="ctr"/>
+          <a:lstStyle/>
+          <a:p>
+            <a:pPr algn="ctr"/>
+            <a:endParaRPr lang="en-US" dirty="0">
+              <a:solidFill>
+                <a:schemeClr val="tx1"/>
+              </a:solidFill>
+            </a:endParaRPr>
+          </a:p>
+        </p:txBody>
+      </p:sp>
+      <p:sp>
+        <p:nvSpPr>
+          <p:cNvPr id="11" name="Retângulo 10">
+            <a:extLst>
+              <a:ext uri="{FF2B5EF4-FFF2-40B4-BE49-F238E27FC236}">
+                <a16:creationId xmlns:a16="http://schemas.microsoft.com/office/drawing/2014/main" id="{6B0C6F1A-E5DC-4B08-9CBC-44B267ADF02A}"/>
+              </a:ext>
+            </a:extLst>
+          </p:cNvPr>
+          <p:cNvSpPr/>
+          <p:nvPr/>
+        </p:nvSpPr>
+        <p:spPr>
+          <a:xfrm>
+            <a:off x="1293298" y="1976452"/>
+            <a:ext cx="4259178" cy="4572933"/>
+          </a:xfrm>
+          <a:prstGeom prst="rect">
+            <a:avLst/>
+          </a:prstGeom>
+          <a:solidFill>
+            <a:schemeClr val="accent6">
+              <a:lumMod val="20000"/>
+              <a:lumOff val="80000"/>
+            </a:schemeClr>
+          </a:solidFill>
+        </p:spPr>
+        <p:style>
+          <a:lnRef idx="2">
+            <a:schemeClr val="accent1">
+              <a:shade val="50000"/>
+            </a:schemeClr>
+          </a:lnRef>
+          <a:fillRef idx="1">
+            <a:schemeClr val="accent1"/>
+          </a:fillRef>
+          <a:effectRef idx="0">
+            <a:schemeClr val="accent1"/>
+          </a:effectRef>
+          <a:fontRef idx="minor">
+            <a:schemeClr val="lt1"/>
+          </a:fontRef>
+        </p:style>
+        <p:txBody>
+          <a:bodyPr rtlCol="0" anchor="ctr"/>
+          <a:lstStyle/>
+          <a:p>
+            <a:pPr algn="ctr"/>
+            <a:endParaRPr lang="en-US" dirty="0">
+              <a:solidFill>
+                <a:schemeClr val="tx1"/>
+              </a:solidFill>
+            </a:endParaRPr>
+          </a:p>
+        </p:txBody>
+      </p:sp>
+      <p:sp>
+        <p:nvSpPr>
+          <p:cNvPr id="12" name="Retângulo 11">
+            <a:extLst>
+              <a:ext uri="{FF2B5EF4-FFF2-40B4-BE49-F238E27FC236}">
+                <a16:creationId xmlns:a16="http://schemas.microsoft.com/office/drawing/2014/main" id="{707BE1CC-D068-41F7-BF43-6B85CEF1879E}"/>
+              </a:ext>
+            </a:extLst>
+          </p:cNvPr>
+          <p:cNvSpPr/>
+          <p:nvPr/>
+        </p:nvSpPr>
+        <p:spPr>
+          <a:xfrm>
+            <a:off x="1295401" y="1120644"/>
+            <a:ext cx="4259178" cy="859753"/>
+          </a:xfrm>
+          <a:prstGeom prst="rect">
+            <a:avLst/>
+          </a:prstGeom>
+          <a:solidFill>
+            <a:schemeClr val="accent6">
+              <a:lumMod val="60000"/>
+              <a:lumOff val="40000"/>
+            </a:schemeClr>
+          </a:solidFill>
+        </p:spPr>
+        <p:style>
+          <a:lnRef idx="2">
+            <a:schemeClr val="accent1">
+              <a:shade val="50000"/>
+            </a:schemeClr>
+          </a:lnRef>
+          <a:fillRef idx="1">
+            <a:schemeClr val="accent1"/>
+          </a:fillRef>
+          <a:effectRef idx="0">
+            <a:schemeClr val="accent1"/>
+          </a:effectRef>
+          <a:fontRef idx="minor">
+            <a:schemeClr val="lt1"/>
+          </a:fontRef>
+        </p:style>
+        <p:txBody>
+          <a:bodyPr rtlCol="0" anchor="ctr"/>
+          <a:lstStyle/>
+          <a:p>
+            <a:pPr algn="ctr"/>
+            <a:r>
+              <a:rPr lang="pt-BR" sz="2000" b="1">
+                <a:solidFill>
+                  <a:schemeClr val="tx1"/>
+                </a:solidFill>
+              </a:rPr>
+              <a:t>PRÓS</a:t>
+            </a:r>
+          </a:p>
+          <a:p>
+            <a:pPr algn="ctr"/>
+            <a:r>
+              <a:rPr lang="pt-BR">
+                <a:solidFill>
+                  <a:schemeClr val="tx1"/>
+                </a:solidFill>
+              </a:rPr>
+              <a:t>Quais as vantagens</a:t>
+            </a:r>
+          </a:p>
+        </p:txBody>
+      </p:sp>
+      <p:sp>
+        <p:nvSpPr>
+          <p:cNvPr id="13" name="Retângulo 12">
+            <a:extLst>
+              <a:ext uri="{FF2B5EF4-FFF2-40B4-BE49-F238E27FC236}">
+                <a16:creationId xmlns:a16="http://schemas.microsoft.com/office/drawing/2014/main" id="{BE8EC46A-BEA1-4EDC-83B7-8E0C27EFA3D1}"/>
+              </a:ext>
+            </a:extLst>
+          </p:cNvPr>
+          <p:cNvSpPr/>
+          <p:nvPr/>
+        </p:nvSpPr>
+        <p:spPr>
+          <a:xfrm>
+            <a:off x="6096002" y="1116700"/>
+            <a:ext cx="4259178" cy="859753"/>
+          </a:xfrm>
+          <a:prstGeom prst="rect">
+            <a:avLst/>
+          </a:prstGeom>
+          <a:solidFill>
+            <a:schemeClr val="accent2">
+              <a:lumMod val="75000"/>
+            </a:schemeClr>
+          </a:solidFill>
+        </p:spPr>
+        <p:style>
+          <a:lnRef idx="2">
+            <a:schemeClr val="accent1">
+              <a:shade val="50000"/>
+            </a:schemeClr>
+          </a:lnRef>
+          <a:fillRef idx="1">
+            <a:schemeClr val="accent1"/>
+          </a:fillRef>
+          <a:effectRef idx="0">
+            <a:schemeClr val="accent1"/>
+          </a:effectRef>
+          <a:fontRef idx="minor">
+            <a:schemeClr val="lt1"/>
+          </a:fontRef>
+        </p:style>
+        <p:txBody>
+          <a:bodyPr rtlCol="0" anchor="ctr"/>
+          <a:lstStyle/>
+          <a:p>
+            <a:pPr algn="ctr"/>
+            <a:endParaRPr lang="pt-BR" sz="2000" b="1"/>
+          </a:p>
+          <a:p>
+            <a:pPr algn="ctr"/>
+            <a:r>
+              <a:rPr lang="pt-BR" sz="2000" b="1"/>
+              <a:t>CONTRAS</a:t>
+            </a:r>
+            <a:endParaRPr lang="pt-BR"/>
+          </a:p>
+          <a:p>
+            <a:pPr algn="ctr"/>
+            <a:r>
+              <a:rPr lang="pt-BR"/>
+              <a:t>Quais as desvantagens </a:t>
+            </a:r>
+          </a:p>
+          <a:p>
+            <a:pPr algn="ctr"/>
+            <a:endParaRPr lang="pt-BR"/>
+          </a:p>
+        </p:txBody>
+      </p:sp>
+      <p:sp>
+        <p:nvSpPr>
+          <p:cNvPr id="14" name="CaixaDeTexto 13">
+            <a:extLst>
+              <a:ext uri="{FF2B5EF4-FFF2-40B4-BE49-F238E27FC236}">
+                <a16:creationId xmlns:a16="http://schemas.microsoft.com/office/drawing/2014/main" id="{BA98DDA2-1883-4CA8-8D0D-EE7829DA44B6}"/>
+              </a:ext>
+            </a:extLst>
+          </p:cNvPr>
+          <p:cNvSpPr txBox="1"/>
+          <p:nvPr/>
+        </p:nvSpPr>
+        <p:spPr>
+          <a:xfrm>
+            <a:off x="1295399" y="2131292"/>
+            <a:ext cx="4259179" cy="3826560"/>
+          </a:xfrm>
+          <a:prstGeom prst="rect">
+            <a:avLst/>
+          </a:prstGeom>
+          <a:noFill/>
+        </p:spPr>
+        <p:txBody>
+          <a:bodyPr wrap="square">
+            <a:spAutoFit/>
+          </a:bodyPr>
+          <a:lstStyle/>
+          <a:p>
+            <a:pPr marL="342900" indent="-342900">
+              <a:lnSpc>
+                <a:spcPct val="107000"/>
+              </a:lnSpc>
+              <a:spcAft>
+                <a:spcPts val="800"/>
+              </a:spcAft>
+              <a:buFont typeface="+mj-lt"/>
+              <a:buAutoNum type="arabicPeriod"/>
+            </a:pPr>
+            <a:r>
+              <a:rPr lang="pt-BR" sz="1800" dirty="0">
+                <a:effectLst/>
+                <a:latin typeface="Calibri" panose="020F0502020204030204" pitchFamily="34" charset="0"/>
+                <a:ea typeface="Calibri" panose="020F0502020204030204" pitchFamily="34" charset="0"/>
+                <a:cs typeface="Times New Roman" panose="02020603050405020304" pitchFamily="18" charset="0"/>
+              </a:rPr>
+              <a:t>Word mantém os arquivos importados nele (container);</a:t>
+            </a:r>
+          </a:p>
+          <a:p>
+            <a:pPr marL="342900" indent="-342900">
+              <a:lnSpc>
+                <a:spcPct val="107000"/>
+              </a:lnSpc>
+              <a:spcAft>
+                <a:spcPts val="800"/>
+              </a:spcAft>
+              <a:buFont typeface="+mj-lt"/>
+              <a:buAutoNum type="arabicPeriod"/>
+            </a:pPr>
+            <a:r>
+              <a:rPr lang="pt-BR" sz="1800" dirty="0">
+                <a:effectLst/>
+                <a:latin typeface="Calibri" panose="020F0502020204030204" pitchFamily="34" charset="0"/>
+                <a:ea typeface="Calibri" panose="020F0502020204030204" pitchFamily="34" charset="0"/>
+                <a:cs typeface="Times New Roman" panose="02020603050405020304" pitchFamily="18" charset="0"/>
+              </a:rPr>
+              <a:t>Visualização em tempo real (</a:t>
+            </a:r>
+            <a:r>
+              <a:rPr lang="pt-BR" sz="1800" dirty="0" err="1">
+                <a:effectLst/>
+                <a:latin typeface="Calibri" panose="020F0502020204030204" pitchFamily="34" charset="0"/>
+                <a:ea typeface="Calibri" panose="020F0502020204030204" pitchFamily="34" charset="0"/>
+                <a:cs typeface="Times New Roman" panose="02020603050405020304" pitchFamily="18" charset="0"/>
+              </a:rPr>
+              <a:t>You</a:t>
+            </a:r>
+            <a:r>
+              <a:rPr lang="pt-BR" sz="1800" dirty="0">
+                <a:effectLst/>
+                <a:latin typeface="Calibri" panose="020F0502020204030204" pitchFamily="34" charset="0"/>
+                <a:ea typeface="Calibri" panose="020F0502020204030204" pitchFamily="34" charset="0"/>
+                <a:cs typeface="Times New Roman" panose="02020603050405020304" pitchFamily="18" charset="0"/>
+              </a:rPr>
+              <a:t> </a:t>
+            </a:r>
+            <a:r>
+              <a:rPr lang="pt-BR" sz="1800" dirty="0" err="1">
+                <a:effectLst/>
+                <a:latin typeface="Calibri" panose="020F0502020204030204" pitchFamily="34" charset="0"/>
+                <a:ea typeface="Calibri" panose="020F0502020204030204" pitchFamily="34" charset="0"/>
+                <a:cs typeface="Times New Roman" panose="02020603050405020304" pitchFamily="18" charset="0"/>
+              </a:rPr>
+              <a:t>see</a:t>
+            </a:r>
+            <a:r>
+              <a:rPr lang="pt-BR" sz="1800" dirty="0">
+                <a:effectLst/>
+                <a:latin typeface="Calibri" panose="020F0502020204030204" pitchFamily="34" charset="0"/>
+                <a:ea typeface="Calibri" panose="020F0502020204030204" pitchFamily="34" charset="0"/>
+                <a:cs typeface="Times New Roman" panose="02020603050405020304" pitchFamily="18" charset="0"/>
+              </a:rPr>
+              <a:t> </a:t>
+            </a:r>
+            <a:r>
+              <a:rPr lang="pt-BR" sz="1800" dirty="0" err="1">
+                <a:effectLst/>
+                <a:latin typeface="Calibri" panose="020F0502020204030204" pitchFamily="34" charset="0"/>
+                <a:ea typeface="Calibri" panose="020F0502020204030204" pitchFamily="34" charset="0"/>
+                <a:cs typeface="Times New Roman" panose="02020603050405020304" pitchFamily="18" charset="0"/>
+              </a:rPr>
+              <a:t>what</a:t>
+            </a:r>
+            <a:r>
+              <a:rPr lang="pt-BR" sz="1800" dirty="0">
+                <a:effectLst/>
+                <a:latin typeface="Calibri" panose="020F0502020204030204" pitchFamily="34" charset="0"/>
+                <a:ea typeface="Calibri" panose="020F0502020204030204" pitchFamily="34" charset="0"/>
+                <a:cs typeface="Times New Roman" panose="02020603050405020304" pitchFamily="18" charset="0"/>
+              </a:rPr>
+              <a:t> </a:t>
+            </a:r>
+            <a:r>
+              <a:rPr lang="pt-BR" sz="1800" dirty="0" err="1">
+                <a:effectLst/>
+                <a:latin typeface="Calibri" panose="020F0502020204030204" pitchFamily="34" charset="0"/>
+                <a:ea typeface="Calibri" panose="020F0502020204030204" pitchFamily="34" charset="0"/>
+                <a:cs typeface="Times New Roman" panose="02020603050405020304" pitchFamily="18" charset="0"/>
+              </a:rPr>
+              <a:t>you</a:t>
+            </a:r>
+            <a:r>
+              <a:rPr lang="pt-BR" sz="1800" dirty="0">
+                <a:effectLst/>
+                <a:latin typeface="Calibri" panose="020F0502020204030204" pitchFamily="34" charset="0"/>
+                <a:ea typeface="Calibri" panose="020F0502020204030204" pitchFamily="34" charset="0"/>
+                <a:cs typeface="Times New Roman" panose="02020603050405020304" pitchFamily="18" charset="0"/>
+              </a:rPr>
+              <a:t> </a:t>
+            </a:r>
+            <a:r>
+              <a:rPr lang="pt-BR" sz="1800" dirty="0" err="1">
+                <a:effectLst/>
+                <a:latin typeface="Calibri" panose="020F0502020204030204" pitchFamily="34" charset="0"/>
+                <a:ea typeface="Calibri" panose="020F0502020204030204" pitchFamily="34" charset="0"/>
+                <a:cs typeface="Times New Roman" panose="02020603050405020304" pitchFamily="18" charset="0"/>
+              </a:rPr>
+              <a:t>get</a:t>
+            </a:r>
+            <a:r>
+              <a:rPr lang="pt-BR" sz="1800" dirty="0">
+                <a:effectLst/>
+                <a:latin typeface="Calibri" panose="020F0502020204030204" pitchFamily="34" charset="0"/>
+                <a:ea typeface="Calibri" panose="020F0502020204030204" pitchFamily="34" charset="0"/>
+                <a:cs typeface="Times New Roman" panose="02020603050405020304" pitchFamily="18" charset="0"/>
+              </a:rPr>
+              <a:t>)</a:t>
+            </a:r>
+          </a:p>
+          <a:p>
+            <a:pPr marL="342900" indent="-342900">
+              <a:lnSpc>
+                <a:spcPct val="107000"/>
+              </a:lnSpc>
+              <a:spcAft>
+                <a:spcPts val="800"/>
+              </a:spcAft>
+              <a:buFont typeface="+mj-lt"/>
+              <a:buAutoNum type="arabicPeriod"/>
+            </a:pPr>
+            <a:r>
+              <a:rPr lang="pt-BR" sz="1800" dirty="0">
+                <a:effectLst/>
+                <a:latin typeface="Calibri" panose="020F0502020204030204" pitchFamily="34" charset="0"/>
+                <a:ea typeface="Calibri" panose="020F0502020204030204" pitchFamily="34" charset="0"/>
+                <a:cs typeface="Times New Roman" panose="02020603050405020304" pitchFamily="18" charset="0"/>
+              </a:rPr>
+              <a:t>Interface simples com o usuário </a:t>
+            </a:r>
+          </a:p>
+          <a:p>
+            <a:pPr marL="342900" indent="-342900">
+              <a:lnSpc>
+                <a:spcPct val="107000"/>
+              </a:lnSpc>
+              <a:spcAft>
+                <a:spcPts val="800"/>
+              </a:spcAft>
+              <a:buFont typeface="+mj-lt"/>
+              <a:buAutoNum type="arabicPeriod"/>
+            </a:pPr>
+            <a:r>
+              <a:rPr lang="pt-BR" sz="1800" dirty="0">
+                <a:effectLst/>
+                <a:latin typeface="Calibri" panose="020F0502020204030204" pitchFamily="34" charset="0"/>
+                <a:ea typeface="Calibri" panose="020F0502020204030204" pitchFamily="34" charset="0"/>
+                <a:cs typeface="Times New Roman" panose="02020603050405020304" pitchFamily="18" charset="0"/>
+              </a:rPr>
+              <a:t>Integração facilitada com outros programas (inserção de dados, imagens, tabelas, etc.)</a:t>
+            </a:r>
+          </a:p>
+          <a:p>
+            <a:pPr marL="342900" indent="-342900">
+              <a:lnSpc>
+                <a:spcPct val="107000"/>
+              </a:lnSpc>
+              <a:spcAft>
+                <a:spcPts val="800"/>
+              </a:spcAft>
+              <a:buFont typeface="+mj-lt"/>
+              <a:buAutoNum type="arabicPeriod"/>
+            </a:pPr>
+            <a:r>
+              <a:rPr lang="pt-BR" sz="1800" dirty="0">
+                <a:effectLst/>
+                <a:latin typeface="Calibri" panose="020F0502020204030204" pitchFamily="34" charset="0"/>
+                <a:ea typeface="Calibri" panose="020F0502020204030204" pitchFamily="34" charset="0"/>
+                <a:cs typeface="Times New Roman" panose="02020603050405020304" pitchFamily="18" charset="0"/>
+              </a:rPr>
+              <a:t>Erros são fáceis de interpretar</a:t>
+            </a:r>
+          </a:p>
+          <a:p>
+            <a:pPr marL="342900" indent="-342900">
+              <a:buFont typeface="+mj-lt"/>
+              <a:buAutoNum type="arabicPeriod"/>
+            </a:pPr>
+            <a:endParaRPr lang="en-US" dirty="0"/>
+          </a:p>
+          <a:p>
+            <a:pPr marL="342900" indent="-342900">
+              <a:buFont typeface="+mj-lt"/>
+              <a:buAutoNum type="arabicPeriod"/>
+            </a:pPr>
+            <a:endParaRPr lang="en-US" dirty="0"/>
+          </a:p>
+        </p:txBody>
+      </p:sp>
+      <p:sp>
+        <p:nvSpPr>
+          <p:cNvPr id="15" name="CaixaDeTexto 14">
+            <a:extLst>
+              <a:ext uri="{FF2B5EF4-FFF2-40B4-BE49-F238E27FC236}">
+                <a16:creationId xmlns:a16="http://schemas.microsoft.com/office/drawing/2014/main" id="{78C3FE47-D294-4B50-B3A0-0B24E941A9A8}"/>
+              </a:ext>
+            </a:extLst>
+          </p:cNvPr>
+          <p:cNvSpPr txBox="1"/>
+          <p:nvPr/>
+        </p:nvSpPr>
+        <p:spPr>
+          <a:xfrm>
+            <a:off x="6098101" y="2130253"/>
+            <a:ext cx="4259178" cy="2261517"/>
+          </a:xfrm>
+          <a:prstGeom prst="rect">
+            <a:avLst/>
+          </a:prstGeom>
+          <a:noFill/>
+        </p:spPr>
+        <p:txBody>
+          <a:bodyPr wrap="square">
+            <a:spAutoFit/>
+          </a:bodyPr>
+          <a:lstStyle/>
+          <a:p>
+            <a:pPr marL="342900" indent="-342900">
+              <a:lnSpc>
+                <a:spcPct val="107000"/>
+              </a:lnSpc>
+              <a:spcAft>
+                <a:spcPts val="800"/>
+              </a:spcAft>
+              <a:buFont typeface="+mj-lt"/>
+              <a:buAutoNum type="arabicPeriod"/>
+            </a:pPr>
+            <a:r>
+              <a:rPr lang="pt-BR" sz="1800" dirty="0">
+                <a:effectLst/>
+                <a:latin typeface="Calibri" panose="020F0502020204030204" pitchFamily="34" charset="0"/>
+                <a:ea typeface="Calibri" panose="020F0502020204030204" pitchFamily="34" charset="0"/>
+                <a:cs typeface="Times New Roman" panose="02020603050405020304" pitchFamily="18" charset="0"/>
+              </a:rPr>
+              <a:t>Diagramação de imagens</a:t>
+            </a:r>
+          </a:p>
+          <a:p>
+            <a:pPr marL="342900" indent="-342900">
+              <a:lnSpc>
+                <a:spcPct val="107000"/>
+              </a:lnSpc>
+              <a:spcAft>
+                <a:spcPts val="800"/>
+              </a:spcAft>
+              <a:buFont typeface="+mj-lt"/>
+              <a:buAutoNum type="arabicPeriod"/>
+            </a:pPr>
+            <a:r>
+              <a:rPr lang="pt-BR" sz="1800" dirty="0">
+                <a:effectLst/>
+                <a:latin typeface="Calibri" panose="020F0502020204030204" pitchFamily="34" charset="0"/>
+                <a:ea typeface="Calibri" panose="020F0502020204030204" pitchFamily="34" charset="0"/>
+                <a:cs typeface="Times New Roman" panose="02020603050405020304" pitchFamily="18" charset="0"/>
+              </a:rPr>
+              <a:t>Diagramação de tabelas</a:t>
+            </a:r>
+          </a:p>
+          <a:p>
+            <a:pPr marL="342900" indent="-342900">
+              <a:lnSpc>
+                <a:spcPct val="107000"/>
+              </a:lnSpc>
+              <a:spcAft>
+                <a:spcPts val="800"/>
+              </a:spcAft>
+              <a:buFont typeface="+mj-lt"/>
+              <a:buAutoNum type="arabicPeriod"/>
+            </a:pPr>
+            <a:r>
+              <a:rPr lang="pt-BR" sz="1800" dirty="0">
+                <a:effectLst/>
+                <a:latin typeface="Calibri" panose="020F0502020204030204" pitchFamily="34" charset="0"/>
+                <a:ea typeface="Calibri" panose="020F0502020204030204" pitchFamily="34" charset="0"/>
+                <a:cs typeface="Times New Roman" panose="02020603050405020304" pitchFamily="18" charset="0"/>
+              </a:rPr>
+              <a:t>Arquivos pesados para serem trabalhados (Container)</a:t>
+            </a:r>
+          </a:p>
+          <a:p>
+            <a:pPr marL="342900" indent="-342900">
+              <a:lnSpc>
+                <a:spcPct val="107000"/>
+              </a:lnSpc>
+              <a:spcAft>
+                <a:spcPts val="800"/>
+              </a:spcAft>
+              <a:buFont typeface="+mj-lt"/>
+              <a:buAutoNum type="arabicPeriod"/>
+            </a:pPr>
+            <a:r>
+              <a:rPr lang="pt-BR" sz="1800" dirty="0">
+                <a:effectLst/>
+                <a:latin typeface="Calibri" panose="020F0502020204030204" pitchFamily="34" charset="0"/>
+                <a:ea typeface="Calibri" panose="020F0502020204030204" pitchFamily="34" charset="0"/>
+                <a:cs typeface="Times New Roman" panose="02020603050405020304" pitchFamily="18" charset="0"/>
+              </a:rPr>
+              <a:t>Dificuldade em criar variáveis</a:t>
+            </a:r>
+          </a:p>
+          <a:p>
+            <a:pPr marL="342900" indent="-342900">
+              <a:buFont typeface="+mj-lt"/>
+              <a:buAutoNum type="arabicPeriod"/>
+            </a:pPr>
+            <a:endParaRPr lang="en-US" dirty="0"/>
+          </a:p>
+        </p:txBody>
+      </p:sp>
+      <p:cxnSp>
+        <p:nvCxnSpPr>
+          <p:cNvPr id="16" name="Conector reto 15">
+            <a:extLst>
+              <a:ext uri="{FF2B5EF4-FFF2-40B4-BE49-F238E27FC236}">
+                <a16:creationId xmlns:a16="http://schemas.microsoft.com/office/drawing/2014/main" id="{1D7D46AC-9223-439C-93E2-0744F733158B}"/>
+              </a:ext>
+            </a:extLst>
+          </p:cNvPr>
+          <p:cNvCxnSpPr>
+            <a:cxnSpLocks/>
+          </p:cNvCxnSpPr>
+          <p:nvPr/>
+        </p:nvCxnSpPr>
+        <p:spPr>
+          <a:xfrm>
+            <a:off x="217170" y="708660"/>
+            <a:ext cx="11510010" cy="0"/>
+          </a:xfrm>
+          <a:prstGeom prst="line">
+            <a:avLst/>
+          </a:prstGeom>
+          <a:ln>
+            <a:solidFill>
+              <a:srgbClr val="FF0000"/>
+            </a:solidFill>
+          </a:ln>
+        </p:spPr>
+        <p:style>
+          <a:lnRef idx="1">
+            <a:schemeClr val="accent1"/>
+          </a:lnRef>
+          <a:fillRef idx="0">
+            <a:schemeClr val="accent1"/>
+          </a:fillRef>
+          <a:effectRef idx="0">
+            <a:schemeClr val="accent1"/>
+          </a:effectRef>
+          <a:fontRef idx="minor">
+            <a:schemeClr val="tx1"/>
+          </a:fontRef>
+        </p:style>
+      </p:cxnSp>
+      <p:sp>
+        <p:nvSpPr>
+          <p:cNvPr id="17" name="CaixaDeTexto 16">
+            <a:extLst>
+              <a:ext uri="{FF2B5EF4-FFF2-40B4-BE49-F238E27FC236}">
+                <a16:creationId xmlns:a16="http://schemas.microsoft.com/office/drawing/2014/main" id="{F54E91AE-E406-40D3-BD5D-7C969B147B75}"/>
+              </a:ext>
+            </a:extLst>
+          </p:cNvPr>
+          <p:cNvSpPr txBox="1"/>
+          <p:nvPr/>
+        </p:nvSpPr>
+        <p:spPr>
+          <a:xfrm>
+            <a:off x="217170" y="148590"/>
+            <a:ext cx="5989320" cy="523220"/>
+          </a:xfrm>
+          <a:prstGeom prst="rect">
+            <a:avLst/>
+          </a:prstGeom>
+          <a:noFill/>
+        </p:spPr>
+        <p:txBody>
+          <a:bodyPr wrap="square" rtlCol="0">
+            <a:spAutoFit/>
+          </a:bodyPr>
+          <a:lstStyle/>
+          <a:p>
+            <a:r>
+              <a:rPr lang="pt-BR" sz="2800" dirty="0"/>
+              <a:t>Pros e Contras de utilizar o Word</a:t>
+            </a:r>
+          </a:p>
+        </p:txBody>
+      </p:sp>
+    </p:spTree>
+    <p:extLst>
+      <p:ext uri="{BB962C8B-B14F-4D97-AF65-F5344CB8AC3E}">
+        <p14:creationId xmlns:p14="http://schemas.microsoft.com/office/powerpoint/2010/main" val="1410236882"/>
+      </p:ext>
+    </p:extLst>
+  </p:cSld>
+  <p:clrMapOvr>
+    <a:masterClrMapping/>
+  </p:clrMapOvr>
+</p:sld>
+</file>
+
+<file path=ppt/slides/slide4.xml><?xml version="1.0" encoding="utf-8"?>
+<p:sld xmlns:a="http://schemas.openxmlformats.org/drawingml/2006/main" xmlns:r="http://schemas.openxmlformats.org/officeDocument/2006/relationships" xmlns:p="http://schemas.openxmlformats.org/presentationml/2006/main" show="0">
+  <p:cSld>
+    <p:spTree>
+      <p:nvGrpSpPr>
+        <p:cNvPr id="1" name=""/>
+        <p:cNvGrpSpPr/>
+        <p:nvPr/>
+      </p:nvGrpSpPr>
+      <p:grpSpPr>
+        <a:xfrm>
+          <a:off x="0" y="0"/>
+          <a:ext cx="0" cy="0"/>
+          <a:chOff x="0" y="0"/>
+          <a:chExt cx="0" cy="0"/>
+        </a:xfrm>
+      </p:grpSpPr>
+      <p:sp>
+        <p:nvSpPr>
+          <p:cNvPr id="10" name="Retângulo 9">
+            <a:extLst>
+              <a:ext uri="{FF2B5EF4-FFF2-40B4-BE49-F238E27FC236}">
+                <a16:creationId xmlns:a16="http://schemas.microsoft.com/office/drawing/2014/main" id="{5F3185C1-D5EB-4399-B6DF-0351221D816C}"/>
+              </a:ext>
+            </a:extLst>
+          </p:cNvPr>
+          <p:cNvSpPr/>
+          <p:nvPr/>
+        </p:nvSpPr>
+        <p:spPr>
+          <a:xfrm>
+            <a:off x="6096000" y="1976452"/>
+            <a:ext cx="4259178" cy="4572925"/>
+          </a:xfrm>
+          <a:prstGeom prst="rect">
+            <a:avLst/>
+          </a:prstGeom>
+          <a:solidFill>
+            <a:schemeClr val="accent2">
+              <a:lumMod val="20000"/>
+              <a:lumOff val="80000"/>
+            </a:schemeClr>
+          </a:solidFill>
+        </p:spPr>
+        <p:style>
+          <a:lnRef idx="2">
+            <a:schemeClr val="accent1">
+              <a:shade val="50000"/>
+            </a:schemeClr>
+          </a:lnRef>
+          <a:fillRef idx="1">
+            <a:schemeClr val="accent1"/>
+          </a:fillRef>
+          <a:effectRef idx="0">
+            <a:schemeClr val="accent1"/>
+          </a:effectRef>
+          <a:fontRef idx="minor">
+            <a:schemeClr val="lt1"/>
+          </a:fontRef>
+        </p:style>
+        <p:txBody>
+          <a:bodyPr rtlCol="0" anchor="ctr"/>
+          <a:lstStyle/>
+          <a:p>
+            <a:pPr algn="ctr"/>
+            <a:endParaRPr lang="en-US" dirty="0">
+              <a:solidFill>
+                <a:schemeClr val="tx1"/>
+              </a:solidFill>
+            </a:endParaRPr>
+          </a:p>
+        </p:txBody>
+      </p:sp>
+      <p:sp>
+        <p:nvSpPr>
+          <p:cNvPr id="11" name="Retângulo 10">
+            <a:extLst>
+              <a:ext uri="{FF2B5EF4-FFF2-40B4-BE49-F238E27FC236}">
+                <a16:creationId xmlns:a16="http://schemas.microsoft.com/office/drawing/2014/main" id="{6B0C6F1A-E5DC-4B08-9CBC-44B267ADF02A}"/>
+              </a:ext>
+            </a:extLst>
+          </p:cNvPr>
+          <p:cNvSpPr/>
+          <p:nvPr/>
+        </p:nvSpPr>
+        <p:spPr>
+          <a:xfrm>
+            <a:off x="1293298" y="1976452"/>
+            <a:ext cx="4259178" cy="4572933"/>
+          </a:xfrm>
+          <a:prstGeom prst="rect">
+            <a:avLst/>
+          </a:prstGeom>
+          <a:solidFill>
+            <a:schemeClr val="accent6">
+              <a:lumMod val="20000"/>
+              <a:lumOff val="80000"/>
+            </a:schemeClr>
+          </a:solidFill>
+        </p:spPr>
+        <p:style>
+          <a:lnRef idx="2">
+            <a:schemeClr val="accent1">
+              <a:shade val="50000"/>
+            </a:schemeClr>
+          </a:lnRef>
+          <a:fillRef idx="1">
+            <a:schemeClr val="accent1"/>
+          </a:fillRef>
+          <a:effectRef idx="0">
+            <a:schemeClr val="accent1"/>
+          </a:effectRef>
+          <a:fontRef idx="minor">
+            <a:schemeClr val="lt1"/>
+          </a:fontRef>
+        </p:style>
+        <p:txBody>
+          <a:bodyPr rtlCol="0" anchor="ctr"/>
+          <a:lstStyle/>
+          <a:p>
+            <a:pPr algn="ctr"/>
+            <a:endParaRPr lang="en-US" dirty="0">
+              <a:solidFill>
+                <a:schemeClr val="tx1"/>
+              </a:solidFill>
+            </a:endParaRPr>
+          </a:p>
+        </p:txBody>
+      </p:sp>
+      <p:sp>
+        <p:nvSpPr>
+          <p:cNvPr id="12" name="Retângulo 11">
+            <a:extLst>
+              <a:ext uri="{FF2B5EF4-FFF2-40B4-BE49-F238E27FC236}">
+                <a16:creationId xmlns:a16="http://schemas.microsoft.com/office/drawing/2014/main" id="{707BE1CC-D068-41F7-BF43-6B85CEF1879E}"/>
+              </a:ext>
+            </a:extLst>
+          </p:cNvPr>
+          <p:cNvSpPr/>
+          <p:nvPr/>
+        </p:nvSpPr>
+        <p:spPr>
+          <a:xfrm>
+            <a:off x="1295401" y="1120644"/>
+            <a:ext cx="4259178" cy="859753"/>
+          </a:xfrm>
+          <a:prstGeom prst="rect">
+            <a:avLst/>
+          </a:prstGeom>
+          <a:solidFill>
+            <a:schemeClr val="accent6">
+              <a:lumMod val="60000"/>
+              <a:lumOff val="40000"/>
+            </a:schemeClr>
+          </a:solidFill>
+        </p:spPr>
+        <p:style>
+          <a:lnRef idx="2">
+            <a:schemeClr val="accent1">
+              <a:shade val="50000"/>
+            </a:schemeClr>
+          </a:lnRef>
+          <a:fillRef idx="1">
+            <a:schemeClr val="accent1"/>
+          </a:fillRef>
+          <a:effectRef idx="0">
+            <a:schemeClr val="accent1"/>
+          </a:effectRef>
+          <a:fontRef idx="minor">
+            <a:schemeClr val="lt1"/>
+          </a:fontRef>
+        </p:style>
+        <p:txBody>
+          <a:bodyPr rtlCol="0" anchor="ctr"/>
+          <a:lstStyle/>
+          <a:p>
+            <a:pPr algn="ctr"/>
+            <a:r>
+              <a:rPr lang="pt-BR" sz="2000" b="1">
+                <a:solidFill>
+                  <a:schemeClr val="tx1"/>
+                </a:solidFill>
+              </a:rPr>
+              <a:t>PRÓS</a:t>
+            </a:r>
+          </a:p>
+          <a:p>
+            <a:pPr algn="ctr"/>
+            <a:r>
+              <a:rPr lang="pt-BR">
+                <a:solidFill>
+                  <a:schemeClr val="tx1"/>
+                </a:solidFill>
+              </a:rPr>
+              <a:t>Quais as vantagens</a:t>
+            </a:r>
+          </a:p>
+        </p:txBody>
+      </p:sp>
+      <p:sp>
+        <p:nvSpPr>
+          <p:cNvPr id="13" name="Retângulo 12">
+            <a:extLst>
+              <a:ext uri="{FF2B5EF4-FFF2-40B4-BE49-F238E27FC236}">
+                <a16:creationId xmlns:a16="http://schemas.microsoft.com/office/drawing/2014/main" id="{BE8EC46A-BEA1-4EDC-83B7-8E0C27EFA3D1}"/>
+              </a:ext>
+            </a:extLst>
+          </p:cNvPr>
+          <p:cNvSpPr/>
+          <p:nvPr/>
+        </p:nvSpPr>
+        <p:spPr>
+          <a:xfrm>
+            <a:off x="6096002" y="1116700"/>
+            <a:ext cx="4259178" cy="859753"/>
+          </a:xfrm>
+          <a:prstGeom prst="rect">
+            <a:avLst/>
+          </a:prstGeom>
+          <a:solidFill>
+            <a:schemeClr val="accent2">
+              <a:lumMod val="75000"/>
+            </a:schemeClr>
+          </a:solidFill>
+        </p:spPr>
+        <p:style>
+          <a:lnRef idx="2">
+            <a:schemeClr val="accent1">
+              <a:shade val="50000"/>
+            </a:schemeClr>
+          </a:lnRef>
+          <a:fillRef idx="1">
+            <a:schemeClr val="accent1"/>
+          </a:fillRef>
+          <a:effectRef idx="0">
+            <a:schemeClr val="accent1"/>
+          </a:effectRef>
+          <a:fontRef idx="minor">
+            <a:schemeClr val="lt1"/>
+          </a:fontRef>
+        </p:style>
+        <p:txBody>
+          <a:bodyPr rtlCol="0" anchor="ctr"/>
+          <a:lstStyle/>
+          <a:p>
+            <a:pPr algn="ctr"/>
+            <a:endParaRPr lang="pt-BR" sz="2000" b="1"/>
+          </a:p>
+          <a:p>
+            <a:pPr algn="ctr"/>
+            <a:r>
+              <a:rPr lang="pt-BR" sz="2000" b="1"/>
+              <a:t>CONTRAS</a:t>
+            </a:r>
+            <a:endParaRPr lang="pt-BR"/>
+          </a:p>
+          <a:p>
+            <a:pPr algn="ctr"/>
+            <a:r>
+              <a:rPr lang="pt-BR"/>
+              <a:t>Quais as desvantagens </a:t>
+            </a:r>
+          </a:p>
+          <a:p>
+            <a:pPr algn="ctr"/>
+            <a:endParaRPr lang="pt-BR"/>
+          </a:p>
+        </p:txBody>
+      </p:sp>
+      <p:sp>
+        <p:nvSpPr>
+          <p:cNvPr id="14" name="CaixaDeTexto 13">
+            <a:extLst>
+              <a:ext uri="{FF2B5EF4-FFF2-40B4-BE49-F238E27FC236}">
+                <a16:creationId xmlns:a16="http://schemas.microsoft.com/office/drawing/2014/main" id="{BA98DDA2-1883-4CA8-8D0D-EE7829DA44B6}"/>
+              </a:ext>
+            </a:extLst>
+          </p:cNvPr>
+          <p:cNvSpPr txBox="1"/>
+          <p:nvPr/>
+        </p:nvSpPr>
+        <p:spPr>
+          <a:xfrm>
+            <a:off x="1295399" y="2131292"/>
+            <a:ext cx="4259179" cy="646331"/>
+          </a:xfrm>
+          <a:prstGeom prst="rect">
+            <a:avLst/>
+          </a:prstGeom>
+          <a:noFill/>
+        </p:spPr>
+        <p:txBody>
+          <a:bodyPr wrap="square">
+            <a:spAutoFit/>
+          </a:bodyPr>
+          <a:lstStyle/>
+          <a:p>
+            <a:pPr marL="342900" indent="-342900">
+              <a:buFont typeface="+mj-lt"/>
+              <a:buAutoNum type="arabicPeriod"/>
+            </a:pPr>
+            <a:endParaRPr lang="en-US" dirty="0"/>
+          </a:p>
+          <a:p>
+            <a:pPr marL="342900" indent="-342900">
+              <a:buFont typeface="+mj-lt"/>
+              <a:buAutoNum type="arabicPeriod"/>
+            </a:pPr>
+            <a:endParaRPr lang="en-US" dirty="0"/>
+          </a:p>
+        </p:txBody>
+      </p:sp>
+      <p:sp>
+        <p:nvSpPr>
+          <p:cNvPr id="15" name="CaixaDeTexto 14">
+            <a:extLst>
+              <a:ext uri="{FF2B5EF4-FFF2-40B4-BE49-F238E27FC236}">
+                <a16:creationId xmlns:a16="http://schemas.microsoft.com/office/drawing/2014/main" id="{78C3FE47-D294-4B50-B3A0-0B24E941A9A8}"/>
+              </a:ext>
+            </a:extLst>
+          </p:cNvPr>
+          <p:cNvSpPr txBox="1"/>
+          <p:nvPr/>
+        </p:nvSpPr>
+        <p:spPr>
+          <a:xfrm>
+            <a:off x="6098101" y="2130253"/>
+            <a:ext cx="4259178" cy="1463606"/>
+          </a:xfrm>
+          <a:prstGeom prst="rect">
+            <a:avLst/>
+          </a:prstGeom>
+          <a:noFill/>
+        </p:spPr>
+        <p:txBody>
+          <a:bodyPr wrap="square">
+            <a:spAutoFit/>
+          </a:bodyPr>
+          <a:lstStyle/>
+          <a:p>
+            <a:pPr marL="342900" indent="-342900">
+              <a:lnSpc>
+                <a:spcPct val="107000"/>
+              </a:lnSpc>
+              <a:spcAft>
+                <a:spcPts val="800"/>
+              </a:spcAft>
+              <a:buFont typeface="+mj-lt"/>
+              <a:buAutoNum type="arabicPeriod"/>
+            </a:pPr>
+            <a:r>
+              <a:rPr lang="pt-BR" sz="1800" dirty="0">
+                <a:effectLst/>
+                <a:latin typeface="Calibri" panose="020F0502020204030204" pitchFamily="34" charset="0"/>
+                <a:ea typeface="Calibri" panose="020F0502020204030204" pitchFamily="34" charset="0"/>
+                <a:cs typeface="Times New Roman" panose="02020603050405020304" pitchFamily="18" charset="0"/>
+              </a:rPr>
+              <a:t>Erros são difíceis de interpretar</a:t>
+            </a:r>
+          </a:p>
+          <a:p>
+            <a:pPr marL="342900" indent="-342900">
+              <a:lnSpc>
+                <a:spcPct val="107000"/>
+              </a:lnSpc>
+              <a:spcAft>
+                <a:spcPts val="800"/>
+              </a:spcAft>
+              <a:buFont typeface="+mj-lt"/>
+              <a:buAutoNum type="arabicPeriod"/>
+            </a:pPr>
+            <a:r>
+              <a:rPr lang="pt-BR" sz="1800" dirty="0">
+                <a:effectLst/>
+                <a:latin typeface="Calibri" panose="020F0502020204030204" pitchFamily="34" charset="0"/>
+                <a:ea typeface="Calibri" panose="020F0502020204030204" pitchFamily="34" charset="0"/>
+                <a:cs typeface="Times New Roman" panose="02020603050405020304" pitchFamily="18" charset="0"/>
+              </a:rPr>
+              <a:t>Quando há algum erro, documento não compila.</a:t>
+            </a:r>
+          </a:p>
+          <a:p>
+            <a:pPr marL="342900" indent="-342900">
+              <a:buFont typeface="+mj-lt"/>
+              <a:buAutoNum type="arabicPeriod"/>
+            </a:pPr>
+            <a:endParaRPr lang="en-US" dirty="0"/>
+          </a:p>
+        </p:txBody>
+      </p:sp>
+      <p:cxnSp>
+        <p:nvCxnSpPr>
+          <p:cNvPr id="16" name="Conector reto 15">
+            <a:extLst>
+              <a:ext uri="{FF2B5EF4-FFF2-40B4-BE49-F238E27FC236}">
+                <a16:creationId xmlns:a16="http://schemas.microsoft.com/office/drawing/2014/main" id="{1D7D46AC-9223-439C-93E2-0744F733158B}"/>
+              </a:ext>
+            </a:extLst>
+          </p:cNvPr>
+          <p:cNvCxnSpPr>
+            <a:cxnSpLocks/>
+          </p:cNvCxnSpPr>
+          <p:nvPr/>
+        </p:nvCxnSpPr>
+        <p:spPr>
+          <a:xfrm>
+            <a:off x="217170" y="708660"/>
+            <a:ext cx="11510010" cy="0"/>
+          </a:xfrm>
+          <a:prstGeom prst="line">
+            <a:avLst/>
+          </a:prstGeom>
+          <a:ln>
+            <a:solidFill>
+              <a:srgbClr val="FF0000"/>
+            </a:solidFill>
+          </a:ln>
+        </p:spPr>
+        <p:style>
+          <a:lnRef idx="1">
+            <a:schemeClr val="accent1"/>
+          </a:lnRef>
+          <a:fillRef idx="0">
+            <a:schemeClr val="accent1"/>
+          </a:fillRef>
+          <a:effectRef idx="0">
+            <a:schemeClr val="accent1"/>
+          </a:effectRef>
+          <a:fontRef idx="minor">
+            <a:schemeClr val="tx1"/>
+          </a:fontRef>
+        </p:style>
+      </p:cxnSp>
+      <p:sp>
+        <p:nvSpPr>
+          <p:cNvPr id="17" name="CaixaDeTexto 16">
+            <a:extLst>
+              <a:ext uri="{FF2B5EF4-FFF2-40B4-BE49-F238E27FC236}">
+                <a16:creationId xmlns:a16="http://schemas.microsoft.com/office/drawing/2014/main" id="{F54E91AE-E406-40D3-BD5D-7C969B147B75}"/>
+              </a:ext>
+            </a:extLst>
+          </p:cNvPr>
+          <p:cNvSpPr txBox="1"/>
+          <p:nvPr/>
+        </p:nvSpPr>
+        <p:spPr>
+          <a:xfrm>
+            <a:off x="217170" y="148590"/>
+            <a:ext cx="5989320" cy="523220"/>
+          </a:xfrm>
+          <a:prstGeom prst="rect">
+            <a:avLst/>
+          </a:prstGeom>
+          <a:noFill/>
+        </p:spPr>
+        <p:txBody>
+          <a:bodyPr wrap="square" rtlCol="0">
+            <a:spAutoFit/>
+          </a:bodyPr>
+          <a:lstStyle/>
+          <a:p>
+            <a:r>
+              <a:rPr lang="pt-BR" sz="2800" dirty="0"/>
+              <a:t>Pros e Contras de utilizar o </a:t>
+            </a:r>
+            <a:r>
+              <a:rPr lang="pt-BR" sz="2800" dirty="0" err="1"/>
+              <a:t>LaTeX</a:t>
+            </a:r>
+            <a:endParaRPr lang="pt-BR" sz="2800" dirty="0"/>
+          </a:p>
+        </p:txBody>
+      </p:sp>
+      <p:sp>
+        <p:nvSpPr>
+          <p:cNvPr id="18" name="CaixaDeTexto 17">
+            <a:extLst>
+              <a:ext uri="{FF2B5EF4-FFF2-40B4-BE49-F238E27FC236}">
+                <a16:creationId xmlns:a16="http://schemas.microsoft.com/office/drawing/2014/main" id="{3E75907F-394B-486E-849D-6198F54571A8}"/>
+              </a:ext>
+            </a:extLst>
+          </p:cNvPr>
+          <p:cNvSpPr txBox="1"/>
+          <p:nvPr/>
+        </p:nvSpPr>
+        <p:spPr>
+          <a:xfrm>
+            <a:off x="1301311" y="2130253"/>
+            <a:ext cx="4259178" cy="2763064"/>
+          </a:xfrm>
+          <a:prstGeom prst="rect">
+            <a:avLst/>
+          </a:prstGeom>
+          <a:noFill/>
+        </p:spPr>
+        <p:txBody>
+          <a:bodyPr wrap="square">
+            <a:spAutoFit/>
+          </a:bodyPr>
+          <a:lstStyle/>
+          <a:p>
+            <a:pPr marL="342900" indent="-342900">
+              <a:lnSpc>
+                <a:spcPct val="107000"/>
+              </a:lnSpc>
+              <a:spcAft>
+                <a:spcPts val="800"/>
+              </a:spcAft>
+              <a:buFont typeface="+mj-lt"/>
+              <a:buAutoNum type="arabicPeriod"/>
+            </a:pPr>
+            <a:r>
+              <a:rPr lang="pt-BR" sz="1800" dirty="0">
+                <a:effectLst/>
+                <a:latin typeface="Calibri" panose="020F0502020204030204" pitchFamily="34" charset="0"/>
+                <a:ea typeface="Calibri" panose="020F0502020204030204" pitchFamily="34" charset="0"/>
+                <a:cs typeface="Times New Roman" panose="02020603050405020304" pitchFamily="18" charset="0"/>
+              </a:rPr>
+              <a:t>Facilidade na diagramação de imagens</a:t>
+            </a:r>
+          </a:p>
+          <a:p>
+            <a:pPr marL="342900" indent="-342900">
+              <a:lnSpc>
+                <a:spcPct val="107000"/>
+              </a:lnSpc>
+              <a:spcAft>
+                <a:spcPts val="800"/>
+              </a:spcAft>
+              <a:buFont typeface="+mj-lt"/>
+              <a:buAutoNum type="arabicPeriod"/>
+            </a:pPr>
+            <a:r>
+              <a:rPr lang="pt-BR" sz="1800" dirty="0">
+                <a:effectLst/>
+                <a:latin typeface="Calibri" panose="020F0502020204030204" pitchFamily="34" charset="0"/>
+                <a:ea typeface="Calibri" panose="020F0502020204030204" pitchFamily="34" charset="0"/>
+                <a:cs typeface="Times New Roman" panose="02020603050405020304" pitchFamily="18" charset="0"/>
+              </a:rPr>
+              <a:t>Facilidade na diagramação de tabelas</a:t>
+            </a:r>
+          </a:p>
+          <a:p>
+            <a:pPr marL="342900" indent="-342900">
+              <a:lnSpc>
+                <a:spcPct val="107000"/>
+              </a:lnSpc>
+              <a:spcAft>
+                <a:spcPts val="800"/>
+              </a:spcAft>
+              <a:buFont typeface="+mj-lt"/>
+              <a:buAutoNum type="arabicPeriod"/>
+            </a:pPr>
+            <a:r>
+              <a:rPr lang="pt-BR" sz="1800" dirty="0">
+                <a:effectLst/>
+                <a:latin typeface="Calibri" panose="020F0502020204030204" pitchFamily="34" charset="0"/>
+                <a:ea typeface="Calibri" panose="020F0502020204030204" pitchFamily="34" charset="0"/>
+                <a:cs typeface="Times New Roman" panose="02020603050405020304" pitchFamily="18" charset="0"/>
+              </a:rPr>
+              <a:t>Tende a ser mais leve</a:t>
+            </a:r>
+          </a:p>
+          <a:p>
+            <a:pPr marL="342900" indent="-342900">
+              <a:lnSpc>
+                <a:spcPct val="107000"/>
+              </a:lnSpc>
+              <a:spcAft>
+                <a:spcPts val="800"/>
+              </a:spcAft>
+              <a:buFont typeface="+mj-lt"/>
+              <a:buAutoNum type="arabicPeriod"/>
+            </a:pPr>
+            <a:endParaRPr lang="pt-BR" sz="1800" dirty="0">
+              <a:effectLst/>
+              <a:latin typeface="Calibri" panose="020F0502020204030204" pitchFamily="34" charset="0"/>
+              <a:ea typeface="Calibri" panose="020F0502020204030204" pitchFamily="34" charset="0"/>
+              <a:cs typeface="Times New Roman" panose="02020603050405020304" pitchFamily="18" charset="0"/>
+            </a:endParaRPr>
+          </a:p>
+          <a:p>
+            <a:pPr marL="342900" indent="-342900">
+              <a:lnSpc>
+                <a:spcPct val="107000"/>
+              </a:lnSpc>
+              <a:spcAft>
+                <a:spcPts val="800"/>
+              </a:spcAft>
+              <a:buFont typeface="+mj-lt"/>
+              <a:buAutoNum type="arabicPeriod"/>
+            </a:pPr>
+            <a:endParaRPr lang="pt-BR" sz="1800" dirty="0">
+              <a:effectLst/>
+              <a:latin typeface="Calibri" panose="020F0502020204030204" pitchFamily="34" charset="0"/>
+              <a:ea typeface="Calibri" panose="020F0502020204030204" pitchFamily="34" charset="0"/>
+              <a:cs typeface="Times New Roman" panose="02020603050405020304" pitchFamily="18" charset="0"/>
+            </a:endParaRPr>
+          </a:p>
+          <a:p>
+            <a:pPr marL="342900" indent="-342900">
+              <a:lnSpc>
+                <a:spcPct val="107000"/>
+              </a:lnSpc>
+              <a:spcAft>
+                <a:spcPts val="800"/>
+              </a:spcAft>
+              <a:buFont typeface="+mj-lt"/>
+              <a:buAutoNum type="arabicPeriod"/>
+            </a:pPr>
+            <a:endParaRPr lang="pt-BR" sz="1800" dirty="0">
+              <a:effectLst/>
+              <a:latin typeface="Calibri" panose="020F0502020204030204" pitchFamily="34" charset="0"/>
+              <a:ea typeface="Calibri" panose="020F0502020204030204" pitchFamily="34" charset="0"/>
+              <a:cs typeface="Times New Roman" panose="02020603050405020304" pitchFamily="18" charset="0"/>
+            </a:endParaRPr>
+          </a:p>
+          <a:p>
+            <a:pPr marL="342900" indent="-342900">
+              <a:buFont typeface="+mj-lt"/>
+              <a:buAutoNum type="arabicPeriod"/>
+            </a:pPr>
+            <a:endParaRPr lang="en-US" dirty="0"/>
+          </a:p>
+        </p:txBody>
+      </p:sp>
+    </p:spTree>
+    <p:extLst>
+      <p:ext uri="{BB962C8B-B14F-4D97-AF65-F5344CB8AC3E}">
+        <p14:creationId xmlns:p14="http://schemas.microsoft.com/office/powerpoint/2010/main" val="2330368592"/>
+      </p:ext>
+    </p:extLst>
+  </p:cSld>
+  <p:clrMapOvr>
+    <a:masterClrMapping/>
+  </p:clrMapOvr>
+</p:sld>
+</file>
+
+<file path=ppt/slides/slide5.xml><?xml version="1.0" encoding="utf-8"?>
 <p:sld xmlns:a="http://schemas.openxmlformats.org/drawingml/2006/main" xmlns:r="http://schemas.openxmlformats.org/officeDocument/2006/relationships" xmlns:p="http://schemas.openxmlformats.org/presentationml/2006/main">
   <p:cSld>
     <p:spTree>
@@ -3504,10 +5779,10 @@
       </p:grpSpPr>
       <p:sp>
         <p:nvSpPr>
-          <p:cNvPr id="4" name="CaixaDeTexto 3">
-            <a:extLst>
-              <a:ext uri="{FF2B5EF4-FFF2-40B4-BE49-F238E27FC236}">
-                <a16:creationId xmlns:a16="http://schemas.microsoft.com/office/drawing/2014/main" id="{CB36D514-2042-4360-94D7-228F752696A9}"/>
+          <p:cNvPr id="5" name="CaixaDeTexto 4">
+            <a:extLst>
+              <a:ext uri="{FF2B5EF4-FFF2-40B4-BE49-F238E27FC236}">
+                <a16:creationId xmlns:a16="http://schemas.microsoft.com/office/drawing/2014/main" id="{A9657BD1-C898-4E03-A96F-1DC83627EA57}"/>
               </a:ext>
             </a:extLst>
           </p:cNvPr>
@@ -3516,84 +5791,7 @@
         </p:nvSpPr>
         <p:spPr>
           <a:xfrm>
-            <a:off x="330200" y="1384300"/>
-            <a:ext cx="5207000" cy="2031325"/>
-          </a:xfrm>
-          <a:prstGeom prst="rect">
-            <a:avLst/>
-          </a:prstGeom>
-          <a:noFill/>
-        </p:spPr>
-        <p:txBody>
-          <a:bodyPr wrap="square" rtlCol="0">
-            <a:spAutoFit/>
-          </a:bodyPr>
-          <a:lstStyle/>
-          <a:p>
-            <a:endParaRPr lang="pt-BR" dirty="0"/>
-          </a:p>
-          <a:p>
-            <a:pPr marL="342900" indent="-342900">
-              <a:buFont typeface="+mj-lt"/>
-              <a:buAutoNum type="arabicPeriod"/>
-            </a:pPr>
-            <a:r>
-              <a:rPr lang="pt-BR" dirty="0"/>
-              <a:t>Segmentação dos documentos enviados buscando reconhecimento de padrões;</a:t>
-            </a:r>
-          </a:p>
-          <a:p>
-            <a:pPr marL="342900" indent="-342900">
-              <a:buFont typeface="+mj-lt"/>
-              <a:buAutoNum type="arabicPeriod"/>
-            </a:pPr>
-            <a:endParaRPr lang="pt-BR" dirty="0"/>
-          </a:p>
-          <a:p>
-            <a:pPr marL="342900" indent="-342900">
-              <a:buFont typeface="+mj-lt"/>
-              <a:buAutoNum type="arabicPeriod"/>
-            </a:pPr>
-            <a:r>
-              <a:rPr lang="pt-BR" dirty="0"/>
-              <a:t>Reprodução do documento X em </a:t>
-            </a:r>
-            <a:r>
-              <a:rPr lang="pt-BR" dirty="0" err="1"/>
-              <a:t>LaTex</a:t>
-            </a:r>
-            <a:r>
-              <a:rPr lang="pt-BR" dirty="0"/>
-              <a:t>;</a:t>
-            </a:r>
-          </a:p>
-          <a:p>
-            <a:pPr marL="342900" indent="-342900">
-              <a:buFont typeface="+mj-lt"/>
-              <a:buAutoNum type="arabicPeriod"/>
-            </a:pPr>
-            <a:endParaRPr lang="pt-BR" dirty="0"/>
-          </a:p>
-          <a:p>
-            <a:endParaRPr lang="pt-BR" dirty="0"/>
-          </a:p>
-        </p:txBody>
-      </p:sp>
-      <p:sp>
-        <p:nvSpPr>
-          <p:cNvPr id="5" name="CaixaDeTexto 4">
-            <a:extLst>
-              <a:ext uri="{FF2B5EF4-FFF2-40B4-BE49-F238E27FC236}">
-                <a16:creationId xmlns:a16="http://schemas.microsoft.com/office/drawing/2014/main" id="{A9657BD1-C898-4E03-A96F-1DC83627EA57}"/>
-              </a:ext>
-            </a:extLst>
-          </p:cNvPr>
-          <p:cNvSpPr txBox="1"/>
-          <p:nvPr/>
-        </p:nvSpPr>
-        <p:spPr>
-          <a:xfrm>
-            <a:off x="7759700" y="1199634"/>
+            <a:off x="8707939" y="1327394"/>
             <a:ext cx="1821909" cy="369332"/>
           </a:xfrm>
           <a:prstGeom prst="rect">
@@ -3616,10 +5814,10 @@
       </p:sp>
       <p:sp>
         <p:nvSpPr>
-          <p:cNvPr id="7" name="CaixaDeTexto 6">
-            <a:extLst>
-              <a:ext uri="{FF2B5EF4-FFF2-40B4-BE49-F238E27FC236}">
-                <a16:creationId xmlns:a16="http://schemas.microsoft.com/office/drawing/2014/main" id="{594B4272-5FB0-4F92-93DF-4EE84A57A3AB}"/>
+          <p:cNvPr id="8" name="CaixaDeTexto 7">
+            <a:extLst>
+              <a:ext uri="{FF2B5EF4-FFF2-40B4-BE49-F238E27FC236}">
+                <a16:creationId xmlns:a16="http://schemas.microsoft.com/office/drawing/2014/main" id="{7E51A5FE-6B0C-42E7-92E4-84280E482E3B}"/>
               </a:ext>
             </a:extLst>
           </p:cNvPr>
@@ -3628,8 +5826,8 @@
         </p:nvSpPr>
         <p:spPr>
           <a:xfrm>
-            <a:off x="1593850" y="1199634"/>
-            <a:ext cx="2679700" cy="369332"/>
+            <a:off x="8332470" y="1384300"/>
+            <a:ext cx="3423922" cy="646331"/>
           </a:xfrm>
           <a:prstGeom prst="rect">
             <a:avLst/>
@@ -3637,24 +5835,71 @@
           <a:noFill/>
         </p:spPr>
         <p:txBody>
-          <a:bodyPr wrap="square">
+          <a:bodyPr wrap="square" rtlCol="0">
             <a:spAutoFit/>
           </a:bodyPr>
           <a:lstStyle/>
           <a:p>
-            <a:r>
-              <a:rPr lang="pt-BR" b="1" u="sng" dirty="0"/>
-              <a:t>Em desenvolvimento</a:t>
-            </a:r>
-          </a:p>
-        </p:txBody>
-      </p:sp>
-      <p:sp>
-        <p:nvSpPr>
-          <p:cNvPr id="8" name="CaixaDeTexto 7">
-            <a:extLst>
-              <a:ext uri="{FF2B5EF4-FFF2-40B4-BE49-F238E27FC236}">
-                <a16:creationId xmlns:a16="http://schemas.microsoft.com/office/drawing/2014/main" id="{7E51A5FE-6B0C-42E7-92E4-84280E482E3B}"/>
+            <a:pPr marL="342900" indent="-342900">
+              <a:buFont typeface="+mj-lt"/>
+              <a:buAutoNum type="arabicPeriod"/>
+            </a:pPr>
+            <a:endParaRPr lang="pt-BR" dirty="0"/>
+          </a:p>
+          <a:p>
+            <a:endParaRPr lang="pt-BR" dirty="0"/>
+          </a:p>
+        </p:txBody>
+      </p:sp>
+      <p:cxnSp>
+        <p:nvCxnSpPr>
+          <p:cNvPr id="6" name="Conector reto 5">
+            <a:extLst>
+              <a:ext uri="{FF2B5EF4-FFF2-40B4-BE49-F238E27FC236}">
+                <a16:creationId xmlns:a16="http://schemas.microsoft.com/office/drawing/2014/main" id="{D0BC42B9-D839-4884-8A0E-F125EFF38DC7}"/>
+              </a:ext>
+            </a:extLst>
+          </p:cNvPr>
+          <p:cNvCxnSpPr>
+            <a:cxnSpLocks/>
+          </p:cNvCxnSpPr>
+          <p:nvPr/>
+        </p:nvCxnSpPr>
+        <p:spPr>
+          <a:xfrm>
+            <a:off x="217170" y="708660"/>
+            <a:ext cx="11510010" cy="0"/>
+          </a:xfrm>
+          <a:prstGeom prst="line">
+            <a:avLst/>
+          </a:prstGeom>
+          <a:ln>
+            <a:solidFill>
+              <a:srgbClr val="FF0000"/>
+            </a:solidFill>
+          </a:ln>
+        </p:spPr>
+        <p:style>
+          <a:lnRef idx="1">
+            <a:schemeClr val="accent1"/>
+          </a:lnRef>
+          <a:fillRef idx="0">
+            <a:schemeClr val="accent1"/>
+          </a:fillRef>
+          <a:effectRef idx="0">
+            <a:schemeClr val="accent1"/>
+          </a:effectRef>
+          <a:fontRef idx="minor">
+            <a:schemeClr val="tx1"/>
+          </a:fontRef>
+        </p:style>
+      </p:cxnSp>
+      <p:sp>
+        <p:nvSpPr>
+          <p:cNvPr id="9" name="CaixaDeTexto 8">
+            <a:extLst>
+              <a:ext uri="{FF2B5EF4-FFF2-40B4-BE49-F238E27FC236}">
+                <a16:creationId xmlns:a16="http://schemas.microsoft.com/office/drawing/2014/main" id="{618D6885-857B-47C6-BE8A-7189666DC82D}"/>
               </a:ext>
             </a:extLst>
           </p:cNvPr>
@@ -3663,8 +5908,8 @@
         </p:nvSpPr>
         <p:spPr>
           <a:xfrm>
-            <a:off x="6400802" y="1384300"/>
-            <a:ext cx="5207000" cy="2585323"/>
+            <a:off x="217170" y="148590"/>
+            <a:ext cx="5989320" cy="523220"/>
           </a:xfrm>
           <a:prstGeom prst="rect">
             <a:avLst/>
@@ -3677,16 +5922,364 @@
           </a:bodyPr>
           <a:lstStyle/>
           <a:p>
-            <a:endParaRPr lang="pt-BR" dirty="0"/>
-          </a:p>
+            <a:r>
+              <a:rPr lang="pt-BR" sz="2800" dirty="0"/>
+              <a:t>Etapas do processo</a:t>
+            </a:r>
+          </a:p>
+        </p:txBody>
+      </p:sp>
+      <p:sp>
+        <p:nvSpPr>
+          <p:cNvPr id="14" name="Retângulo 13">
+            <a:extLst>
+              <a:ext uri="{FF2B5EF4-FFF2-40B4-BE49-F238E27FC236}">
+                <a16:creationId xmlns:a16="http://schemas.microsoft.com/office/drawing/2014/main" id="{21F89202-FFED-40CC-A9A2-CFBE70F5D71E}"/>
+              </a:ext>
+            </a:extLst>
+          </p:cNvPr>
+          <p:cNvSpPr/>
+          <p:nvPr/>
+        </p:nvSpPr>
+        <p:spPr>
+          <a:xfrm>
+            <a:off x="148590" y="1722853"/>
+            <a:ext cx="3662680" cy="4426487"/>
+          </a:xfrm>
+          <a:prstGeom prst="rect">
+            <a:avLst/>
+          </a:prstGeom>
+          <a:solidFill>
+            <a:schemeClr val="accent6">
+              <a:lumMod val="20000"/>
+              <a:lumOff val="80000"/>
+            </a:schemeClr>
+          </a:solidFill>
+        </p:spPr>
+        <p:style>
+          <a:lnRef idx="2">
+            <a:schemeClr val="accent1">
+              <a:shade val="50000"/>
+            </a:schemeClr>
+          </a:lnRef>
+          <a:fillRef idx="1">
+            <a:schemeClr val="accent1"/>
+          </a:fillRef>
+          <a:effectRef idx="0">
+            <a:schemeClr val="accent1"/>
+          </a:effectRef>
+          <a:fontRef idx="minor">
+            <a:schemeClr val="lt1"/>
+          </a:fontRef>
+        </p:style>
+        <p:txBody>
+          <a:bodyPr rtlCol="0" anchor="ctr"/>
+          <a:lstStyle/>
+          <a:p>
+            <a:pPr algn="ctr"/>
+            <a:endParaRPr lang="en-US" dirty="0">
+              <a:solidFill>
+                <a:schemeClr val="tx1"/>
+              </a:solidFill>
+            </a:endParaRPr>
+          </a:p>
+        </p:txBody>
+      </p:sp>
+      <p:sp>
+        <p:nvSpPr>
+          <p:cNvPr id="15" name="Retângulo 14">
+            <a:extLst>
+              <a:ext uri="{FF2B5EF4-FFF2-40B4-BE49-F238E27FC236}">
+                <a16:creationId xmlns:a16="http://schemas.microsoft.com/office/drawing/2014/main" id="{538F8775-2277-4CA8-9B12-462EB41C2682}"/>
+              </a:ext>
+            </a:extLst>
+          </p:cNvPr>
+          <p:cNvSpPr/>
+          <p:nvPr/>
+        </p:nvSpPr>
+        <p:spPr>
+          <a:xfrm>
+            <a:off x="153432" y="1199635"/>
+            <a:ext cx="3657838" cy="523218"/>
+          </a:xfrm>
+          <a:prstGeom prst="rect">
+            <a:avLst/>
+          </a:prstGeom>
+          <a:solidFill>
+            <a:schemeClr val="accent6">
+              <a:lumMod val="60000"/>
+              <a:lumOff val="40000"/>
+            </a:schemeClr>
+          </a:solidFill>
+        </p:spPr>
+        <p:style>
+          <a:lnRef idx="2">
+            <a:schemeClr val="accent1">
+              <a:shade val="50000"/>
+            </a:schemeClr>
+          </a:lnRef>
+          <a:fillRef idx="1">
+            <a:schemeClr val="accent1"/>
+          </a:fillRef>
+          <a:effectRef idx="0">
+            <a:schemeClr val="accent1"/>
+          </a:effectRef>
+          <a:fontRef idx="minor">
+            <a:schemeClr val="lt1"/>
+          </a:fontRef>
+        </p:style>
+        <p:txBody>
+          <a:bodyPr rtlCol="0" anchor="ctr"/>
+          <a:lstStyle/>
+          <a:p>
+            <a:pPr algn="ctr"/>
+            <a:r>
+              <a:rPr lang="en-US" sz="2000" b="1" dirty="0" err="1">
+                <a:solidFill>
+                  <a:schemeClr val="tx1"/>
+                </a:solidFill>
+              </a:rPr>
+              <a:t>Realizado</a:t>
+            </a:r>
+            <a:endParaRPr lang="en-US" sz="2000" b="1" dirty="0">
+              <a:solidFill>
+                <a:schemeClr val="tx1"/>
+              </a:solidFill>
+            </a:endParaRPr>
+          </a:p>
+        </p:txBody>
+      </p:sp>
+      <p:sp>
+        <p:nvSpPr>
+          <p:cNvPr id="17" name="CaixaDeTexto 16">
+            <a:extLst>
+              <a:ext uri="{FF2B5EF4-FFF2-40B4-BE49-F238E27FC236}">
+                <a16:creationId xmlns:a16="http://schemas.microsoft.com/office/drawing/2014/main" id="{6A51D28B-64AF-4DB5-81EB-8350B06867BF}"/>
+              </a:ext>
+            </a:extLst>
+          </p:cNvPr>
+          <p:cNvSpPr txBox="1"/>
+          <p:nvPr/>
+        </p:nvSpPr>
+        <p:spPr>
+          <a:xfrm>
+            <a:off x="150691" y="1877692"/>
+            <a:ext cx="3662681" cy="1200329"/>
+          </a:xfrm>
+          <a:prstGeom prst="rect">
+            <a:avLst/>
+          </a:prstGeom>
+          <a:noFill/>
+        </p:spPr>
+        <p:txBody>
+          <a:bodyPr wrap="square">
+            <a:spAutoFit/>
+          </a:bodyPr>
+          <a:lstStyle/>
           <a:p>
             <a:pPr marL="342900" indent="-342900">
               <a:buFont typeface="+mj-lt"/>
               <a:buAutoNum type="arabicPeriod"/>
             </a:pPr>
             <a:r>
+              <a:rPr lang="en-US" dirty="0"/>
+              <a:t>A</a:t>
+            </a:r>
+          </a:p>
+          <a:p>
+            <a:pPr marL="342900" indent="-342900">
+              <a:buFont typeface="+mj-lt"/>
+              <a:buAutoNum type="arabicPeriod"/>
+            </a:pPr>
+            <a:endParaRPr lang="en-US" dirty="0"/>
+          </a:p>
+          <a:p>
+            <a:pPr marL="342900" indent="-342900">
+              <a:buFont typeface="+mj-lt"/>
+              <a:buAutoNum type="arabicPeriod"/>
+            </a:pPr>
+            <a:endParaRPr lang="en-US" dirty="0"/>
+          </a:p>
+          <a:p>
+            <a:pPr marL="342900" indent="-342900">
+              <a:buFont typeface="+mj-lt"/>
+              <a:buAutoNum type="arabicPeriod"/>
+            </a:pPr>
+            <a:endParaRPr lang="en-US" dirty="0"/>
+          </a:p>
+        </p:txBody>
+      </p:sp>
+      <p:sp>
+        <p:nvSpPr>
+          <p:cNvPr id="19" name="Retângulo 18">
+            <a:extLst>
+              <a:ext uri="{FF2B5EF4-FFF2-40B4-BE49-F238E27FC236}">
+                <a16:creationId xmlns:a16="http://schemas.microsoft.com/office/drawing/2014/main" id="{7BFFED98-9D83-4C7B-A73F-D47091FCB0ED}"/>
+              </a:ext>
+            </a:extLst>
+          </p:cNvPr>
+          <p:cNvSpPr/>
+          <p:nvPr/>
+        </p:nvSpPr>
+        <p:spPr>
+          <a:xfrm>
+            <a:off x="4126319" y="1722853"/>
+            <a:ext cx="3662680" cy="4426487"/>
+          </a:xfrm>
+          <a:prstGeom prst="rect">
+            <a:avLst/>
+          </a:prstGeom>
+          <a:solidFill>
+            <a:schemeClr val="accent4">
+              <a:lumMod val="20000"/>
+              <a:lumOff val="80000"/>
+            </a:schemeClr>
+          </a:solidFill>
+        </p:spPr>
+        <p:style>
+          <a:lnRef idx="2">
+            <a:schemeClr val="accent1">
+              <a:shade val="50000"/>
+            </a:schemeClr>
+          </a:lnRef>
+          <a:fillRef idx="1">
+            <a:schemeClr val="accent1"/>
+          </a:fillRef>
+          <a:effectRef idx="0">
+            <a:schemeClr val="accent1"/>
+          </a:effectRef>
+          <a:fontRef idx="minor">
+            <a:schemeClr val="lt1"/>
+          </a:fontRef>
+        </p:style>
+        <p:txBody>
+          <a:bodyPr rtlCol="0" anchor="ctr"/>
+          <a:lstStyle/>
+          <a:p>
+            <a:pPr algn="ctr"/>
+            <a:endParaRPr lang="en-US" dirty="0">
+              <a:solidFill>
+                <a:schemeClr val="tx1"/>
+              </a:solidFill>
+            </a:endParaRPr>
+          </a:p>
+        </p:txBody>
+      </p:sp>
+      <p:sp>
+        <p:nvSpPr>
+          <p:cNvPr id="20" name="Retângulo 19">
+            <a:extLst>
+              <a:ext uri="{FF2B5EF4-FFF2-40B4-BE49-F238E27FC236}">
+                <a16:creationId xmlns:a16="http://schemas.microsoft.com/office/drawing/2014/main" id="{9497121D-519F-452D-8FE3-80AF7C709B89}"/>
+              </a:ext>
+            </a:extLst>
+          </p:cNvPr>
+          <p:cNvSpPr/>
+          <p:nvPr/>
+        </p:nvSpPr>
+        <p:spPr>
+          <a:xfrm>
+            <a:off x="4131161" y="1199635"/>
+            <a:ext cx="3657838" cy="523218"/>
+          </a:xfrm>
+          <a:prstGeom prst="rect">
+            <a:avLst/>
+          </a:prstGeom>
+          <a:solidFill>
+            <a:schemeClr val="accent4">
+              <a:lumMod val="60000"/>
+              <a:lumOff val="40000"/>
+            </a:schemeClr>
+          </a:solidFill>
+        </p:spPr>
+        <p:style>
+          <a:lnRef idx="2">
+            <a:schemeClr val="accent1">
+              <a:shade val="50000"/>
+            </a:schemeClr>
+          </a:lnRef>
+          <a:fillRef idx="1">
+            <a:schemeClr val="accent1"/>
+          </a:fillRef>
+          <a:effectRef idx="0">
+            <a:schemeClr val="accent1"/>
+          </a:effectRef>
+          <a:fontRef idx="minor">
+            <a:schemeClr val="lt1"/>
+          </a:fontRef>
+        </p:style>
+        <p:txBody>
+          <a:bodyPr rtlCol="0" anchor="ctr"/>
+          <a:lstStyle/>
+          <a:p>
+            <a:pPr algn="ctr"/>
+            <a:r>
+              <a:rPr lang="en-US" sz="2000" b="1" dirty="0" err="1">
+                <a:solidFill>
+                  <a:schemeClr val="tx1"/>
+                </a:solidFill>
+              </a:rPr>
+              <a:t>Em</a:t>
+            </a:r>
+            <a:r>
+              <a:rPr lang="en-US" sz="2000" b="1" dirty="0">
+                <a:solidFill>
+                  <a:schemeClr val="tx1"/>
+                </a:solidFill>
+              </a:rPr>
+              <a:t> </a:t>
+            </a:r>
+            <a:r>
+              <a:rPr lang="en-US" sz="2000" b="1" dirty="0" err="1">
+                <a:solidFill>
+                  <a:schemeClr val="tx1"/>
+                </a:solidFill>
+              </a:rPr>
+              <a:t>desenvolvimento</a:t>
+            </a:r>
+            <a:endParaRPr lang="en-US" sz="2000" b="1" dirty="0">
+              <a:solidFill>
+                <a:schemeClr val="tx1"/>
+              </a:solidFill>
+            </a:endParaRPr>
+          </a:p>
+        </p:txBody>
+      </p:sp>
+      <p:sp>
+        <p:nvSpPr>
+          <p:cNvPr id="21" name="CaixaDeTexto 20">
+            <a:extLst>
+              <a:ext uri="{FF2B5EF4-FFF2-40B4-BE49-F238E27FC236}">
+                <a16:creationId xmlns:a16="http://schemas.microsoft.com/office/drawing/2014/main" id="{E5840FED-3F3D-4DD4-B6C7-B6A764EC6369}"/>
+              </a:ext>
+            </a:extLst>
+          </p:cNvPr>
+          <p:cNvSpPr txBox="1"/>
+          <p:nvPr/>
+        </p:nvSpPr>
+        <p:spPr>
+          <a:xfrm>
+            <a:off x="4128420" y="1877692"/>
+            <a:ext cx="3662681" cy="2031325"/>
+          </a:xfrm>
+          <a:prstGeom prst="rect">
+            <a:avLst/>
+          </a:prstGeom>
+          <a:noFill/>
+        </p:spPr>
+        <p:txBody>
+          <a:bodyPr wrap="square">
+            <a:spAutoFit/>
+          </a:bodyPr>
+          <a:lstStyle/>
+          <a:p>
+            <a:pPr marL="342900" indent="-342900">
+              <a:buFont typeface="+mj-lt"/>
+              <a:buAutoNum type="arabicPeriod"/>
+            </a:pPr>
+            <a:r>
               <a:rPr lang="pt-BR" dirty="0"/>
-              <a:t>Acompanhar a execução do processo;</a:t>
+              <a:t>Segmentação dos documentos enviados buscando reconhecimento de padrões;</a:t>
             </a:r>
           </a:p>
           <a:p>
@@ -3703,7 +6296,232 @@
             </a:pPr>
             <a:r>
               <a:rPr lang="pt-BR" dirty="0"/>
-              <a:t>Detalhar o processo atual;</a:t>
+              <a:t>Reprodução do documento Laudo Pericial Contábil em </a:t>
+            </a:r>
+            <a:r>
+              <a:rPr lang="pt-BR" dirty="0" err="1"/>
+              <a:t>LaTex</a:t>
+            </a:r>
+            <a:r>
+              <a:rPr lang="pt-BR" dirty="0"/>
+              <a:t>;</a:t>
+            </a:r>
+          </a:p>
+          <a:p>
+            <a:pPr marL="342900" indent="-342900">
+              <a:buFont typeface="+mj-lt"/>
+              <a:buAutoNum type="arabicPeriod"/>
+            </a:pPr>
+            <a:endParaRPr lang="en-US" dirty="0"/>
+          </a:p>
+        </p:txBody>
+      </p:sp>
+      <p:sp>
+        <p:nvSpPr>
+          <p:cNvPr id="22" name="CaixaDeTexto 21">
+            <a:extLst>
+              <a:ext uri="{FF2B5EF4-FFF2-40B4-BE49-F238E27FC236}">
+                <a16:creationId xmlns:a16="http://schemas.microsoft.com/office/drawing/2014/main" id="{42CA5F21-1318-47B3-928A-892D37EEF532}"/>
+              </a:ext>
+            </a:extLst>
+          </p:cNvPr>
+          <p:cNvSpPr txBox="1"/>
+          <p:nvPr/>
+        </p:nvSpPr>
+        <p:spPr>
+          <a:xfrm>
+            <a:off x="9706159" y="1326441"/>
+            <a:ext cx="1821909" cy="369332"/>
+          </a:xfrm>
+          <a:prstGeom prst="rect">
+            <a:avLst/>
+          </a:prstGeom>
+          <a:noFill/>
+        </p:spPr>
+        <p:txBody>
+          <a:bodyPr wrap="none" rtlCol="0">
+            <a:spAutoFit/>
+          </a:bodyPr>
+          <a:lstStyle/>
+          <a:p>
+            <a:r>
+              <a:rPr lang="pt-BR" b="1" u="sng" dirty="0"/>
+              <a:t>Próximos passos:</a:t>
+            </a:r>
+          </a:p>
+        </p:txBody>
+      </p:sp>
+      <p:sp>
+        <p:nvSpPr>
+          <p:cNvPr id="23" name="Retângulo 22">
+            <a:extLst>
+              <a:ext uri="{FF2B5EF4-FFF2-40B4-BE49-F238E27FC236}">
+                <a16:creationId xmlns:a16="http://schemas.microsoft.com/office/drawing/2014/main" id="{C526F3CB-4E6B-4F1A-83C4-098DA07D5FFF}"/>
+              </a:ext>
+            </a:extLst>
+          </p:cNvPr>
+          <p:cNvSpPr/>
+          <p:nvPr/>
+        </p:nvSpPr>
+        <p:spPr>
+          <a:xfrm>
+            <a:off x="8108890" y="1695773"/>
+            <a:ext cx="3647502" cy="4426487"/>
+          </a:xfrm>
+          <a:prstGeom prst="rect">
+            <a:avLst/>
+          </a:prstGeom>
+          <a:solidFill>
+            <a:schemeClr val="accent5">
+              <a:lumMod val="20000"/>
+              <a:lumOff val="80000"/>
+            </a:schemeClr>
+          </a:solidFill>
+        </p:spPr>
+        <p:style>
+          <a:lnRef idx="2">
+            <a:schemeClr val="accent1">
+              <a:shade val="50000"/>
+            </a:schemeClr>
+          </a:lnRef>
+          <a:fillRef idx="1">
+            <a:schemeClr val="accent1"/>
+          </a:fillRef>
+          <a:effectRef idx="0">
+            <a:schemeClr val="accent1"/>
+          </a:effectRef>
+          <a:fontRef idx="minor">
+            <a:schemeClr val="lt1"/>
+          </a:fontRef>
+        </p:style>
+        <p:txBody>
+          <a:bodyPr rtlCol="0" anchor="ctr"/>
+          <a:lstStyle/>
+          <a:p>
+            <a:pPr algn="ctr"/>
+            <a:endParaRPr lang="en-US" dirty="0">
+              <a:solidFill>
+                <a:schemeClr val="tx1"/>
+              </a:solidFill>
+            </a:endParaRPr>
+          </a:p>
+        </p:txBody>
+      </p:sp>
+      <p:sp>
+        <p:nvSpPr>
+          <p:cNvPr id="24" name="Retângulo 23">
+            <a:extLst>
+              <a:ext uri="{FF2B5EF4-FFF2-40B4-BE49-F238E27FC236}">
+                <a16:creationId xmlns:a16="http://schemas.microsoft.com/office/drawing/2014/main" id="{9CEEADA0-149D-44C7-8DF5-065812599296}"/>
+              </a:ext>
+            </a:extLst>
+          </p:cNvPr>
+          <p:cNvSpPr/>
+          <p:nvPr/>
+        </p:nvSpPr>
+        <p:spPr>
+          <a:xfrm>
+            <a:off x="8098554" y="1172555"/>
+            <a:ext cx="3657838" cy="523218"/>
+          </a:xfrm>
+          <a:prstGeom prst="rect">
+            <a:avLst/>
+          </a:prstGeom>
+          <a:solidFill>
+            <a:schemeClr val="accent5">
+              <a:lumMod val="60000"/>
+              <a:lumOff val="40000"/>
+            </a:schemeClr>
+          </a:solidFill>
+        </p:spPr>
+        <p:style>
+          <a:lnRef idx="2">
+            <a:schemeClr val="accent1">
+              <a:shade val="50000"/>
+            </a:schemeClr>
+          </a:lnRef>
+          <a:fillRef idx="1">
+            <a:schemeClr val="accent1"/>
+          </a:fillRef>
+          <a:effectRef idx="0">
+            <a:schemeClr val="accent1"/>
+          </a:effectRef>
+          <a:fontRef idx="minor">
+            <a:schemeClr val="lt1"/>
+          </a:fontRef>
+        </p:style>
+        <p:txBody>
+          <a:bodyPr rtlCol="0" anchor="ctr"/>
+          <a:lstStyle/>
+          <a:p>
+            <a:pPr algn="ctr"/>
+            <a:r>
+              <a:rPr lang="en-US" sz="2000" b="1" dirty="0" err="1">
+                <a:solidFill>
+                  <a:schemeClr val="tx1"/>
+                </a:solidFill>
+              </a:rPr>
+              <a:t>Próximos</a:t>
+            </a:r>
+            <a:r>
+              <a:rPr lang="en-US" sz="2000" b="1" dirty="0">
+                <a:solidFill>
+                  <a:schemeClr val="tx1"/>
+                </a:solidFill>
+              </a:rPr>
+              <a:t> </a:t>
+            </a:r>
+            <a:r>
+              <a:rPr lang="en-US" sz="2000" b="1" dirty="0" err="1">
+                <a:solidFill>
+                  <a:schemeClr val="tx1"/>
+                </a:solidFill>
+              </a:rPr>
+              <a:t>passos</a:t>
+            </a:r>
+            <a:endParaRPr lang="en-US" sz="2000" b="1" dirty="0">
+              <a:solidFill>
+                <a:schemeClr val="tx1"/>
+              </a:solidFill>
+            </a:endParaRPr>
+          </a:p>
+        </p:txBody>
+      </p:sp>
+      <p:sp>
+        <p:nvSpPr>
+          <p:cNvPr id="25" name="CaixaDeTexto 24">
+            <a:extLst>
+              <a:ext uri="{FF2B5EF4-FFF2-40B4-BE49-F238E27FC236}">
+                <a16:creationId xmlns:a16="http://schemas.microsoft.com/office/drawing/2014/main" id="{4A551D6E-ABDF-4D70-A7FA-91C10B61E484}"/>
+              </a:ext>
+            </a:extLst>
+          </p:cNvPr>
+          <p:cNvSpPr txBox="1"/>
+          <p:nvPr/>
+        </p:nvSpPr>
+        <p:spPr>
+          <a:xfrm>
+            <a:off x="8095813" y="1850612"/>
+            <a:ext cx="3662681" cy="2308324"/>
+          </a:xfrm>
+          <a:prstGeom prst="rect">
+            <a:avLst/>
+          </a:prstGeom>
+          <a:noFill/>
+        </p:spPr>
+        <p:txBody>
+          <a:bodyPr wrap="square">
+            <a:spAutoFit/>
+          </a:bodyPr>
+          <a:lstStyle/>
+          <a:p>
+            <a:pPr marL="342900" indent="-342900">
+              <a:buFont typeface="+mj-lt"/>
+              <a:buAutoNum type="arabicPeriod"/>
+            </a:pPr>
+            <a:r>
+              <a:rPr lang="pt-BR" dirty="0"/>
+              <a:t>Acompanhar a execução do processo;</a:t>
             </a:r>
           </a:p>
           <a:p>
@@ -3720,7 +6538,7 @@
             </a:pPr>
             <a:r>
               <a:rPr lang="pt-BR" dirty="0"/>
-              <a:t>Avaliar vantagens e desvantagens de cada etapa do processo atual;</a:t>
+              <a:t>Detalhar o processo atual;</a:t>
             </a:r>
           </a:p>
           <a:p>
@@ -3731,7 +6549,21 @@
             <a:endParaRPr lang="pt-BR" dirty="0"/>
           </a:p>
           <a:p>
-            <a:endParaRPr lang="pt-BR" dirty="0"/>
+            <a:pPr marL="342900" indent="-342900">
+              <a:buFont typeface="+mj-lt"/>
+              <a:buAutoNum type="arabicPeriod"/>
+            </a:pPr>
+            <a:r>
+              <a:rPr lang="pt-BR" dirty="0"/>
+              <a:t>Avaliar vantagens e desvantagens de cada etapa do processo atual;</a:t>
+            </a:r>
+          </a:p>
+          <a:p>
+            <a:pPr marL="342900" indent="-342900">
+              <a:buFont typeface="+mj-lt"/>
+              <a:buAutoNum type="arabicPeriod"/>
+            </a:pPr>
+            <a:endParaRPr lang="en-US" dirty="0"/>
           </a:p>
         </p:txBody>
       </p:sp>
@@ -4041,4 +6873,299 @@
     </a:ext>
   </a:extLst>
 </a:theme>
+</file>
+
+<file path=ppt/theme/theme2.xml><?xml version="1.0" encoding="utf-8"?>
+<a:theme xmlns:a="http://schemas.openxmlformats.org/drawingml/2006/main" name="Tema do Office">
+  <a:themeElements>
+    <a:clrScheme name="Office">
+      <a:dk1>
+        <a:sysClr val="windowText" lastClr="000000"/>
+      </a:dk1>
+      <a:lt1>
+        <a:sysClr val="window" lastClr="FFFFFF"/>
+      </a:lt1>
+      <a:dk2>
+        <a:srgbClr val="44546A"/>
+      </a:dk2>
+      <a:lt2>
+        <a:srgbClr val="E7E6E6"/>
+      </a:lt2>
+      <a:accent1>
+        <a:srgbClr val="4472C4"/>
+      </a:accent1>
+      <a:accent2>
+        <a:srgbClr val="ED7D31"/>
+      </a:accent2>
+      <a:accent3>
+        <a:srgbClr val="A5A5A5"/>
+      </a:accent3>
+      <a:accent4>
+        <a:srgbClr val="FFC000"/>
+      </a:accent4>
+      <a:accent5>
+        <a:srgbClr val="5B9BD5"/>
+      </a:accent5>
+      <a:accent6>
+        <a:srgbClr val="70AD47"/>
+      </a:accent6>
+      <a:hlink>
+        <a:srgbClr val="0563C1"/>
+      </a:hlink>
+      <a:folHlink>
+        <a:srgbClr val="954F72"/>
+      </a:folHlink>
+    </a:clrScheme>
+    <a:fontScheme name="Office">
+      <a:majorFont>
+        <a:latin typeface="Calibri Light" panose="020F0302020204030204"/>
+        <a:ea typeface=""/>
+        <a:cs typeface=""/>
+        <a:font script="Jpan" typeface="游ゴシック Light"/>
+        <a:font script="Hang" typeface="맑은 고딕"/>
+        <a:font script="Hans" typeface="等线 Light"/>
+        <a:font script="Hant" typeface="新細明體"/>
+        <a:font script="Arab" typeface="Times New Roman"/>
+        <a:font script="Hebr" typeface="Times New Roman"/>
+        <a:font script="Thai" typeface="Angsana New"/>
+        <a:font script="Ethi" typeface="Nyala"/>
+        <a:font script="Beng" typeface="Vrinda"/>
+        <a:font script="Gujr" typeface="Shruti"/>
+        <a:font script="Khmr" typeface="MoolBoran"/>
+        <a:font script="Knda" typeface="Tunga"/>
+        <a:font script="Guru" typeface="Raavi"/>
+        <a:font script="Cans" typeface="Euphemia"/>
+        <a:font script="Cher" typeface="Plantagenet Cherokee"/>
+        <a:font script="Yiii" typeface="Microsoft Yi Baiti"/>
+        <a:font script="Tibt" typeface="Microsoft Himalaya"/>
+        <a:font script="Thaa" typeface="MV Boli"/>
+        <a:font script="Deva" typeface="Mangal"/>
+        <a:font script="Telu" typeface="Gautami"/>
+        <a:font script="Taml" typeface="Latha"/>
+        <a:font script="Syrc" typeface="Estrangelo Edessa"/>
+        <a:font script="Orya" typeface="Kalinga"/>
+        <a:font script="Mlym" typeface="Kartika"/>
+        <a:font script="Laoo" typeface="DokChampa"/>
+        <a:font script="Sinh" typeface="Iskoola Pota"/>
+        <a:font script="Mong" typeface="Mongolian Baiti"/>
+        <a:font script="Viet" typeface="Times New Roman"/>
+        <a:font script="Uigh" typeface="Microsoft Uighur"/>
+        <a:font script="Geor" typeface="Sylfaen"/>
+        <a:font script="Armn" typeface="Arial"/>
+        <a:font script="Bugi" typeface="Leelawadee UI"/>
+        <a:font script="Bopo" typeface="Microsoft JhengHei"/>
+        <a:font script="Java" typeface="Javanese Text"/>
+        <a:font script="Lisu" typeface="Segoe UI"/>
+        <a:font script="Mymr" typeface="Myanmar Text"/>
+        <a:font script="Nkoo" typeface="Ebrima"/>
+        <a:font script="Olck" typeface="Nirmala UI"/>
+        <a:font script="Osma" typeface="Ebrima"/>
+        <a:font script="Phag" typeface="Phagspa"/>
+        <a:font script="Syrn" typeface="Estrangelo Edessa"/>
+        <a:font script="Syrj" typeface="Estrangelo Edessa"/>
+        <a:font script="Syre" typeface="Estrangelo Edessa"/>
+        <a:font script="Sora" typeface="Nirmala UI"/>
+        <a:font script="Tale" typeface="Microsoft Tai Le"/>
+        <a:font script="Talu" typeface="Microsoft New Tai Lue"/>
+        <a:font script="Tfng" typeface="Ebrima"/>
+      </a:majorFont>
+      <a:minorFont>
+        <a:latin typeface="Calibri" panose="020F0502020204030204"/>
+        <a:ea typeface=""/>
+        <a:cs typeface=""/>
+        <a:font script="Jpan" typeface="游ゴシック"/>
+        <a:font script="Hang" typeface="맑은 고딕"/>
+        <a:font script="Hans" typeface="等线"/>
+        <a:font script="Hant" typeface="新細明體"/>
+        <a:font script="Arab" typeface="Arial"/>
+        <a:font script="Hebr" typeface="Arial"/>
+        <a:font script="Thai" typeface="Cordia New"/>
+        <a:font script="Ethi" typeface="Nyala"/>
+        <a:font script="Beng" typeface="Vrinda"/>
+        <a:font script="Gujr" typeface="Shruti"/>
+        <a:font script="Khmr" typeface="DaunPenh"/>
+        <a:font script="Knda" typeface="Tunga"/>
+        <a:font script="Guru" typeface="Raavi"/>
+        <a:font script="Cans" typeface="Euphemia"/>
+        <a:font script="Cher" typeface="Plantagenet Cherokee"/>
+        <a:font script="Yiii" typeface="Microsoft Yi Baiti"/>
+        <a:font script="Tibt" typeface="Microsoft Himalaya"/>
+        <a:font script="Thaa" typeface="MV Boli"/>
+        <a:font script="Deva" typeface="Mangal"/>
+        <a:font script="Telu" typeface="Gautami"/>
+        <a:font script="Taml" typeface="Latha"/>
+        <a:font script="Syrc" typeface="Estrangelo Edessa"/>
+        <a:font script="Orya" typeface="Kalinga"/>
+        <a:font script="Mlym" typeface="Kartika"/>
+        <a:font script="Laoo" typeface="DokChampa"/>
+        <a:font script="Sinh" typeface="Iskoola Pota"/>
+        <a:font script="Mong" typeface="Mongolian Baiti"/>
+        <a:font script="Viet" typeface="Arial"/>
+        <a:font script="Uigh" typeface="Microsoft Uighur"/>
+        <a:font script="Geor" typeface="Sylfaen"/>
+        <a:font script="Armn" typeface="Arial"/>
+        <a:font script="Bugi" typeface="Leelawadee UI"/>
+        <a:font script="Bopo" typeface="Microsoft JhengHei"/>
+        <a:font script="Java" typeface="Javanese Text"/>
+        <a:font script="Lisu" typeface="Segoe UI"/>
+        <a:font script="Mymr" typeface="Myanmar Text"/>
+        <a:font script="Nkoo" typeface="Ebrima"/>
+        <a:font script="Olck" typeface="Nirmala UI"/>
+        <a:font script="Osma" typeface="Ebrima"/>
+        <a:font script="Phag" typeface="Phagspa"/>
+        <a:font script="Syrn" typeface="Estrangelo Edessa"/>
+        <a:font script="Syrj" typeface="Estrangelo Edessa"/>
+        <a:font script="Syre" typeface="Estrangelo Edessa"/>
+        <a:font script="Sora" typeface="Nirmala UI"/>
+        <a:font script="Tale" typeface="Microsoft Tai Le"/>
+        <a:font script="Talu" typeface="Microsoft New Tai Lue"/>
+        <a:font script="Tfng" typeface="Ebrima"/>
+      </a:minorFont>
+    </a:fontScheme>
+    <a:fmtScheme name="Office">
+      <a:fillStyleLst>
+        <a:solidFill>
+          <a:schemeClr val="phClr"/>
+        </a:solidFill>
+        <a:gradFill rotWithShape="1">
+          <a:gsLst>
+            <a:gs pos="0">
+              <a:schemeClr val="phClr">
+                <a:lumMod val="110000"/>
+                <a:satMod val="105000"/>
+                <a:tint val="67000"/>
+              </a:schemeClr>
+            </a:gs>
+            <a:gs pos="50000">
+              <a:schemeClr val="phClr">
+                <a:lumMod val="105000"/>
+                <a:satMod val="103000"/>
+                <a:tint val="73000"/>
+              </a:schemeClr>
+            </a:gs>
+            <a:gs pos="100000">
+              <a:schemeClr val="phClr">
+                <a:lumMod val="105000"/>
+                <a:satMod val="109000"/>
+                <a:tint val="81000"/>
+              </a:schemeClr>
+            </a:gs>
+          </a:gsLst>
+          <a:lin ang="5400000" scaled="0"/>
+        </a:gradFill>
+        <a:gradFill rotWithShape="1">
+          <a:gsLst>
+            <a:gs pos="0">
+              <a:schemeClr val="phClr">
+                <a:satMod val="103000"/>
+                <a:lumMod val="102000"/>
+                <a:tint val="94000"/>
+              </a:schemeClr>
+            </a:gs>
+            <a:gs pos="50000">
+              <a:schemeClr val="phClr">
+                <a:satMod val="110000"/>
+                <a:lumMod val="100000"/>
+                <a:shade val="100000"/>
+              </a:schemeClr>
+            </a:gs>
+            <a:gs pos="100000">
+              <a:schemeClr val="phClr">
+                <a:lumMod val="99000"/>
+                <a:satMod val="120000"/>
+                <a:shade val="78000"/>
+              </a:schemeClr>
+            </a:gs>
+          </a:gsLst>
+          <a:lin ang="5400000" scaled="0"/>
+        </a:gradFill>
+      </a:fillStyleLst>
+      <a:lnStyleLst>
+        <a:ln w="6350" cap="flat" cmpd="sng" algn="ctr">
+          <a:solidFill>
+            <a:schemeClr val="phClr"/>
+          </a:solidFill>
+          <a:prstDash val="solid"/>
+          <a:miter lim="800000"/>
+        </a:ln>
+        <a:ln w="12700" cap="flat" cmpd="sng" algn="ctr">
+          <a:solidFill>
+            <a:schemeClr val="phClr"/>
+          </a:solidFill>
+          <a:prstDash val="solid"/>
+          <a:miter lim="800000"/>
+        </a:ln>
+        <a:ln w="19050" cap="flat" cmpd="sng" algn="ctr">
+          <a:solidFill>
+            <a:schemeClr val="phClr"/>
+          </a:solidFill>
+          <a:prstDash val="solid"/>
+          <a:miter lim="800000"/>
+        </a:ln>
+      </a:lnStyleLst>
+      <a:effectStyleLst>
+        <a:effectStyle>
+          <a:effectLst/>
+        </a:effectStyle>
+        <a:effectStyle>
+          <a:effectLst/>
+        </a:effectStyle>
+        <a:effectStyle>
+          <a:effectLst>
+            <a:outerShdw blurRad="57150" dist="19050" dir="5400000" algn="ctr" rotWithShape="0">
+              <a:srgbClr val="000000">
+                <a:alpha val="63000"/>
+              </a:srgbClr>
+            </a:outerShdw>
+          </a:effectLst>
+        </a:effectStyle>
+      </a:effectStyleLst>
+      <a:bgFillStyleLst>
+        <a:solidFill>
+          <a:schemeClr val="phClr"/>
+        </a:solidFill>
+        <a:solidFill>
+          <a:schemeClr val="phClr">
+            <a:tint val="95000"/>
+            <a:satMod val="170000"/>
+          </a:schemeClr>
+        </a:solidFill>
+        <a:gradFill rotWithShape="1">
+          <a:gsLst>
+            <a:gs pos="0">
+              <a:schemeClr val="phClr">
+                <a:tint val="93000"/>
+                <a:satMod val="150000"/>
+                <a:shade val="98000"/>
+                <a:lumMod val="102000"/>
+              </a:schemeClr>
+            </a:gs>
+            <a:gs pos="50000">
+              <a:schemeClr val="phClr">
+                <a:tint val="98000"/>
+                <a:satMod val="130000"/>
+                <a:shade val="90000"/>
+                <a:lumMod val="103000"/>
+              </a:schemeClr>
+            </a:gs>
+            <a:gs pos="100000">
+              <a:schemeClr val="phClr">
+                <a:shade val="63000"/>
+                <a:satMod val="120000"/>
+              </a:schemeClr>
+            </a:gs>
+          </a:gsLst>
+          <a:lin ang="5400000" scaled="0"/>
+        </a:gradFill>
+      </a:bgFillStyleLst>
+    </a:fmtScheme>
+  </a:themeElements>
+  <a:objectDefaults/>
+  <a:extraClrSchemeLst/>
+  <a:extLst>
+    <a:ext uri="{05A4C25C-085E-4340-85A3-A5531E510DB2}">
+      <thm15:themeFamily xmlns:thm15="http://schemas.microsoft.com/office/thememl/2012/main" name="Office Theme" id="{62F939B6-93AF-4DB8-9C6B-D6C7DFDC589F}" vid="{4A3C46E8-61CC-4603-A589-7422A47A8E4A}"/>
+    </a:ext>
+  </a:extLst>
+</a:theme>
 </file>
--- a/Apresentação Laudo MMSP.pptx
+++ b/Apresentação Laudo MMSP.pptx
@@ -132,7 +132,7 @@
   <pc:docChgLst>
     <pc:chgData name="Cesar Leonardo Valério" userId="3d004e56-081b-4c50-ad04-7d32b37ec791" providerId="ADAL" clId="{6240CF39-120C-40EF-B192-CCE5A8A1023B}"/>
     <pc:docChg chg="undo custSel addSld delSld modSld sldOrd">
-      <pc:chgData name="Cesar Leonardo Valério" userId="3d004e56-081b-4c50-ad04-7d32b37ec791" providerId="ADAL" clId="{6240CF39-120C-40EF-B192-CCE5A8A1023B}" dt="2022-02-01T18:21:35.579" v="657" actId="20577"/>
+      <pc:chgData name="Cesar Leonardo Valério" userId="3d004e56-081b-4c50-ad04-7d32b37ec791" providerId="ADAL" clId="{6240CF39-120C-40EF-B192-CCE5A8A1023B}" dt="2022-02-01T20:20:54.113" v="704" actId="20577"/>
       <pc:docMkLst>
         <pc:docMk/>
       </pc:docMkLst>
@@ -516,7 +516,7 @@
         </pc:sldMkLst>
       </pc:sldChg>
       <pc:sldChg chg="addSp modSp add mod">
-        <pc:chgData name="Cesar Leonardo Valério" userId="3d004e56-081b-4c50-ad04-7d32b37ec791" providerId="ADAL" clId="{6240CF39-120C-40EF-B192-CCE5A8A1023B}" dt="2022-02-01T18:21:35.579" v="657" actId="20577"/>
+        <pc:chgData name="Cesar Leonardo Valério" userId="3d004e56-081b-4c50-ad04-7d32b37ec791" providerId="ADAL" clId="{6240CF39-120C-40EF-B192-CCE5A8A1023B}" dt="2022-02-01T20:20:54.113" v="704" actId="20577"/>
         <pc:sldMkLst>
           <pc:docMk/>
           <pc:sldMk cId="2330368592" sldId="260"/>
@@ -546,7 +546,7 @@
           </ac:spMkLst>
         </pc:spChg>
         <pc:spChg chg="add mod">
-          <ac:chgData name="Cesar Leonardo Valério" userId="3d004e56-081b-4c50-ad04-7d32b37ec791" providerId="ADAL" clId="{6240CF39-120C-40EF-B192-CCE5A8A1023B}" dt="2022-02-01T18:21:35.579" v="657" actId="20577"/>
+          <ac:chgData name="Cesar Leonardo Valério" userId="3d004e56-081b-4c50-ad04-7d32b37ec791" providerId="ADAL" clId="{6240CF39-120C-40EF-B192-CCE5A8A1023B}" dt="2022-02-01T20:20:54.113" v="704" actId="20577"/>
           <ac:spMkLst>
             <pc:docMk/>
             <pc:sldMk cId="2330368592" sldId="260"/>
@@ -5609,7 +5609,7 @@
         <p:spPr>
           <a:xfrm>
             <a:off x="1301311" y="2130253"/>
-            <a:ext cx="4259178" cy="2763064"/>
+            <a:ext cx="4259178" cy="3458383"/>
           </a:xfrm>
           <a:prstGeom prst="rect">
             <a:avLst/>
@@ -5683,6 +5683,32 @@
               </a:rPr>
               <a:t>Tende a ser mais leve</a:t>
             </a:r>
+          </a:p>
+          <a:p>
+            <a:pPr marL="342900" indent="-342900">
+              <a:lnSpc>
+                <a:spcPct val="107000"/>
+              </a:lnSpc>
+              <a:spcAft>
+                <a:spcPts val="800"/>
+              </a:spcAft>
+              <a:buFont typeface="+mj-lt"/>
+              <a:buAutoNum type="arabicPeriod"/>
+            </a:pPr>
+            <a:r>
+              <a:rPr lang="pt-BR" dirty="0">
+                <a:latin typeface="Calibri" panose="020F0502020204030204" pitchFamily="34" charset="0"/>
+                <a:ea typeface="Calibri" panose="020F0502020204030204" pitchFamily="34" charset="0"/>
+                <a:cs typeface="Times New Roman" panose="02020603050405020304" pitchFamily="18" charset="0"/>
+              </a:rPr>
+              <a:t>“Lida melhor” com expressões matemáticas</a:t>
+            </a:r>
+            <a:endParaRPr lang="pt-BR" sz="1800" dirty="0">
+              <a:effectLst/>
+              <a:latin typeface="Calibri" panose="020F0502020204030204" pitchFamily="34" charset="0"/>
+              <a:ea typeface="Calibri" panose="020F0502020204030204" pitchFamily="34" charset="0"/>
+              <a:cs typeface="Times New Roman" panose="02020603050405020304" pitchFamily="18" charset="0"/>
+            </a:endParaRPr>
           </a:p>
           <a:p>
             <a:pPr marL="342900" indent="-342900">

--- a/Apresentação Laudo MMSP.pptx
+++ b/Apresentação Laudo MMSP.pptx
@@ -5,7 +5,7 @@
     <p:sldMasterId id="2147483648" r:id="rId1"/>
   </p:sldMasterIdLst>
   <p:notesMasterIdLst>
-    <p:notesMasterId r:id="rId7"/>
+    <p:notesMasterId r:id="rId8"/>
   </p:notesMasterIdLst>
   <p:sldIdLst>
     <p:sldId id="256" r:id="rId2"/>
@@ -13,6 +13,7 @@
     <p:sldId id="259" r:id="rId4"/>
     <p:sldId id="260" r:id="rId5"/>
     <p:sldId id="258" r:id="rId6"/>
+    <p:sldId id="261" r:id="rId7"/>
   </p:sldIdLst>
   <p:sldSz cx="12192000" cy="6858000"/>
   <p:notesSz cx="6858000" cy="9144000"/>
@@ -122,7 +123,7 @@
 <file path=ppt/revisionInfo.xml><?xml version="1.0" encoding="utf-8"?>
 <p1510:revInfo xmlns:a="http://schemas.openxmlformats.org/drawingml/2006/main" xmlns:r="http://schemas.openxmlformats.org/officeDocument/2006/relationships" xmlns:p1510="http://schemas.microsoft.com/office/powerpoint/2015/10/main">
   <p1510:revLst>
-    <p1510:client id="{6240CF39-120C-40EF-B192-CCE5A8A1023B}" v="19" dt="2022-02-01T18:20:38.234"/>
+    <p1510:client id="{6240CF39-120C-40EF-B192-CCE5A8A1023B}" v="67" dt="2022-02-08T01:27:40.240"/>
   </p1510:revLst>
 </p1510:revInfo>
 </file>
@@ -132,26 +133,50 @@
   <pc:docChgLst>
     <pc:chgData name="Cesar Leonardo Valério" userId="3d004e56-081b-4c50-ad04-7d32b37ec791" providerId="ADAL" clId="{6240CF39-120C-40EF-B192-CCE5A8A1023B}"/>
     <pc:docChg chg="undo custSel addSld delSld modSld sldOrd">
-      <pc:chgData name="Cesar Leonardo Valério" userId="3d004e56-081b-4c50-ad04-7d32b37ec791" providerId="ADAL" clId="{6240CF39-120C-40EF-B192-CCE5A8A1023B}" dt="2022-02-01T20:20:54.113" v="704" actId="20577"/>
+      <pc:chgData name="Cesar Leonardo Valério" userId="3d004e56-081b-4c50-ad04-7d32b37ec791" providerId="ADAL" clId="{6240CF39-120C-40EF-B192-CCE5A8A1023B}" dt="2022-02-08T01:27:40.239" v="864" actId="164"/>
       <pc:docMkLst>
         <pc:docMk/>
       </pc:docMkLst>
       <pc:sldChg chg="addSp modSp mod">
-        <pc:chgData name="Cesar Leonardo Valério" userId="3d004e56-081b-4c50-ad04-7d32b37ec791" providerId="ADAL" clId="{6240CF39-120C-40EF-B192-CCE5A8A1023B}" dt="2022-02-01T18:06:47.802" v="146" actId="20577"/>
+        <pc:chgData name="Cesar Leonardo Valério" userId="3d004e56-081b-4c50-ad04-7d32b37ec791" providerId="ADAL" clId="{6240CF39-120C-40EF-B192-CCE5A8A1023B}" dt="2022-02-08T01:27:30.557" v="863" actId="164"/>
         <pc:sldMkLst>
           <pc:docMk/>
           <pc:sldMk cId="1233319350" sldId="256"/>
         </pc:sldMkLst>
         <pc:spChg chg="add mod">
-          <ac:chgData name="Cesar Leonardo Valério" userId="3d004e56-081b-4c50-ad04-7d32b37ec791" providerId="ADAL" clId="{6240CF39-120C-40EF-B192-CCE5A8A1023B}" dt="2022-02-01T18:06:47.802" v="146" actId="20577"/>
+          <ac:chgData name="Cesar Leonardo Valério" userId="3d004e56-081b-4c50-ad04-7d32b37ec791" providerId="ADAL" clId="{6240CF39-120C-40EF-B192-CCE5A8A1023B}" dt="2022-02-08T01:16:18.841" v="708" actId="20577"/>
           <ac:spMkLst>
             <pc:docMk/>
             <pc:sldMk cId="1233319350" sldId="256"/>
             <ac:spMk id="5" creationId="{CECE0C82-AE6E-4FA5-A3EE-47667967C17A}"/>
           </ac:spMkLst>
         </pc:spChg>
+        <pc:spChg chg="add mod">
+          <ac:chgData name="Cesar Leonardo Valério" userId="3d004e56-081b-4c50-ad04-7d32b37ec791" providerId="ADAL" clId="{6240CF39-120C-40EF-B192-CCE5A8A1023B}" dt="2022-02-08T01:27:30.557" v="863" actId="164"/>
+          <ac:spMkLst>
+            <pc:docMk/>
+            <pc:sldMk cId="1233319350" sldId="256"/>
+            <ac:spMk id="6" creationId="{798DD511-1B3D-4DB7-B23D-0B4400A0B351}"/>
+          </ac:spMkLst>
+        </pc:spChg>
+        <pc:grpChg chg="add mod">
+          <ac:chgData name="Cesar Leonardo Valério" userId="3d004e56-081b-4c50-ad04-7d32b37ec791" providerId="ADAL" clId="{6240CF39-120C-40EF-B192-CCE5A8A1023B}" dt="2022-02-08T01:27:30.557" v="863" actId="164"/>
+          <ac:grpSpMkLst>
+            <pc:docMk/>
+            <pc:sldMk cId="1233319350" sldId="256"/>
+            <ac:grpSpMk id="2" creationId="{7F091835-A2E3-4DFB-BAE7-9A39BAEA7395}"/>
+          </ac:grpSpMkLst>
+        </pc:grpChg>
+        <pc:picChg chg="add mod">
+          <ac:chgData name="Cesar Leonardo Valério" userId="3d004e56-081b-4c50-ad04-7d32b37ec791" providerId="ADAL" clId="{6240CF39-120C-40EF-B192-CCE5A8A1023B}" dt="2022-02-08T01:27:30.557" v="863" actId="164"/>
+          <ac:picMkLst>
+            <pc:docMk/>
+            <pc:sldMk cId="1233319350" sldId="256"/>
+            <ac:picMk id="7" creationId="{4C4B847F-526F-4DEE-A1ED-1DD1CAC475D0}"/>
+          </ac:picMkLst>
+        </pc:picChg>
         <pc:picChg chg="mod">
-          <ac:chgData name="Cesar Leonardo Valério" userId="3d004e56-081b-4c50-ad04-7d32b37ec791" providerId="ADAL" clId="{6240CF39-120C-40EF-B192-CCE5A8A1023B}" dt="2022-02-01T18:04:19.769" v="20" actId="1036"/>
+          <ac:chgData name="Cesar Leonardo Valério" userId="3d004e56-081b-4c50-ad04-7d32b37ec791" providerId="ADAL" clId="{6240CF39-120C-40EF-B192-CCE5A8A1023B}" dt="2022-02-08T01:27:30.557" v="863" actId="164"/>
           <ac:picMkLst>
             <pc:docMk/>
             <pc:sldMk cId="1233319350" sldId="256"/>
@@ -167,20 +192,76 @@
           </ac:cxnSpMkLst>
         </pc:cxnChg>
       </pc:sldChg>
-      <pc:sldChg chg="addSp modSp mod">
-        <pc:chgData name="Cesar Leonardo Valério" userId="3d004e56-081b-4c50-ad04-7d32b37ec791" providerId="ADAL" clId="{6240CF39-120C-40EF-B192-CCE5A8A1023B}" dt="2022-02-01T18:06:55.905" v="155" actId="20577"/>
+      <pc:sldChg chg="addSp delSp modSp mod">
+        <pc:chgData name="Cesar Leonardo Valério" userId="3d004e56-081b-4c50-ad04-7d32b37ec791" providerId="ADAL" clId="{6240CF39-120C-40EF-B192-CCE5A8A1023B}" dt="2022-02-08T01:27:40.239" v="864" actId="164"/>
         <pc:sldMkLst>
           <pc:docMk/>
           <pc:sldMk cId="751793141" sldId="257"/>
         </pc:sldMkLst>
+        <pc:spChg chg="add del mod">
+          <ac:chgData name="Cesar Leonardo Valério" userId="3d004e56-081b-4c50-ad04-7d32b37ec791" providerId="ADAL" clId="{6240CF39-120C-40EF-B192-CCE5A8A1023B}" dt="2022-02-08T01:23:52.663" v="817" actId="478"/>
+          <ac:spMkLst>
+            <pc:docMk/>
+            <pc:sldMk cId="751793141" sldId="257"/>
+            <ac:spMk id="2" creationId="{01E9A612-09F1-4E15-B94A-EE889AC8FED5}"/>
+          </ac:spMkLst>
+        </pc:spChg>
         <pc:spChg chg="add mod">
-          <ac:chgData name="Cesar Leonardo Valério" userId="3d004e56-081b-4c50-ad04-7d32b37ec791" providerId="ADAL" clId="{6240CF39-120C-40EF-B192-CCE5A8A1023B}" dt="2022-02-01T18:06:55.905" v="155" actId="20577"/>
+          <ac:chgData name="Cesar Leonardo Valério" userId="3d004e56-081b-4c50-ad04-7d32b37ec791" providerId="ADAL" clId="{6240CF39-120C-40EF-B192-CCE5A8A1023B}" dt="2022-02-08T01:16:22.088" v="710" actId="20577"/>
           <ac:spMkLst>
             <pc:docMk/>
             <pc:sldMk cId="751793141" sldId="257"/>
             <ac:spMk id="4" creationId="{F270D601-BD82-4799-B6D8-BDB3467FF3B6}"/>
           </ac:spMkLst>
         </pc:spChg>
+        <pc:spChg chg="add mod">
+          <ac:chgData name="Cesar Leonardo Valério" userId="3d004e56-081b-4c50-ad04-7d32b37ec791" providerId="ADAL" clId="{6240CF39-120C-40EF-B192-CCE5A8A1023B}" dt="2022-02-08T01:27:40.239" v="864" actId="164"/>
+          <ac:spMkLst>
+            <pc:docMk/>
+            <pc:sldMk cId="751793141" sldId="257"/>
+            <ac:spMk id="6" creationId="{4AE87B47-9170-40EF-B3BA-9461D7A9681C}"/>
+          </ac:spMkLst>
+        </pc:spChg>
+        <pc:spChg chg="add mod">
+          <ac:chgData name="Cesar Leonardo Valério" userId="3d004e56-081b-4c50-ad04-7d32b37ec791" providerId="ADAL" clId="{6240CF39-120C-40EF-B192-CCE5A8A1023B}" dt="2022-02-08T01:27:40.239" v="864" actId="164"/>
+          <ac:spMkLst>
+            <pc:docMk/>
+            <pc:sldMk cId="751793141" sldId="257"/>
+            <ac:spMk id="8" creationId="{B2B9D26E-D836-4843-8048-F16C74B1BA3A}"/>
+          </ac:spMkLst>
+        </pc:spChg>
+        <pc:grpChg chg="add mod">
+          <ac:chgData name="Cesar Leonardo Valério" userId="3d004e56-081b-4c50-ad04-7d32b37ec791" providerId="ADAL" clId="{6240CF39-120C-40EF-B192-CCE5A8A1023B}" dt="2022-02-08T01:27:40.239" v="864" actId="164"/>
+          <ac:grpSpMkLst>
+            <pc:docMk/>
+            <pc:sldMk cId="751793141" sldId="257"/>
+            <ac:grpSpMk id="7" creationId="{6BA90615-96D4-41B9-B9B3-B1B078B642AC}"/>
+          </ac:grpSpMkLst>
+        </pc:grpChg>
+        <pc:picChg chg="mod">
+          <ac:chgData name="Cesar Leonardo Valério" userId="3d004e56-081b-4c50-ad04-7d32b37ec791" providerId="ADAL" clId="{6240CF39-120C-40EF-B192-CCE5A8A1023B}" dt="2022-02-08T01:27:40.239" v="864" actId="164"/>
+          <ac:picMkLst>
+            <pc:docMk/>
+            <pc:sldMk cId="751793141" sldId="257"/>
+            <ac:picMk id="5" creationId="{A7ED856F-D6D9-4DFA-A946-BDEA1AFAECE6}"/>
+          </ac:picMkLst>
+        </pc:picChg>
+        <pc:picChg chg="add mod">
+          <ac:chgData name="Cesar Leonardo Valério" userId="3d004e56-081b-4c50-ad04-7d32b37ec791" providerId="ADAL" clId="{6240CF39-120C-40EF-B192-CCE5A8A1023B}" dt="2022-02-08T01:27:40.239" v="864" actId="164"/>
+          <ac:picMkLst>
+            <pc:docMk/>
+            <pc:sldMk cId="751793141" sldId="257"/>
+            <ac:picMk id="1026" creationId="{445C0598-ED17-4B8F-9F6F-E11836C80504}"/>
+          </ac:picMkLst>
+        </pc:picChg>
+        <pc:picChg chg="add mod">
+          <ac:chgData name="Cesar Leonardo Valério" userId="3d004e56-081b-4c50-ad04-7d32b37ec791" providerId="ADAL" clId="{6240CF39-120C-40EF-B192-CCE5A8A1023B}" dt="2022-02-08T01:27:40.239" v="864" actId="164"/>
+          <ac:picMkLst>
+            <pc:docMk/>
+            <pc:sldMk cId="751793141" sldId="257"/>
+            <ac:picMk id="1028" creationId="{F67B4A3F-874A-4B8B-94A8-089FE0F9E0A7}"/>
+          </ac:picMkLst>
+        </pc:picChg>
         <pc:cxnChg chg="add mod">
           <ac:chgData name="Cesar Leonardo Valério" userId="3d004e56-081b-4c50-ad04-7d32b37ec791" providerId="ADAL" clId="{6240CF39-120C-40EF-B192-CCE5A8A1023B}" dt="2022-02-01T18:05:12.855" v="101"/>
           <ac:cxnSpMkLst>
@@ -190,8 +271,8 @@
           </ac:cxnSpMkLst>
         </pc:cxnChg>
       </pc:sldChg>
-      <pc:sldChg chg="addSp delSp modSp mod">
-        <pc:chgData name="Cesar Leonardo Valério" userId="3d004e56-081b-4c50-ad04-7d32b37ec791" providerId="ADAL" clId="{6240CF39-120C-40EF-B192-CCE5A8A1023B}" dt="2022-02-01T18:15:04.348" v="405" actId="6549"/>
+      <pc:sldChg chg="addSp delSp modSp mod modShow">
+        <pc:chgData name="Cesar Leonardo Valério" userId="3d004e56-081b-4c50-ad04-7d32b37ec791" providerId="ADAL" clId="{6240CF39-120C-40EF-B192-CCE5A8A1023B}" dt="2022-02-08T01:19:08.091" v="716" actId="729"/>
         <pc:sldMkLst>
           <pc:docMk/>
           <pc:sldMk cId="1735219801" sldId="258"/>
@@ -293,7 +374,7 @@
           </ac:spMkLst>
         </pc:spChg>
         <pc:spChg chg="add mod">
-          <ac:chgData name="Cesar Leonardo Valério" userId="3d004e56-081b-4c50-ad04-7d32b37ec791" providerId="ADAL" clId="{6240CF39-120C-40EF-B192-CCE5A8A1023B}" dt="2022-02-01T18:11:55.340" v="289" actId="1038"/>
+          <ac:chgData name="Cesar Leonardo Valério" userId="3d004e56-081b-4c50-ad04-7d32b37ec791" providerId="ADAL" clId="{6240CF39-120C-40EF-B192-CCE5A8A1023B}" dt="2022-02-08T01:18:59.207" v="715" actId="20577"/>
           <ac:spMkLst>
             <pc:docMk/>
             <pc:sldMk cId="1735219801" sldId="258"/>
@@ -554,6 +635,109 @@
           </ac:spMkLst>
         </pc:spChg>
       </pc:sldChg>
+      <pc:sldChg chg="delSp modSp add mod modShow">
+        <pc:chgData name="Cesar Leonardo Valério" userId="3d004e56-081b-4c50-ad04-7d32b37ec791" providerId="ADAL" clId="{6240CF39-120C-40EF-B192-CCE5A8A1023B}" dt="2022-02-08T01:22:41.285" v="816" actId="790"/>
+        <pc:sldMkLst>
+          <pc:docMk/>
+          <pc:sldMk cId="2596496189" sldId="261"/>
+        </pc:sldMkLst>
+        <pc:spChg chg="mod">
+          <ac:chgData name="Cesar Leonardo Valério" userId="3d004e56-081b-4c50-ad04-7d32b37ec791" providerId="ADAL" clId="{6240CF39-120C-40EF-B192-CCE5A8A1023B}" dt="2022-02-08T01:19:39.441" v="808" actId="1076"/>
+          <ac:spMkLst>
+            <pc:docMk/>
+            <pc:sldMk cId="2596496189" sldId="261"/>
+            <ac:spMk id="5" creationId="{A9657BD1-C898-4E03-A96F-1DC83627EA57}"/>
+          </ac:spMkLst>
+        </pc:spChg>
+        <pc:spChg chg="mod">
+          <ac:chgData name="Cesar Leonardo Valério" userId="3d004e56-081b-4c50-ad04-7d32b37ec791" providerId="ADAL" clId="{6240CF39-120C-40EF-B192-CCE5A8A1023B}" dt="2022-02-08T01:19:39.441" v="808" actId="1076"/>
+          <ac:spMkLst>
+            <pc:docMk/>
+            <pc:sldMk cId="2596496189" sldId="261"/>
+            <ac:spMk id="8" creationId="{7E51A5FE-6B0C-42E7-92E4-84280E482E3B}"/>
+          </ac:spMkLst>
+        </pc:spChg>
+        <pc:spChg chg="del">
+          <ac:chgData name="Cesar Leonardo Valério" userId="3d004e56-081b-4c50-ad04-7d32b37ec791" providerId="ADAL" clId="{6240CF39-120C-40EF-B192-CCE5A8A1023B}" dt="2022-02-08T01:19:23.391" v="718" actId="478"/>
+          <ac:spMkLst>
+            <pc:docMk/>
+            <pc:sldMk cId="2596496189" sldId="261"/>
+            <ac:spMk id="14" creationId="{21F89202-FFED-40CC-A9A2-CFBE70F5D71E}"/>
+          </ac:spMkLst>
+        </pc:spChg>
+        <pc:spChg chg="del">
+          <ac:chgData name="Cesar Leonardo Valério" userId="3d004e56-081b-4c50-ad04-7d32b37ec791" providerId="ADAL" clId="{6240CF39-120C-40EF-B192-CCE5A8A1023B}" dt="2022-02-08T01:19:23.391" v="718" actId="478"/>
+          <ac:spMkLst>
+            <pc:docMk/>
+            <pc:sldMk cId="2596496189" sldId="261"/>
+            <ac:spMk id="15" creationId="{538F8775-2277-4CA8-9B12-462EB41C2682}"/>
+          </ac:spMkLst>
+        </pc:spChg>
+        <pc:spChg chg="del">
+          <ac:chgData name="Cesar Leonardo Valério" userId="3d004e56-081b-4c50-ad04-7d32b37ec791" providerId="ADAL" clId="{6240CF39-120C-40EF-B192-CCE5A8A1023B}" dt="2022-02-08T01:19:23.391" v="718" actId="478"/>
+          <ac:spMkLst>
+            <pc:docMk/>
+            <pc:sldMk cId="2596496189" sldId="261"/>
+            <ac:spMk id="17" creationId="{6A51D28B-64AF-4DB5-81EB-8350B06867BF}"/>
+          </ac:spMkLst>
+        </pc:spChg>
+        <pc:spChg chg="mod">
+          <ac:chgData name="Cesar Leonardo Valério" userId="3d004e56-081b-4c50-ad04-7d32b37ec791" providerId="ADAL" clId="{6240CF39-120C-40EF-B192-CCE5A8A1023B}" dt="2022-02-08T01:19:39.441" v="808" actId="1076"/>
+          <ac:spMkLst>
+            <pc:docMk/>
+            <pc:sldMk cId="2596496189" sldId="261"/>
+            <ac:spMk id="19" creationId="{7BFFED98-9D83-4C7B-A73F-D47091FCB0ED}"/>
+          </ac:spMkLst>
+        </pc:spChg>
+        <pc:spChg chg="mod">
+          <ac:chgData name="Cesar Leonardo Valério" userId="3d004e56-081b-4c50-ad04-7d32b37ec791" providerId="ADAL" clId="{6240CF39-120C-40EF-B192-CCE5A8A1023B}" dt="2022-02-08T01:22:41.285" v="816" actId="790"/>
+          <ac:spMkLst>
+            <pc:docMk/>
+            <pc:sldMk cId="2596496189" sldId="261"/>
+            <ac:spMk id="20" creationId="{9497121D-519F-452D-8FE3-80AF7C709B89}"/>
+          </ac:spMkLst>
+        </pc:spChg>
+        <pc:spChg chg="mod">
+          <ac:chgData name="Cesar Leonardo Valério" userId="3d004e56-081b-4c50-ad04-7d32b37ec791" providerId="ADAL" clId="{6240CF39-120C-40EF-B192-CCE5A8A1023B}" dt="2022-02-08T01:21:11.011" v="814"/>
+          <ac:spMkLst>
+            <pc:docMk/>
+            <pc:sldMk cId="2596496189" sldId="261"/>
+            <ac:spMk id="21" creationId="{E5840FED-3F3D-4DD4-B6C7-B6A764EC6369}"/>
+          </ac:spMkLst>
+        </pc:spChg>
+        <pc:spChg chg="mod">
+          <ac:chgData name="Cesar Leonardo Valério" userId="3d004e56-081b-4c50-ad04-7d32b37ec791" providerId="ADAL" clId="{6240CF39-120C-40EF-B192-CCE5A8A1023B}" dt="2022-02-08T01:19:39.441" v="808" actId="1076"/>
+          <ac:spMkLst>
+            <pc:docMk/>
+            <pc:sldMk cId="2596496189" sldId="261"/>
+            <ac:spMk id="22" creationId="{42CA5F21-1318-47B3-928A-892D37EEF532}"/>
+          </ac:spMkLst>
+        </pc:spChg>
+        <pc:spChg chg="mod">
+          <ac:chgData name="Cesar Leonardo Valério" userId="3d004e56-081b-4c50-ad04-7d32b37ec791" providerId="ADAL" clId="{6240CF39-120C-40EF-B192-CCE5A8A1023B}" dt="2022-02-08T01:19:39.441" v="808" actId="1076"/>
+          <ac:spMkLst>
+            <pc:docMk/>
+            <pc:sldMk cId="2596496189" sldId="261"/>
+            <ac:spMk id="23" creationId="{C526F3CB-4E6B-4F1A-83C4-098DA07D5FFF}"/>
+          </ac:spMkLst>
+        </pc:spChg>
+        <pc:spChg chg="mod">
+          <ac:chgData name="Cesar Leonardo Valério" userId="3d004e56-081b-4c50-ad04-7d32b37ec791" providerId="ADAL" clId="{6240CF39-120C-40EF-B192-CCE5A8A1023B}" dt="2022-02-08T01:22:32.572" v="815" actId="790"/>
+          <ac:spMkLst>
+            <pc:docMk/>
+            <pc:sldMk cId="2596496189" sldId="261"/>
+            <ac:spMk id="24" creationId="{9CEEADA0-149D-44C7-8DF5-065812599296}"/>
+          </ac:spMkLst>
+        </pc:spChg>
+        <pc:spChg chg="mod">
+          <ac:chgData name="Cesar Leonardo Valério" userId="3d004e56-081b-4c50-ad04-7d32b37ec791" providerId="ADAL" clId="{6240CF39-120C-40EF-B192-CCE5A8A1023B}" dt="2022-02-08T01:19:39.441" v="808" actId="1076"/>
+          <ac:spMkLst>
+            <pc:docMk/>
+            <pc:sldMk cId="2596496189" sldId="261"/>
+            <ac:spMk id="25" creationId="{4A551D6E-ABDF-4D70-A7FA-91C10B61E484}"/>
+          </ac:spMkLst>
+        </pc:spChg>
+      </pc:sldChg>
     </pc:docChg>
   </pc:docChgLst>
 </pc:chgInfo>
@@ -641,7 +825,7 @@
           <a:p>
             <a:fld id="{540F9317-570E-40E7-A5BF-9938F93D8A58}" type="datetimeFigureOut">
               <a:rPr lang="pt-BR" smtClean="0"/>
-              <a:t>01/02/2022</a:t>
+              <a:t>07/02/2022</a:t>
             </a:fld>
             <a:endParaRPr lang="pt-BR"/>
           </a:p>
@@ -1055,7 +1239,7 @@
           <a:p>
             <a:fld id="{0D81E6F8-D532-4EF5-BB9C-8608CE0931E2}" type="datetimeFigureOut">
               <a:rPr lang="pt-BR" smtClean="0"/>
-              <a:t>01/02/2022</a:t>
+              <a:t>07/02/2022</a:t>
             </a:fld>
             <a:endParaRPr lang="pt-BR"/>
           </a:p>
@@ -1253,7 +1437,7 @@
           <a:p>
             <a:fld id="{0D81E6F8-D532-4EF5-BB9C-8608CE0931E2}" type="datetimeFigureOut">
               <a:rPr lang="pt-BR" smtClean="0"/>
-              <a:t>01/02/2022</a:t>
+              <a:t>07/02/2022</a:t>
             </a:fld>
             <a:endParaRPr lang="pt-BR"/>
           </a:p>
@@ -1461,7 +1645,7 @@
           <a:p>
             <a:fld id="{0D81E6F8-D532-4EF5-BB9C-8608CE0931E2}" type="datetimeFigureOut">
               <a:rPr lang="pt-BR" smtClean="0"/>
-              <a:t>01/02/2022</a:t>
+              <a:t>07/02/2022</a:t>
             </a:fld>
             <a:endParaRPr lang="pt-BR"/>
           </a:p>
@@ -1659,7 +1843,7 @@
           <a:p>
             <a:fld id="{0D81E6F8-D532-4EF5-BB9C-8608CE0931E2}" type="datetimeFigureOut">
               <a:rPr lang="pt-BR" smtClean="0"/>
-              <a:t>01/02/2022</a:t>
+              <a:t>07/02/2022</a:t>
             </a:fld>
             <a:endParaRPr lang="pt-BR"/>
           </a:p>
@@ -1934,7 +2118,7 @@
           <a:p>
             <a:fld id="{0D81E6F8-D532-4EF5-BB9C-8608CE0931E2}" type="datetimeFigureOut">
               <a:rPr lang="pt-BR" smtClean="0"/>
-              <a:t>01/02/2022</a:t>
+              <a:t>07/02/2022</a:t>
             </a:fld>
             <a:endParaRPr lang="pt-BR"/>
           </a:p>
@@ -2199,7 +2383,7 @@
           <a:p>
             <a:fld id="{0D81E6F8-D532-4EF5-BB9C-8608CE0931E2}" type="datetimeFigureOut">
               <a:rPr lang="pt-BR" smtClean="0"/>
-              <a:t>01/02/2022</a:t>
+              <a:t>07/02/2022</a:t>
             </a:fld>
             <a:endParaRPr lang="pt-BR"/>
           </a:p>
@@ -2611,7 +2795,7 @@
           <a:p>
             <a:fld id="{0D81E6F8-D532-4EF5-BB9C-8608CE0931E2}" type="datetimeFigureOut">
               <a:rPr lang="pt-BR" smtClean="0"/>
-              <a:t>01/02/2022</a:t>
+              <a:t>07/02/2022</a:t>
             </a:fld>
             <a:endParaRPr lang="pt-BR"/>
           </a:p>
@@ -2752,7 +2936,7 @@
           <a:p>
             <a:fld id="{0D81E6F8-D532-4EF5-BB9C-8608CE0931E2}" type="datetimeFigureOut">
               <a:rPr lang="pt-BR" smtClean="0"/>
-              <a:t>01/02/2022</a:t>
+              <a:t>07/02/2022</a:t>
             </a:fld>
             <a:endParaRPr lang="pt-BR"/>
           </a:p>
@@ -2865,7 +3049,7 @@
           <a:p>
             <a:fld id="{0D81E6F8-D532-4EF5-BB9C-8608CE0931E2}" type="datetimeFigureOut">
               <a:rPr lang="pt-BR" smtClean="0"/>
-              <a:t>01/02/2022</a:t>
+              <a:t>07/02/2022</a:t>
             </a:fld>
             <a:endParaRPr lang="pt-BR"/>
           </a:p>
@@ -3176,7 +3360,7 @@
           <a:p>
             <a:fld id="{0D81E6F8-D532-4EF5-BB9C-8608CE0931E2}" type="datetimeFigureOut">
               <a:rPr lang="pt-BR" smtClean="0"/>
-              <a:t>01/02/2022</a:t>
+              <a:t>07/02/2022</a:t>
             </a:fld>
             <a:endParaRPr lang="pt-BR"/>
           </a:p>
@@ -3464,7 +3648,7 @@
           <a:p>
             <a:fld id="{0D81E6F8-D532-4EF5-BB9C-8608CE0931E2}" type="datetimeFigureOut">
               <a:rPr lang="pt-BR" smtClean="0"/>
-              <a:t>01/02/2022</a:t>
+              <a:t>07/02/2022</a:t>
             </a:fld>
             <a:endParaRPr lang="pt-BR"/>
           </a:p>
@@ -3705,7 +3889,7 @@
           <a:p>
             <a:fld id="{0D81E6F8-D532-4EF5-BB9C-8608CE0931E2}" type="datetimeFigureOut">
               <a:rPr lang="pt-BR" smtClean="0"/>
-              <a:t>01/02/2022</a:t>
+              <a:t>07/02/2022</a:t>
             </a:fld>
             <a:endParaRPr lang="pt-BR"/>
           </a:p>
@@ -4122,47 +4306,6 @@
           <a:chExt cx="0" cy="0"/>
         </a:xfrm>
       </p:grpSpPr>
-      <p:pic>
-        <p:nvPicPr>
-          <p:cNvPr id="8" name="Imagem 7">
-            <a:extLst>
-              <a:ext uri="{FF2B5EF4-FFF2-40B4-BE49-F238E27FC236}">
-                <a16:creationId xmlns:a16="http://schemas.microsoft.com/office/drawing/2014/main" id="{4F71174E-105C-4BC3-B2B4-5894975AD7C2}"/>
-              </a:ext>
-            </a:extLst>
-          </p:cNvPr>
-          <p:cNvPicPr>
-            <a:picLocks noChangeAspect="1"/>
-          </p:cNvPicPr>
-          <p:nvPr/>
-        </p:nvPicPr>
-        <p:blipFill>
-          <a:blip r:embed="rId2" cstate="print">
-            <a:extLst>
-              <a:ext uri="{28A0092B-C50C-407E-A947-70E740481C1C}">
-                <a14:useLocalDpi xmlns:a14="http://schemas.microsoft.com/office/drawing/2010/main" val="0"/>
-              </a:ext>
-            </a:extLst>
-          </a:blip>
-          <a:srcRect/>
-          <a:stretch>
-            <a:fillRect/>
-          </a:stretch>
-        </p:blipFill>
-        <p:spPr bwMode="auto">
-          <a:xfrm>
-            <a:off x="534959" y="1732875"/>
-            <a:ext cx="5065741" cy="3936405"/>
-          </a:xfrm>
-          <a:prstGeom prst="rect">
-            <a:avLst/>
-          </a:prstGeom>
-          <a:noFill/>
-          <a:ln>
-            <a:noFill/>
-          </a:ln>
-        </p:spPr>
-      </p:pic>
       <p:cxnSp>
         <p:nvCxnSpPr>
           <p:cNvPr id="3" name="Conector reto 2">
@@ -4236,11 +4379,174 @@
           <a:p>
             <a:r>
               <a:rPr lang="pt-BR" sz="2800" dirty="0"/>
-              <a:t>Processo atual</a:t>
-            </a:r>
-          </a:p>
-        </p:txBody>
-      </p:sp>
+              <a:t>Processo Atual</a:t>
+            </a:r>
+          </a:p>
+        </p:txBody>
+      </p:sp>
+      <p:grpSp>
+        <p:nvGrpSpPr>
+          <p:cNvPr id="2" name="Agrupar 1">
+            <a:extLst>
+              <a:ext uri="{FF2B5EF4-FFF2-40B4-BE49-F238E27FC236}">
+                <a16:creationId xmlns:a16="http://schemas.microsoft.com/office/drawing/2014/main" id="{7F091835-A2E3-4DFB-BAE7-9A39BAEA7395}"/>
+              </a:ext>
+            </a:extLst>
+          </p:cNvPr>
+          <p:cNvGrpSpPr/>
+          <p:nvPr/>
+        </p:nvGrpSpPr>
+        <p:grpSpPr>
+          <a:xfrm>
+            <a:off x="3439304" y="1744305"/>
+            <a:ext cx="5065741" cy="3936405"/>
+            <a:chOff x="3439304" y="1744305"/>
+            <a:chExt cx="5065741" cy="3936405"/>
+          </a:xfrm>
+        </p:grpSpPr>
+        <p:pic>
+          <p:nvPicPr>
+            <p:cNvPr id="8" name="Imagem 7">
+              <a:extLst>
+                <a:ext uri="{FF2B5EF4-FFF2-40B4-BE49-F238E27FC236}">
+                  <a16:creationId xmlns:a16="http://schemas.microsoft.com/office/drawing/2014/main" id="{4F71174E-105C-4BC3-B2B4-5894975AD7C2}"/>
+                </a:ext>
+              </a:extLst>
+            </p:cNvPr>
+            <p:cNvPicPr>
+              <a:picLocks noChangeAspect="1"/>
+            </p:cNvPicPr>
+            <p:nvPr/>
+          </p:nvPicPr>
+          <p:blipFill>
+            <a:blip r:embed="rId2" cstate="print">
+              <a:extLst>
+                <a:ext uri="{28A0092B-C50C-407E-A947-70E740481C1C}">
+                  <a14:useLocalDpi xmlns:a14="http://schemas.microsoft.com/office/drawing/2010/main" val="0"/>
+                </a:ext>
+              </a:extLst>
+            </a:blip>
+            <a:srcRect/>
+            <a:stretch>
+              <a:fillRect/>
+            </a:stretch>
+          </p:blipFill>
+          <p:spPr bwMode="auto">
+            <a:xfrm>
+              <a:off x="3439304" y="1744305"/>
+              <a:ext cx="5065741" cy="3936405"/>
+            </a:xfrm>
+            <a:prstGeom prst="rect">
+              <a:avLst/>
+            </a:prstGeom>
+            <a:noFill/>
+            <a:ln>
+              <a:noFill/>
+            </a:ln>
+          </p:spPr>
+        </p:pic>
+        <p:sp>
+          <p:nvSpPr>
+            <p:cNvPr id="6" name="Retângulo 5">
+              <a:extLst>
+                <a:ext uri="{FF2B5EF4-FFF2-40B4-BE49-F238E27FC236}">
+                  <a16:creationId xmlns:a16="http://schemas.microsoft.com/office/drawing/2014/main" id="{798DD511-1B3D-4DB7-B23D-0B4400A0B351}"/>
+                </a:ext>
+              </a:extLst>
+            </p:cNvPr>
+            <p:cNvSpPr/>
+            <p:nvPr/>
+          </p:nvSpPr>
+          <p:spPr>
+            <a:xfrm>
+              <a:off x="3439304" y="3553712"/>
+              <a:ext cx="960120" cy="710693"/>
+            </a:xfrm>
+            <a:prstGeom prst="rect">
+              <a:avLst/>
+            </a:prstGeom>
+            <a:solidFill>
+              <a:schemeClr val="bg1"/>
+            </a:solidFill>
+            <a:ln>
+              <a:solidFill>
+                <a:schemeClr val="bg1"/>
+              </a:solidFill>
+            </a:ln>
+          </p:spPr>
+          <p:style>
+            <a:lnRef idx="2">
+              <a:schemeClr val="accent1">
+                <a:shade val="50000"/>
+              </a:schemeClr>
+            </a:lnRef>
+            <a:fillRef idx="1">
+              <a:schemeClr val="accent1"/>
+            </a:fillRef>
+            <a:effectRef idx="0">
+              <a:schemeClr val="accent1"/>
+            </a:effectRef>
+            <a:fontRef idx="minor">
+              <a:schemeClr val="lt1"/>
+            </a:fontRef>
+          </p:style>
+          <p:txBody>
+            <a:bodyPr rtlCol="0" anchor="ctr"/>
+            <a:lstStyle/>
+            <a:p>
+              <a:pPr algn="ctr"/>
+              <a:endParaRPr lang="pt-BR"/>
+            </a:p>
+          </p:txBody>
+        </p:sp>
+        <p:pic>
+          <p:nvPicPr>
+            <p:cNvPr id="7" name="Picture 4" descr="Filetype JPG Icon - PNG,ICO,ICNS Download">
+              <a:extLst>
+                <a:ext uri="{FF2B5EF4-FFF2-40B4-BE49-F238E27FC236}">
+                  <a16:creationId xmlns:a16="http://schemas.microsoft.com/office/drawing/2014/main" id="{4C4B847F-526F-4DEE-A1ED-1DD1CAC475D0}"/>
+                </a:ext>
+              </a:extLst>
+            </p:cNvPr>
+            <p:cNvPicPr>
+              <a:picLocks noChangeAspect="1" noChangeArrowheads="1"/>
+            </p:cNvPicPr>
+            <p:nvPr/>
+          </p:nvPicPr>
+          <p:blipFill>
+            <a:blip r:embed="rId3">
+              <a:extLst>
+                <a:ext uri="{28A0092B-C50C-407E-A947-70E740481C1C}">
+                  <a14:useLocalDpi xmlns:a14="http://schemas.microsoft.com/office/drawing/2010/main" val="0"/>
+                </a:ext>
+              </a:extLst>
+            </a:blip>
+            <a:srcRect/>
+            <a:stretch>
+              <a:fillRect/>
+            </a:stretch>
+          </p:blipFill>
+          <p:spPr bwMode="auto">
+            <a:xfrm>
+              <a:off x="3661554" y="3516375"/>
+              <a:ext cx="748030" cy="748030"/>
+            </a:xfrm>
+            <a:prstGeom prst="rect">
+              <a:avLst/>
+            </a:prstGeom>
+            <a:noFill/>
+            <a:extLst>
+              <a:ext uri="{909E8E84-426E-40DD-AFC4-6F175D3DCCD1}">
+                <a14:hiddenFill xmlns:a14="http://schemas.microsoft.com/office/drawing/2010/main">
+                  <a:solidFill>
+                    <a:srgbClr val="FFFFFF"/>
+                  </a:solidFill>
+                </a14:hiddenFill>
+              </a:ext>
+            </a:extLst>
+          </p:spPr>
+        </p:pic>
+      </p:grpSp>
     </p:spTree>
     <p:extLst>
       <p:ext uri="{BB962C8B-B14F-4D97-AF65-F5344CB8AC3E}">
@@ -4271,47 +4577,6 @@
           <a:chExt cx="0" cy="0"/>
         </a:xfrm>
       </p:grpSpPr>
-      <p:pic>
-        <p:nvPicPr>
-          <p:cNvPr id="5" name="Imagem 4" descr="Diagrama&#10;&#10;Descrição gerada automaticamente">
-            <a:extLst>
-              <a:ext uri="{FF2B5EF4-FFF2-40B4-BE49-F238E27FC236}">
-                <a16:creationId xmlns:a16="http://schemas.microsoft.com/office/drawing/2014/main" id="{A7ED856F-D6D9-4DFA-A946-BDEA1AFAECE6}"/>
-              </a:ext>
-            </a:extLst>
-          </p:cNvPr>
-          <p:cNvPicPr>
-            <a:picLocks noChangeAspect="1"/>
-          </p:cNvPicPr>
-          <p:nvPr/>
-        </p:nvPicPr>
-        <p:blipFill>
-          <a:blip r:embed="rId2" cstate="print">
-            <a:extLst>
-              <a:ext uri="{28A0092B-C50C-407E-A947-70E740481C1C}">
-                <a14:useLocalDpi xmlns:a14="http://schemas.microsoft.com/office/drawing/2010/main" val="0"/>
-              </a:ext>
-            </a:extLst>
-          </a:blip>
-          <a:srcRect/>
-          <a:stretch>
-            <a:fillRect/>
-          </a:stretch>
-        </p:blipFill>
-        <p:spPr bwMode="auto">
-          <a:xfrm>
-            <a:off x="469900" y="1243836"/>
-            <a:ext cx="5207000" cy="4370327"/>
-          </a:xfrm>
-          <a:prstGeom prst="rect">
-            <a:avLst/>
-          </a:prstGeom>
-          <a:noFill/>
-          <a:ln>
-            <a:noFill/>
-          </a:ln>
-        </p:spPr>
-      </p:pic>
       <p:cxnSp>
         <p:nvCxnSpPr>
           <p:cNvPr id="3" name="Conector reto 2">
@@ -4385,11 +4650,275 @@
           <a:p>
             <a:r>
               <a:rPr lang="pt-BR" sz="2800" dirty="0"/>
-              <a:t>Processo proposto</a:t>
-            </a:r>
-          </a:p>
-        </p:txBody>
-      </p:sp>
+              <a:t>Processo Proposto</a:t>
+            </a:r>
+          </a:p>
+        </p:txBody>
+      </p:sp>
+      <p:grpSp>
+        <p:nvGrpSpPr>
+          <p:cNvPr id="7" name="Agrupar 6">
+            <a:extLst>
+              <a:ext uri="{FF2B5EF4-FFF2-40B4-BE49-F238E27FC236}">
+                <a16:creationId xmlns:a16="http://schemas.microsoft.com/office/drawing/2014/main" id="{6BA90615-96D4-41B9-B9B3-B1B078B642AC}"/>
+              </a:ext>
+            </a:extLst>
+          </p:cNvPr>
+          <p:cNvGrpSpPr/>
+          <p:nvPr/>
+        </p:nvGrpSpPr>
+        <p:grpSpPr>
+          <a:xfrm>
+            <a:off x="3602990" y="1243836"/>
+            <a:ext cx="5207000" cy="4479800"/>
+            <a:chOff x="3602990" y="1243836"/>
+            <a:chExt cx="5207000" cy="4479800"/>
+          </a:xfrm>
+        </p:grpSpPr>
+        <p:pic>
+          <p:nvPicPr>
+            <p:cNvPr id="5" name="Imagem 4" descr="Diagrama&#10;&#10;Descrição gerada automaticamente">
+              <a:extLst>
+                <a:ext uri="{FF2B5EF4-FFF2-40B4-BE49-F238E27FC236}">
+                  <a16:creationId xmlns:a16="http://schemas.microsoft.com/office/drawing/2014/main" id="{A7ED856F-D6D9-4DFA-A946-BDEA1AFAECE6}"/>
+                </a:ext>
+              </a:extLst>
+            </p:cNvPr>
+            <p:cNvPicPr>
+              <a:picLocks noChangeAspect="1"/>
+            </p:cNvPicPr>
+            <p:nvPr/>
+          </p:nvPicPr>
+          <p:blipFill>
+            <a:blip r:embed="rId2" cstate="print">
+              <a:extLst>
+                <a:ext uri="{28A0092B-C50C-407E-A947-70E740481C1C}">
+                  <a14:useLocalDpi xmlns:a14="http://schemas.microsoft.com/office/drawing/2010/main" val="0"/>
+                </a:ext>
+              </a:extLst>
+            </a:blip>
+            <a:srcRect/>
+            <a:stretch>
+              <a:fillRect/>
+            </a:stretch>
+          </p:blipFill>
+          <p:spPr bwMode="auto">
+            <a:xfrm>
+              <a:off x="3602990" y="1243836"/>
+              <a:ext cx="5207000" cy="4370327"/>
+            </a:xfrm>
+            <a:prstGeom prst="rect">
+              <a:avLst/>
+            </a:prstGeom>
+            <a:noFill/>
+            <a:ln>
+              <a:noFill/>
+            </a:ln>
+          </p:spPr>
+        </p:pic>
+        <p:sp>
+          <p:nvSpPr>
+            <p:cNvPr id="6" name="Retângulo 5">
+              <a:extLst>
+                <a:ext uri="{FF2B5EF4-FFF2-40B4-BE49-F238E27FC236}">
+                  <a16:creationId xmlns:a16="http://schemas.microsoft.com/office/drawing/2014/main" id="{4AE87B47-9170-40EF-B3BA-9461D7A9681C}"/>
+                </a:ext>
+              </a:extLst>
+            </p:cNvPr>
+            <p:cNvSpPr/>
+            <p:nvPr/>
+          </p:nvSpPr>
+          <p:spPr>
+            <a:xfrm>
+              <a:off x="3760470" y="4903470"/>
+              <a:ext cx="960120" cy="710693"/>
+            </a:xfrm>
+            <a:prstGeom prst="rect">
+              <a:avLst/>
+            </a:prstGeom>
+            <a:solidFill>
+              <a:schemeClr val="bg1"/>
+            </a:solidFill>
+            <a:ln>
+              <a:solidFill>
+                <a:schemeClr val="bg1"/>
+              </a:solidFill>
+            </a:ln>
+          </p:spPr>
+          <p:style>
+            <a:lnRef idx="2">
+              <a:schemeClr val="accent1">
+                <a:shade val="50000"/>
+              </a:schemeClr>
+            </a:lnRef>
+            <a:fillRef idx="1">
+              <a:schemeClr val="accent1"/>
+            </a:fillRef>
+            <a:effectRef idx="0">
+              <a:schemeClr val="accent1"/>
+            </a:effectRef>
+            <a:fontRef idx="minor">
+              <a:schemeClr val="lt1"/>
+            </a:fontRef>
+          </p:style>
+          <p:txBody>
+            <a:bodyPr rtlCol="0" anchor="ctr"/>
+            <a:lstStyle/>
+            <a:p>
+              <a:pPr algn="ctr"/>
+              <a:endParaRPr lang="pt-BR"/>
+            </a:p>
+          </p:txBody>
+        </p:sp>
+        <p:pic>
+          <p:nvPicPr>
+            <p:cNvPr id="1026" name="Picture 2" descr="Txt file Icon - Download in Colored Outline Style">
+              <a:extLst>
+                <a:ext uri="{FF2B5EF4-FFF2-40B4-BE49-F238E27FC236}">
+                  <a16:creationId xmlns:a16="http://schemas.microsoft.com/office/drawing/2014/main" id="{445C0598-ED17-4B8F-9F6F-E11836C80504}"/>
+                </a:ext>
+              </a:extLst>
+            </p:cNvPr>
+            <p:cNvPicPr>
+              <a:picLocks noChangeAspect="1" noChangeArrowheads="1"/>
+            </p:cNvPicPr>
+            <p:nvPr/>
+          </p:nvPicPr>
+          <p:blipFill>
+            <a:blip r:embed="rId3">
+              <a:extLst>
+                <a:ext uri="{28A0092B-C50C-407E-A947-70E740481C1C}">
+                  <a14:useLocalDpi xmlns:a14="http://schemas.microsoft.com/office/drawing/2010/main" val="0"/>
+                </a:ext>
+              </a:extLst>
+            </a:blip>
+            <a:srcRect/>
+            <a:stretch>
+              <a:fillRect/>
+            </a:stretch>
+          </p:blipFill>
+          <p:spPr bwMode="auto">
+            <a:xfrm>
+              <a:off x="3825240" y="4893056"/>
+              <a:ext cx="830580" cy="830580"/>
+            </a:xfrm>
+            <a:prstGeom prst="rect">
+              <a:avLst/>
+            </a:prstGeom>
+            <a:noFill/>
+            <a:extLst>
+              <a:ext uri="{909E8E84-426E-40DD-AFC4-6F175D3DCCD1}">
+                <a14:hiddenFill xmlns:a14="http://schemas.microsoft.com/office/drawing/2010/main">
+                  <a:solidFill>
+                    <a:srgbClr val="FFFFFF"/>
+                  </a:solidFill>
+                </a14:hiddenFill>
+              </a:ext>
+            </a:extLst>
+          </p:spPr>
+        </p:pic>
+        <p:sp>
+          <p:nvSpPr>
+            <p:cNvPr id="8" name="Retângulo 7">
+              <a:extLst>
+                <a:ext uri="{FF2B5EF4-FFF2-40B4-BE49-F238E27FC236}">
+                  <a16:creationId xmlns:a16="http://schemas.microsoft.com/office/drawing/2014/main" id="{B2B9D26E-D836-4843-8048-F16C74B1BA3A}"/>
+                </a:ext>
+              </a:extLst>
+            </p:cNvPr>
+            <p:cNvSpPr/>
+            <p:nvPr/>
+          </p:nvSpPr>
+          <p:spPr>
+            <a:xfrm>
+              <a:off x="3602990" y="3073652"/>
+              <a:ext cx="960120" cy="710693"/>
+            </a:xfrm>
+            <a:prstGeom prst="rect">
+              <a:avLst/>
+            </a:prstGeom>
+            <a:solidFill>
+              <a:schemeClr val="bg1"/>
+            </a:solidFill>
+            <a:ln>
+              <a:solidFill>
+                <a:schemeClr val="bg1"/>
+              </a:solidFill>
+            </a:ln>
+          </p:spPr>
+          <p:style>
+            <a:lnRef idx="2">
+              <a:schemeClr val="accent1">
+                <a:shade val="50000"/>
+              </a:schemeClr>
+            </a:lnRef>
+            <a:fillRef idx="1">
+              <a:schemeClr val="accent1"/>
+            </a:fillRef>
+            <a:effectRef idx="0">
+              <a:schemeClr val="accent1"/>
+            </a:effectRef>
+            <a:fontRef idx="minor">
+              <a:schemeClr val="lt1"/>
+            </a:fontRef>
+          </p:style>
+          <p:txBody>
+            <a:bodyPr rtlCol="0" anchor="ctr"/>
+            <a:lstStyle/>
+            <a:p>
+              <a:pPr algn="ctr"/>
+              <a:endParaRPr lang="pt-BR"/>
+            </a:p>
+          </p:txBody>
+        </p:sp>
+        <p:pic>
+          <p:nvPicPr>
+            <p:cNvPr id="1028" name="Picture 4" descr="Filetype JPG Icon - PNG,ICO,ICNS Download">
+              <a:extLst>
+                <a:ext uri="{FF2B5EF4-FFF2-40B4-BE49-F238E27FC236}">
+                  <a16:creationId xmlns:a16="http://schemas.microsoft.com/office/drawing/2014/main" id="{F67B4A3F-874A-4B8B-94A8-089FE0F9E0A7}"/>
+                </a:ext>
+              </a:extLst>
+            </p:cNvPr>
+            <p:cNvPicPr>
+              <a:picLocks noChangeAspect="1" noChangeArrowheads="1"/>
+            </p:cNvPicPr>
+            <p:nvPr/>
+          </p:nvPicPr>
+          <p:blipFill>
+            <a:blip r:embed="rId4">
+              <a:extLst>
+                <a:ext uri="{28A0092B-C50C-407E-A947-70E740481C1C}">
+                  <a14:useLocalDpi xmlns:a14="http://schemas.microsoft.com/office/drawing/2010/main" val="0"/>
+                </a:ext>
+              </a:extLst>
+            </a:blip>
+            <a:srcRect/>
+            <a:stretch>
+              <a:fillRect/>
+            </a:stretch>
+          </p:blipFill>
+          <p:spPr bwMode="auto">
+            <a:xfrm>
+              <a:off x="3825240" y="3036315"/>
+              <a:ext cx="748030" cy="748030"/>
+            </a:xfrm>
+            <a:prstGeom prst="rect">
+              <a:avLst/>
+            </a:prstGeom>
+            <a:noFill/>
+            <a:extLst>
+              <a:ext uri="{909E8E84-426E-40DD-AFC4-6F175D3DCCD1}">
+                <a14:hiddenFill xmlns:a14="http://schemas.microsoft.com/office/drawing/2010/main">
+                  <a:solidFill>
+                    <a:srgbClr val="FFFFFF"/>
+                  </a:solidFill>
+                </a14:hiddenFill>
+              </a:ext>
+            </a:extLst>
+          </p:spPr>
+        </p:pic>
+      </p:grpSp>
     </p:spTree>
     <p:extLst>
       <p:ext uri="{BB962C8B-B14F-4D97-AF65-F5344CB8AC3E}">
@@ -5787,7 +6316,7 @@
 </file>
 
 <file path=ppt/slides/slide5.xml><?xml version="1.0" encoding="utf-8"?>
-<p:sld xmlns:a="http://schemas.openxmlformats.org/drawingml/2006/main" xmlns:r="http://schemas.openxmlformats.org/officeDocument/2006/relationships" xmlns:p="http://schemas.openxmlformats.org/presentationml/2006/main">
+<p:sld xmlns:a="http://schemas.openxmlformats.org/drawingml/2006/main" xmlns:r="http://schemas.openxmlformats.org/officeDocument/2006/relationships" xmlns:p="http://schemas.openxmlformats.org/presentationml/2006/main" show="0">
   <p:cSld>
     <p:spTree>
       <p:nvGrpSpPr>
@@ -6090,7 +6619,7 @@
         <p:spPr>
           <a:xfrm>
             <a:off x="150691" y="1877692"/>
-            <a:ext cx="3662681" cy="1200329"/>
+            <a:ext cx="3662681" cy="646331"/>
           </a:xfrm>
           <a:prstGeom prst="rect">
             <a:avLst/>
@@ -6109,22 +6638,8 @@
             </a:pPr>
             <a:r>
               <a:rPr lang="en-US" dirty="0"/>
-              <a:t>A</a:t>
-            </a:r>
-          </a:p>
-          <a:p>
-            <a:pPr marL="342900" indent="-342900">
-              <a:buFont typeface="+mj-lt"/>
-              <a:buAutoNum type="arabicPeriod"/>
-            </a:pPr>
-            <a:endParaRPr lang="en-US" dirty="0"/>
-          </a:p>
-          <a:p>
-            <a:pPr marL="342900" indent="-342900">
-              <a:buFont typeface="+mj-lt"/>
-              <a:buAutoNum type="arabicPeriod"/>
-            </a:pPr>
-            <a:endParaRPr lang="en-US" dirty="0"/>
+              <a:t> </a:t>
+            </a:r>
           </a:p>
           <a:p>
             <a:pPr marL="342900" indent="-342900">
@@ -6597,6 +7112,604 @@
     <p:extLst>
       <p:ext uri="{BB962C8B-B14F-4D97-AF65-F5344CB8AC3E}">
         <p14:creationId xmlns:p14="http://schemas.microsoft.com/office/powerpoint/2010/main" val="1735219801"/>
+      </p:ext>
+    </p:extLst>
+  </p:cSld>
+  <p:clrMapOvr>
+    <a:masterClrMapping/>
+  </p:clrMapOvr>
+</p:sld>
+</file>
+
+<file path=ppt/slides/slide6.xml><?xml version="1.0" encoding="utf-8"?>
+<p:sld xmlns:a="http://schemas.openxmlformats.org/drawingml/2006/main" xmlns:r="http://schemas.openxmlformats.org/officeDocument/2006/relationships" xmlns:p="http://schemas.openxmlformats.org/presentationml/2006/main">
+  <p:cSld>
+    <p:spTree>
+      <p:nvGrpSpPr>
+        <p:cNvPr id="1" name=""/>
+        <p:cNvGrpSpPr/>
+        <p:nvPr/>
+      </p:nvGrpSpPr>
+      <p:grpSpPr>
+        <a:xfrm>
+          <a:off x="0" y="0"/>
+          <a:ext cx="0" cy="0"/>
+          <a:chOff x="0" y="0"/>
+          <a:chExt cx="0" cy="0"/>
+        </a:xfrm>
+      </p:grpSpPr>
+      <p:sp>
+        <p:nvSpPr>
+          <p:cNvPr id="5" name="CaixaDeTexto 4">
+            <a:extLst>
+              <a:ext uri="{FF2B5EF4-FFF2-40B4-BE49-F238E27FC236}">
+                <a16:creationId xmlns:a16="http://schemas.microsoft.com/office/drawing/2014/main" id="{A9657BD1-C898-4E03-A96F-1DC83627EA57}"/>
+              </a:ext>
+            </a:extLst>
+          </p:cNvPr>
+          <p:cNvSpPr txBox="1"/>
+          <p:nvPr/>
+        </p:nvSpPr>
+        <p:spPr>
+          <a:xfrm>
+            <a:off x="7084879" y="1327394"/>
+            <a:ext cx="1821909" cy="369332"/>
+          </a:xfrm>
+          <a:prstGeom prst="rect">
+            <a:avLst/>
+          </a:prstGeom>
+          <a:noFill/>
+        </p:spPr>
+        <p:txBody>
+          <a:bodyPr wrap="none" rtlCol="0">
+            <a:spAutoFit/>
+          </a:bodyPr>
+          <a:lstStyle/>
+          <a:p>
+            <a:r>
+              <a:rPr lang="pt-BR" b="1" u="sng" dirty="0"/>
+              <a:t>Próximos passos:</a:t>
+            </a:r>
+          </a:p>
+        </p:txBody>
+      </p:sp>
+      <p:sp>
+        <p:nvSpPr>
+          <p:cNvPr id="8" name="CaixaDeTexto 7">
+            <a:extLst>
+              <a:ext uri="{FF2B5EF4-FFF2-40B4-BE49-F238E27FC236}">
+                <a16:creationId xmlns:a16="http://schemas.microsoft.com/office/drawing/2014/main" id="{7E51A5FE-6B0C-42E7-92E4-84280E482E3B}"/>
+              </a:ext>
+            </a:extLst>
+          </p:cNvPr>
+          <p:cNvSpPr txBox="1"/>
+          <p:nvPr/>
+        </p:nvSpPr>
+        <p:spPr>
+          <a:xfrm>
+            <a:off x="6709410" y="1384300"/>
+            <a:ext cx="3423922" cy="646331"/>
+          </a:xfrm>
+          <a:prstGeom prst="rect">
+            <a:avLst/>
+          </a:prstGeom>
+          <a:noFill/>
+        </p:spPr>
+        <p:txBody>
+          <a:bodyPr wrap="square" rtlCol="0">
+            <a:spAutoFit/>
+          </a:bodyPr>
+          <a:lstStyle/>
+          <a:p>
+            <a:pPr marL="342900" indent="-342900">
+              <a:buFont typeface="+mj-lt"/>
+              <a:buAutoNum type="arabicPeriod"/>
+            </a:pPr>
+            <a:endParaRPr lang="pt-BR" dirty="0"/>
+          </a:p>
+          <a:p>
+            <a:endParaRPr lang="pt-BR" dirty="0"/>
+          </a:p>
+        </p:txBody>
+      </p:sp>
+      <p:cxnSp>
+        <p:nvCxnSpPr>
+          <p:cNvPr id="6" name="Conector reto 5">
+            <a:extLst>
+              <a:ext uri="{FF2B5EF4-FFF2-40B4-BE49-F238E27FC236}">
+                <a16:creationId xmlns:a16="http://schemas.microsoft.com/office/drawing/2014/main" id="{D0BC42B9-D839-4884-8A0E-F125EFF38DC7}"/>
+              </a:ext>
+            </a:extLst>
+          </p:cNvPr>
+          <p:cNvCxnSpPr>
+            <a:cxnSpLocks/>
+          </p:cNvCxnSpPr>
+          <p:nvPr/>
+        </p:nvCxnSpPr>
+        <p:spPr>
+          <a:xfrm>
+            <a:off x="217170" y="708660"/>
+            <a:ext cx="11510010" cy="0"/>
+          </a:xfrm>
+          <a:prstGeom prst="line">
+            <a:avLst/>
+          </a:prstGeom>
+          <a:ln>
+            <a:solidFill>
+              <a:srgbClr val="FF0000"/>
+            </a:solidFill>
+          </a:ln>
+        </p:spPr>
+        <p:style>
+          <a:lnRef idx="1">
+            <a:schemeClr val="accent1"/>
+          </a:lnRef>
+          <a:fillRef idx="0">
+            <a:schemeClr val="accent1"/>
+          </a:fillRef>
+          <a:effectRef idx="0">
+            <a:schemeClr val="accent1"/>
+          </a:effectRef>
+          <a:fontRef idx="minor">
+            <a:schemeClr val="tx1"/>
+          </a:fontRef>
+        </p:style>
+      </p:cxnSp>
+      <p:sp>
+        <p:nvSpPr>
+          <p:cNvPr id="9" name="CaixaDeTexto 8">
+            <a:extLst>
+              <a:ext uri="{FF2B5EF4-FFF2-40B4-BE49-F238E27FC236}">
+                <a16:creationId xmlns:a16="http://schemas.microsoft.com/office/drawing/2014/main" id="{618D6885-857B-47C6-BE8A-7189666DC82D}"/>
+              </a:ext>
+            </a:extLst>
+          </p:cNvPr>
+          <p:cNvSpPr txBox="1"/>
+          <p:nvPr/>
+        </p:nvSpPr>
+        <p:spPr>
+          <a:xfrm>
+            <a:off x="217170" y="148590"/>
+            <a:ext cx="5989320" cy="523220"/>
+          </a:xfrm>
+          <a:prstGeom prst="rect">
+            <a:avLst/>
+          </a:prstGeom>
+          <a:noFill/>
+        </p:spPr>
+        <p:txBody>
+          <a:bodyPr wrap="square" rtlCol="0">
+            <a:spAutoFit/>
+          </a:bodyPr>
+          <a:lstStyle/>
+          <a:p>
+            <a:r>
+              <a:rPr lang="pt-BR" sz="2800" dirty="0"/>
+              <a:t>Etapas do processo</a:t>
+            </a:r>
+          </a:p>
+        </p:txBody>
+      </p:sp>
+      <p:sp>
+        <p:nvSpPr>
+          <p:cNvPr id="19" name="Retângulo 18">
+            <a:extLst>
+              <a:ext uri="{FF2B5EF4-FFF2-40B4-BE49-F238E27FC236}">
+                <a16:creationId xmlns:a16="http://schemas.microsoft.com/office/drawing/2014/main" id="{7BFFED98-9D83-4C7B-A73F-D47091FCB0ED}"/>
+              </a:ext>
+            </a:extLst>
+          </p:cNvPr>
+          <p:cNvSpPr/>
+          <p:nvPr/>
+        </p:nvSpPr>
+        <p:spPr>
+          <a:xfrm>
+            <a:off x="1771739" y="1722853"/>
+            <a:ext cx="3662680" cy="4426487"/>
+          </a:xfrm>
+          <a:prstGeom prst="rect">
+            <a:avLst/>
+          </a:prstGeom>
+          <a:solidFill>
+            <a:schemeClr val="accent4">
+              <a:lumMod val="20000"/>
+              <a:lumOff val="80000"/>
+            </a:schemeClr>
+          </a:solidFill>
+        </p:spPr>
+        <p:style>
+          <a:lnRef idx="2">
+            <a:schemeClr val="accent1">
+              <a:shade val="50000"/>
+            </a:schemeClr>
+          </a:lnRef>
+          <a:fillRef idx="1">
+            <a:schemeClr val="accent1"/>
+          </a:fillRef>
+          <a:effectRef idx="0">
+            <a:schemeClr val="accent1"/>
+          </a:effectRef>
+          <a:fontRef idx="minor">
+            <a:schemeClr val="lt1"/>
+          </a:fontRef>
+        </p:style>
+        <p:txBody>
+          <a:bodyPr rtlCol="0" anchor="ctr"/>
+          <a:lstStyle/>
+          <a:p>
+            <a:pPr algn="ctr"/>
+            <a:endParaRPr lang="en-US" dirty="0">
+              <a:solidFill>
+                <a:schemeClr val="tx1"/>
+              </a:solidFill>
+            </a:endParaRPr>
+          </a:p>
+        </p:txBody>
+      </p:sp>
+      <p:sp>
+        <p:nvSpPr>
+          <p:cNvPr id="20" name="Retângulo 19">
+            <a:extLst>
+              <a:ext uri="{FF2B5EF4-FFF2-40B4-BE49-F238E27FC236}">
+                <a16:creationId xmlns:a16="http://schemas.microsoft.com/office/drawing/2014/main" id="{9497121D-519F-452D-8FE3-80AF7C709B89}"/>
+              </a:ext>
+            </a:extLst>
+          </p:cNvPr>
+          <p:cNvSpPr/>
+          <p:nvPr/>
+        </p:nvSpPr>
+        <p:spPr>
+          <a:xfrm>
+            <a:off x="1776581" y="1199635"/>
+            <a:ext cx="3657838" cy="523218"/>
+          </a:xfrm>
+          <a:prstGeom prst="rect">
+            <a:avLst/>
+          </a:prstGeom>
+          <a:solidFill>
+            <a:schemeClr val="accent4">
+              <a:lumMod val="60000"/>
+              <a:lumOff val="40000"/>
+            </a:schemeClr>
+          </a:solidFill>
+        </p:spPr>
+        <p:style>
+          <a:lnRef idx="2">
+            <a:schemeClr val="accent1">
+              <a:shade val="50000"/>
+            </a:schemeClr>
+          </a:lnRef>
+          <a:fillRef idx="1">
+            <a:schemeClr val="accent1"/>
+          </a:fillRef>
+          <a:effectRef idx="0">
+            <a:schemeClr val="accent1"/>
+          </a:effectRef>
+          <a:fontRef idx="minor">
+            <a:schemeClr val="lt1"/>
+          </a:fontRef>
+        </p:style>
+        <p:txBody>
+          <a:bodyPr rtlCol="0" anchor="ctr"/>
+          <a:lstStyle/>
+          <a:p>
+            <a:pPr algn="ctr"/>
+            <a:r>
+              <a:rPr lang="pt-BR" sz="2000" b="1" dirty="0">
+                <a:solidFill>
+                  <a:schemeClr val="tx1"/>
+                </a:solidFill>
+              </a:rPr>
+              <a:t>Em desenvolvimento</a:t>
+            </a:r>
+          </a:p>
+        </p:txBody>
+      </p:sp>
+      <p:sp>
+        <p:nvSpPr>
+          <p:cNvPr id="21" name="CaixaDeTexto 20">
+            <a:extLst>
+              <a:ext uri="{FF2B5EF4-FFF2-40B4-BE49-F238E27FC236}">
+                <a16:creationId xmlns:a16="http://schemas.microsoft.com/office/drawing/2014/main" id="{E5840FED-3F3D-4DD4-B6C7-B6A764EC6369}"/>
+              </a:ext>
+            </a:extLst>
+          </p:cNvPr>
+          <p:cNvSpPr txBox="1"/>
+          <p:nvPr/>
+        </p:nvSpPr>
+        <p:spPr>
+          <a:xfrm>
+            <a:off x="1773840" y="1877692"/>
+            <a:ext cx="3662681" cy="2031325"/>
+          </a:xfrm>
+          <a:prstGeom prst="rect">
+            <a:avLst/>
+          </a:prstGeom>
+          <a:noFill/>
+        </p:spPr>
+        <p:txBody>
+          <a:bodyPr wrap="square">
+            <a:spAutoFit/>
+          </a:bodyPr>
+          <a:lstStyle/>
+          <a:p>
+            <a:pPr marL="342900" indent="-342900">
+              <a:buFont typeface="+mj-lt"/>
+              <a:buAutoNum type="arabicPeriod"/>
+            </a:pPr>
+            <a:r>
+              <a:rPr lang="pt-BR" dirty="0"/>
+              <a:t>Reprodução do documento Laudo Pericial Contábil em </a:t>
+            </a:r>
+            <a:r>
+              <a:rPr lang="pt-BR" dirty="0" err="1"/>
+              <a:t>LaTex</a:t>
+            </a:r>
+            <a:r>
+              <a:rPr lang="pt-BR" dirty="0"/>
+              <a:t>;</a:t>
+            </a:r>
+          </a:p>
+          <a:p>
+            <a:pPr marL="342900" indent="-342900">
+              <a:buFont typeface="+mj-lt"/>
+              <a:buAutoNum type="arabicPeriod"/>
+            </a:pPr>
+            <a:endParaRPr lang="pt-BR" dirty="0"/>
+          </a:p>
+          <a:p>
+            <a:pPr marL="342900" indent="-342900">
+              <a:buFont typeface="+mj-lt"/>
+              <a:buAutoNum type="arabicPeriod"/>
+            </a:pPr>
+            <a:r>
+              <a:rPr lang="pt-BR" dirty="0"/>
+              <a:t>Segmentação dos documentos enviados buscando reconhecimento de padrões;</a:t>
+            </a:r>
+          </a:p>
+          <a:p>
+            <a:pPr marL="342900" indent="-342900">
+              <a:buFont typeface="+mj-lt"/>
+              <a:buAutoNum type="arabicPeriod"/>
+            </a:pPr>
+            <a:endParaRPr lang="pt-BR" dirty="0"/>
+          </a:p>
+        </p:txBody>
+      </p:sp>
+      <p:sp>
+        <p:nvSpPr>
+          <p:cNvPr id="22" name="CaixaDeTexto 21">
+            <a:extLst>
+              <a:ext uri="{FF2B5EF4-FFF2-40B4-BE49-F238E27FC236}">
+                <a16:creationId xmlns:a16="http://schemas.microsoft.com/office/drawing/2014/main" id="{42CA5F21-1318-47B3-928A-892D37EEF532}"/>
+              </a:ext>
+            </a:extLst>
+          </p:cNvPr>
+          <p:cNvSpPr txBox="1"/>
+          <p:nvPr/>
+        </p:nvSpPr>
+        <p:spPr>
+          <a:xfrm>
+            <a:off x="8083099" y="1326441"/>
+            <a:ext cx="1821909" cy="369332"/>
+          </a:xfrm>
+          <a:prstGeom prst="rect">
+            <a:avLst/>
+          </a:prstGeom>
+          <a:noFill/>
+        </p:spPr>
+        <p:txBody>
+          <a:bodyPr wrap="none" rtlCol="0">
+            <a:spAutoFit/>
+          </a:bodyPr>
+          <a:lstStyle/>
+          <a:p>
+            <a:r>
+              <a:rPr lang="pt-BR" b="1" u="sng" dirty="0"/>
+              <a:t>Próximos passos:</a:t>
+            </a:r>
+          </a:p>
+        </p:txBody>
+      </p:sp>
+      <p:sp>
+        <p:nvSpPr>
+          <p:cNvPr id="23" name="Retângulo 22">
+            <a:extLst>
+              <a:ext uri="{FF2B5EF4-FFF2-40B4-BE49-F238E27FC236}">
+                <a16:creationId xmlns:a16="http://schemas.microsoft.com/office/drawing/2014/main" id="{C526F3CB-4E6B-4F1A-83C4-098DA07D5FFF}"/>
+              </a:ext>
+            </a:extLst>
+          </p:cNvPr>
+          <p:cNvSpPr/>
+          <p:nvPr/>
+        </p:nvSpPr>
+        <p:spPr>
+          <a:xfrm>
+            <a:off x="6485830" y="1695773"/>
+            <a:ext cx="3647502" cy="4426487"/>
+          </a:xfrm>
+          <a:prstGeom prst="rect">
+            <a:avLst/>
+          </a:prstGeom>
+          <a:solidFill>
+            <a:schemeClr val="accent5">
+              <a:lumMod val="20000"/>
+              <a:lumOff val="80000"/>
+            </a:schemeClr>
+          </a:solidFill>
+        </p:spPr>
+        <p:style>
+          <a:lnRef idx="2">
+            <a:schemeClr val="accent1">
+              <a:shade val="50000"/>
+            </a:schemeClr>
+          </a:lnRef>
+          <a:fillRef idx="1">
+            <a:schemeClr val="accent1"/>
+          </a:fillRef>
+          <a:effectRef idx="0">
+            <a:schemeClr val="accent1"/>
+          </a:effectRef>
+          <a:fontRef idx="minor">
+            <a:schemeClr val="lt1"/>
+          </a:fontRef>
+        </p:style>
+        <p:txBody>
+          <a:bodyPr rtlCol="0" anchor="ctr"/>
+          <a:lstStyle/>
+          <a:p>
+            <a:pPr algn="ctr"/>
+            <a:endParaRPr lang="en-US" dirty="0">
+              <a:solidFill>
+                <a:schemeClr val="tx1"/>
+              </a:solidFill>
+            </a:endParaRPr>
+          </a:p>
+        </p:txBody>
+      </p:sp>
+      <p:sp>
+        <p:nvSpPr>
+          <p:cNvPr id="24" name="Retângulo 23">
+            <a:extLst>
+              <a:ext uri="{FF2B5EF4-FFF2-40B4-BE49-F238E27FC236}">
+                <a16:creationId xmlns:a16="http://schemas.microsoft.com/office/drawing/2014/main" id="{9CEEADA0-149D-44C7-8DF5-065812599296}"/>
+              </a:ext>
+            </a:extLst>
+          </p:cNvPr>
+          <p:cNvSpPr/>
+          <p:nvPr/>
+        </p:nvSpPr>
+        <p:spPr>
+          <a:xfrm>
+            <a:off x="6475494" y="1172555"/>
+            <a:ext cx="3657838" cy="523218"/>
+          </a:xfrm>
+          <a:prstGeom prst="rect">
+            <a:avLst/>
+          </a:prstGeom>
+          <a:solidFill>
+            <a:schemeClr val="accent5">
+              <a:lumMod val="60000"/>
+              <a:lumOff val="40000"/>
+            </a:schemeClr>
+          </a:solidFill>
+        </p:spPr>
+        <p:style>
+          <a:lnRef idx="2">
+            <a:schemeClr val="accent1">
+              <a:shade val="50000"/>
+            </a:schemeClr>
+          </a:lnRef>
+          <a:fillRef idx="1">
+            <a:schemeClr val="accent1"/>
+          </a:fillRef>
+          <a:effectRef idx="0">
+            <a:schemeClr val="accent1"/>
+          </a:effectRef>
+          <a:fontRef idx="minor">
+            <a:schemeClr val="lt1"/>
+          </a:fontRef>
+        </p:style>
+        <p:txBody>
+          <a:bodyPr rtlCol="0" anchor="ctr"/>
+          <a:lstStyle/>
+          <a:p>
+            <a:pPr algn="ctr"/>
+            <a:r>
+              <a:rPr lang="pt-BR" sz="2000" b="1" dirty="0">
+                <a:solidFill>
+                  <a:schemeClr val="tx1"/>
+                </a:solidFill>
+              </a:rPr>
+              <a:t>Próximos passos</a:t>
+            </a:r>
+          </a:p>
+        </p:txBody>
+      </p:sp>
+      <p:sp>
+        <p:nvSpPr>
+          <p:cNvPr id="25" name="CaixaDeTexto 24">
+            <a:extLst>
+              <a:ext uri="{FF2B5EF4-FFF2-40B4-BE49-F238E27FC236}">
+                <a16:creationId xmlns:a16="http://schemas.microsoft.com/office/drawing/2014/main" id="{4A551D6E-ABDF-4D70-A7FA-91C10B61E484}"/>
+              </a:ext>
+            </a:extLst>
+          </p:cNvPr>
+          <p:cNvSpPr txBox="1"/>
+          <p:nvPr/>
+        </p:nvSpPr>
+        <p:spPr>
+          <a:xfrm>
+            <a:off x="6472753" y="1850612"/>
+            <a:ext cx="3662681" cy="2308324"/>
+          </a:xfrm>
+          <a:prstGeom prst="rect">
+            <a:avLst/>
+          </a:prstGeom>
+          <a:noFill/>
+        </p:spPr>
+        <p:txBody>
+          <a:bodyPr wrap="square">
+            <a:spAutoFit/>
+          </a:bodyPr>
+          <a:lstStyle/>
+          <a:p>
+            <a:pPr marL="342900" indent="-342900">
+              <a:buFont typeface="+mj-lt"/>
+              <a:buAutoNum type="arabicPeriod"/>
+            </a:pPr>
+            <a:r>
+              <a:rPr lang="pt-BR" dirty="0"/>
+              <a:t>Acompanhar a execução do processo;</a:t>
+            </a:r>
+          </a:p>
+          <a:p>
+            <a:pPr marL="342900" indent="-342900">
+              <a:buFont typeface="+mj-lt"/>
+              <a:buAutoNum type="arabicPeriod"/>
+            </a:pPr>
+            <a:endParaRPr lang="pt-BR" dirty="0"/>
+          </a:p>
+          <a:p>
+            <a:pPr marL="342900" indent="-342900">
+              <a:buFont typeface="+mj-lt"/>
+              <a:buAutoNum type="arabicPeriod"/>
+            </a:pPr>
+            <a:r>
+              <a:rPr lang="pt-BR" dirty="0"/>
+              <a:t>Detalhar o processo atual;</a:t>
+            </a:r>
+          </a:p>
+          <a:p>
+            <a:pPr marL="342900" indent="-342900">
+              <a:buFont typeface="+mj-lt"/>
+              <a:buAutoNum type="arabicPeriod"/>
+            </a:pPr>
+            <a:endParaRPr lang="pt-BR" dirty="0"/>
+          </a:p>
+          <a:p>
+            <a:pPr marL="342900" indent="-342900">
+              <a:buFont typeface="+mj-lt"/>
+              <a:buAutoNum type="arabicPeriod"/>
+            </a:pPr>
+            <a:r>
+              <a:rPr lang="pt-BR" dirty="0"/>
+              <a:t>Avaliar vantagens e desvantagens de cada etapa do processo atual;</a:t>
+            </a:r>
+          </a:p>
+          <a:p>
+            <a:pPr marL="342900" indent="-342900">
+              <a:buFont typeface="+mj-lt"/>
+              <a:buAutoNum type="arabicPeriod"/>
+            </a:pPr>
+            <a:endParaRPr lang="en-US" dirty="0"/>
+          </a:p>
+        </p:txBody>
+      </p:sp>
+    </p:spTree>
+    <p:extLst>
+      <p:ext uri="{BB962C8B-B14F-4D97-AF65-F5344CB8AC3E}">
+        <p14:creationId xmlns:p14="http://schemas.microsoft.com/office/powerpoint/2010/main" val="2596496189"/>
       </p:ext>
     </p:extLst>
   </p:cSld>
